--- a/proyecto/informeFinal/ED2-Plantilla-Eafit - Habladores Vr 1.0.pptx
+++ b/proyecto/informeFinal/ED2-Plantilla-Eafit - Habladores Vr 1.0.pptx
@@ -12,7 +12,6 @@
     <p:sldId id="259" r:id="rId6"/>
     <p:sldId id="260" r:id="rId7"/>
     <p:sldId id="261" r:id="rId8"/>
-    <p:sldId id="262" r:id="rId9"/>
   </p:sldIdLst>
   <p:sldSz cx="9144000" cy="6858000" type="screen4x3"/>
   <p:notesSz cx="7772400" cy="10058400"/>
@@ -4350,8 +4349,8 @@
         </p:nvSpPr>
         <p:spPr>
           <a:xfrm>
-            <a:off x="810540" y="1332114"/>
-            <a:ext cx="7770960" cy="1468440"/>
+            <a:off x="810540" y="267811"/>
+            <a:ext cx="7770960" cy="2715210"/>
           </a:xfrm>
           <a:prstGeom prst="rect">
             <a:avLst/>
@@ -4383,7 +4382,7 @@
               </a:lnSpc>
             </a:pPr>
             <a:r>
-              <a:rPr lang="en-US" sz="4000" b="1" i="1" strike="noStrike" spc="-1" dirty="0" err="1">
+              <a:rPr lang="es-ES" sz="4000" b="1" i="1" strike="noStrike" spc="-1" dirty="0">
                 <a:solidFill>
                   <a:srgbClr val="333F4F"/>
                 </a:solidFill>
@@ -4395,7 +4394,7 @@
                 <a:latin typeface="+mj-lt"/>
                 <a:ea typeface="DejaVu Sans"/>
               </a:rPr>
-              <a:t>Título</a:t>
+              <a:t>ALGORITMO</a:t>
             </a:r>
             <a:r>
               <a:rPr lang="en-US" sz="4000" b="1" i="1" strike="noStrike" spc="-1" dirty="0">
@@ -4410,82 +4409,7 @@
                 <a:latin typeface="+mj-lt"/>
                 <a:ea typeface="DejaVu Sans"/>
               </a:rPr>
-              <a:t> </a:t>
-            </a:r>
-            <a:r>
-              <a:rPr lang="en-US" sz="4000" b="1" i="1" spc="-1" dirty="0" smtClean="0">
-                <a:solidFill>
-                  <a:srgbClr val="333F4F"/>
-                </a:solidFill>
-                <a:uFill>
-                  <a:solidFill>
-                    <a:srgbClr val="FFFFFF"/>
-                  </a:solidFill>
-                </a:uFill>
-                <a:latin typeface="+mj-lt"/>
-                <a:ea typeface="DejaVu Sans"/>
-              </a:rPr>
-              <a:t>d</a:t>
-            </a:r>
-            <a:r>
-              <a:rPr lang="en-US" sz="4000" b="1" i="1" strike="noStrike" spc="-1" dirty="0" smtClean="0">
-                <a:solidFill>
-                  <a:srgbClr val="333F4F"/>
-                </a:solidFill>
-                <a:uFill>
-                  <a:solidFill>
-                    <a:srgbClr val="FFFFFF"/>
-                  </a:solidFill>
-                </a:uFill>
-                <a:latin typeface="+mj-lt"/>
-                <a:ea typeface="DejaVu Sans"/>
-              </a:rPr>
-              <a:t>el </a:t>
-            </a:r>
-            <a:r>
-              <a:rPr lang="en-US" sz="4000" b="1" i="1" strike="noStrike" spc="-1" dirty="0" err="1">
-                <a:solidFill>
-                  <a:srgbClr val="333F4F"/>
-                </a:solidFill>
-                <a:uFill>
-                  <a:solidFill>
-                    <a:srgbClr val="FFFFFF"/>
-                  </a:solidFill>
-                </a:uFill>
-                <a:latin typeface="+mj-lt"/>
-                <a:ea typeface="DejaVu Sans"/>
-              </a:rPr>
-              <a:t>informe</a:t>
-            </a:r>
-            <a:r>
-              <a:rPr lang="en-US" sz="4000" b="1" i="1" strike="noStrike" spc="-1" dirty="0">
-                <a:solidFill>
-                  <a:srgbClr val="333F4F"/>
-                </a:solidFill>
-                <a:uFill>
-                  <a:solidFill>
-                    <a:srgbClr val="FFFFFF"/>
-                  </a:solidFill>
-                </a:uFill>
-                <a:latin typeface="+mj-lt"/>
-                <a:ea typeface="DejaVu Sans"/>
-              </a:rPr>
-              <a:t> </a:t>
-            </a:r>
-            <a:r>
-              <a:rPr lang="en-US" sz="4000" b="1" i="1" strike="noStrike" spc="-1" dirty="0" smtClean="0">
-                <a:solidFill>
-                  <a:srgbClr val="333F4F"/>
-                </a:solidFill>
-                <a:uFill>
-                  <a:solidFill>
-                    <a:srgbClr val="FFFFFF"/>
-                  </a:solidFill>
-                </a:uFill>
-                <a:latin typeface="+mj-lt"/>
-                <a:ea typeface="DejaVu Sans"/>
-              </a:rPr>
-              <a:t>PDF</a:t>
+              <a:t> PARA UNA SOLUCION APROXIMADA AL RUTEO DE VEHICULOS ELECTRICOS</a:t>
             </a:r>
             <a:endParaRPr lang="en-US" sz="1800" b="1" strike="noStrike" spc="-1" dirty="0">
               <a:solidFill>
@@ -4578,7 +4502,113 @@
               </a:lnSpc>
             </a:pPr>
             <a:r>
-              <a:rPr lang="en-US" sz="2400" b="1" i="1" strike="noStrike" spc="-1" dirty="0" err="1">
+              <a:rPr lang="en-US" sz="2400" b="1" i="1" spc="-1" dirty="0">
+                <a:solidFill>
+                  <a:srgbClr val="1F4E79"/>
+                </a:solidFill>
+                <a:uFill>
+                  <a:solidFill>
+                    <a:srgbClr val="FFFFFF"/>
+                  </a:solidFill>
+                </a:uFill>
+                <a:latin typeface="Calibri"/>
+              </a:rPr>
+              <a:t>Kevin </a:t>
+            </a:r>
+            <a:r>
+              <a:rPr lang="en-US" sz="2400" b="1" i="1" spc="-1" dirty="0" err="1">
+                <a:solidFill>
+                  <a:srgbClr val="1F4E79"/>
+                </a:solidFill>
+                <a:uFill>
+                  <a:solidFill>
+                    <a:srgbClr val="FFFFFF"/>
+                  </a:solidFill>
+                </a:uFill>
+                <a:latin typeface="Calibri"/>
+              </a:rPr>
+              <a:t>Arley</a:t>
+            </a:r>
+            <a:r>
+              <a:rPr lang="en-US" sz="2400" b="1" i="1" spc="-1" dirty="0">
+                <a:solidFill>
+                  <a:srgbClr val="1F4E79"/>
+                </a:solidFill>
+                <a:uFill>
+                  <a:solidFill>
+                    <a:srgbClr val="FFFFFF"/>
+                  </a:solidFill>
+                </a:uFill>
+                <a:latin typeface="Calibri"/>
+              </a:rPr>
+              <a:t> Parra </a:t>
+            </a:r>
+            <a:r>
+              <a:rPr lang="en-US" sz="2400" b="1" i="1" spc="-1" dirty="0" err="1">
+                <a:solidFill>
+                  <a:srgbClr val="1F4E79"/>
+                </a:solidFill>
+                <a:uFill>
+                  <a:solidFill>
+                    <a:srgbClr val="FFFFFF"/>
+                  </a:solidFill>
+                </a:uFill>
+                <a:latin typeface="Calibri"/>
+              </a:rPr>
+              <a:t>Henao</a:t>
+            </a:r>
+            <a:endParaRPr lang="en-US" sz="1800" b="0" strike="noStrike" spc="-1" dirty="0">
+              <a:solidFill>
+                <a:srgbClr val="000000"/>
+              </a:solidFill>
+              <a:uFill>
+                <a:solidFill>
+                  <a:srgbClr val="FFFFFF"/>
+                </a:solidFill>
+              </a:uFill>
+              <a:latin typeface="Arial"/>
+            </a:endParaRPr>
+          </a:p>
+          <a:p>
+            <a:pPr algn="ctr">
+              <a:lnSpc>
+                <a:spcPct val="100000"/>
+              </a:lnSpc>
+            </a:pPr>
+            <a:r>
+              <a:rPr lang="en-US" sz="2400" b="1" i="1" spc="-1" dirty="0">
+                <a:solidFill>
+                  <a:srgbClr val="1F4E79"/>
+                </a:solidFill>
+                <a:uFill>
+                  <a:solidFill>
+                    <a:srgbClr val="FFFFFF"/>
+                  </a:solidFill>
+                </a:uFill>
+                <a:latin typeface="Calibri"/>
+              </a:rPr>
+              <a:t>Daniel Alejandro Mesa Arango</a:t>
+            </a:r>
+            <a:endParaRPr lang="en-US" sz="1800" b="0" strike="noStrike" spc="-1" dirty="0">
+              <a:solidFill>
+                <a:srgbClr val="000000"/>
+              </a:solidFill>
+              <a:uFill>
+                <a:solidFill>
+                  <a:srgbClr val="FFFFFF"/>
+                </a:solidFill>
+              </a:uFill>
+              <a:latin typeface="Arial"/>
+            </a:endParaRPr>
+          </a:p>
+          <a:p>
+            <a:pPr algn="ctr">
+              <a:lnSpc>
+                <a:spcPct val="100000"/>
+              </a:lnSpc>
+            </a:pPr>
+            <a:r>
+              <a:rPr lang="en-US" sz="2400" b="0" i="1" strike="noStrike" spc="-1" dirty="0">
                 <a:solidFill>
                   <a:srgbClr val="1F4E79"/>
                 </a:solidFill>
@@ -4590,10 +4620,10 @@
                 <a:latin typeface="Calibri"/>
                 <a:ea typeface="DejaVu Sans"/>
               </a:rPr>
-              <a:t>Nombre</a:t>
+              <a:t>Medellín, </a:t>
             </a:r>
             <a:r>
-              <a:rPr lang="en-US" sz="2400" b="1" i="1" strike="noStrike" spc="-1" dirty="0">
+              <a:rPr lang="en-US" sz="2400" i="1" spc="-1" dirty="0">
                 <a:solidFill>
                   <a:srgbClr val="1F4E79"/>
                 </a:solidFill>
@@ -4605,67 +4635,7 @@
                 <a:latin typeface="Calibri"/>
                 <a:ea typeface="DejaVu Sans"/>
               </a:rPr>
-              <a:t> del </a:t>
-            </a:r>
-            <a:r>
-              <a:rPr lang="en-US" sz="2400" b="1" i="1" spc="-1" dirty="0" err="1">
-                <a:solidFill>
-                  <a:srgbClr val="1F4E79"/>
-                </a:solidFill>
-                <a:uFill>
-                  <a:solidFill>
-                    <a:srgbClr val="FFFFFF"/>
-                  </a:solidFill>
-                </a:uFill>
-                <a:latin typeface="Calibri"/>
-                <a:ea typeface="DejaVu Sans"/>
-              </a:rPr>
-              <a:t>E</a:t>
-            </a:r>
-            <a:r>
-              <a:rPr lang="en-US" sz="2400" b="1" i="1" strike="noStrike" spc="-1" dirty="0" err="1" smtClean="0">
-                <a:solidFill>
-                  <a:srgbClr val="1F4E79"/>
-                </a:solidFill>
-                <a:uFill>
-                  <a:solidFill>
-                    <a:srgbClr val="FFFFFF"/>
-                  </a:solidFill>
-                </a:uFill>
-                <a:latin typeface="Calibri"/>
-                <a:ea typeface="DejaVu Sans"/>
-              </a:rPr>
-              <a:t>studiante</a:t>
-            </a:r>
-            <a:r>
-              <a:rPr lang="en-US" sz="2400" b="1" i="1" strike="noStrike" spc="-1" dirty="0" smtClean="0">
-                <a:solidFill>
-                  <a:srgbClr val="1F4E79"/>
-                </a:solidFill>
-                <a:uFill>
-                  <a:solidFill>
-                    <a:srgbClr val="FFFFFF"/>
-                  </a:solidFill>
-                </a:uFill>
-                <a:latin typeface="Calibri"/>
-                <a:ea typeface="DejaVu Sans"/>
-              </a:rPr>
-              <a:t> </a:t>
-            </a:r>
-            <a:r>
-              <a:rPr lang="en-US" sz="2400" b="1" i="1" strike="noStrike" spc="-1" dirty="0">
-                <a:solidFill>
-                  <a:srgbClr val="1F4E79"/>
-                </a:solidFill>
-                <a:uFill>
-                  <a:solidFill>
-                    <a:srgbClr val="FFFFFF"/>
-                  </a:solidFill>
-                </a:uFill>
-                <a:latin typeface="Calibri"/>
-                <a:ea typeface="DejaVu Sans"/>
-              </a:rPr>
-              <a:t>1</a:t>
+              <a:t>17/05/2018</a:t>
             </a:r>
             <a:endParaRPr lang="en-US" sz="1800" b="0" strike="noStrike" spc="-1" dirty="0">
               <a:solidFill>
@@ -4677,464 +4647,6 @@
                 </a:solidFill>
               </a:uFill>
               <a:latin typeface="Arial"/>
-            </a:endParaRPr>
-          </a:p>
-          <a:p>
-            <a:pPr algn="ctr">
-              <a:lnSpc>
-                <a:spcPct val="100000"/>
-              </a:lnSpc>
-            </a:pPr>
-            <a:r>
-              <a:rPr lang="en-US" sz="2400" b="1" i="1" strike="noStrike" spc="-1" dirty="0" err="1">
-                <a:solidFill>
-                  <a:srgbClr val="1F4E79"/>
-                </a:solidFill>
-                <a:uFill>
-                  <a:solidFill>
-                    <a:srgbClr val="FFFFFF"/>
-                  </a:solidFill>
-                </a:uFill>
-                <a:latin typeface="Calibri"/>
-                <a:ea typeface="DejaVu Sans"/>
-              </a:rPr>
-              <a:t>Nombre</a:t>
-            </a:r>
-            <a:r>
-              <a:rPr lang="en-US" sz="2400" b="1" i="1" strike="noStrike" spc="-1" dirty="0">
-                <a:solidFill>
-                  <a:srgbClr val="1F4E79"/>
-                </a:solidFill>
-                <a:uFill>
-                  <a:solidFill>
-                    <a:srgbClr val="FFFFFF"/>
-                  </a:solidFill>
-                </a:uFill>
-                <a:latin typeface="Calibri"/>
-                <a:ea typeface="DejaVu Sans"/>
-              </a:rPr>
-              <a:t> del </a:t>
-            </a:r>
-            <a:r>
-              <a:rPr lang="en-US" sz="2400" b="1" i="1" strike="noStrike" spc="-1" dirty="0" err="1" smtClean="0">
-                <a:solidFill>
-                  <a:srgbClr val="1F4E79"/>
-                </a:solidFill>
-                <a:uFill>
-                  <a:solidFill>
-                    <a:srgbClr val="FFFFFF"/>
-                  </a:solidFill>
-                </a:uFill>
-                <a:latin typeface="Calibri"/>
-                <a:ea typeface="DejaVu Sans"/>
-              </a:rPr>
-              <a:t>Estudiante</a:t>
-            </a:r>
-            <a:r>
-              <a:rPr lang="en-US" sz="2400" b="1" i="1" strike="noStrike" spc="-1" dirty="0" smtClean="0">
-                <a:solidFill>
-                  <a:srgbClr val="1F4E79"/>
-                </a:solidFill>
-                <a:uFill>
-                  <a:solidFill>
-                    <a:srgbClr val="FFFFFF"/>
-                  </a:solidFill>
-                </a:uFill>
-                <a:latin typeface="Calibri"/>
-                <a:ea typeface="DejaVu Sans"/>
-              </a:rPr>
-              <a:t> </a:t>
-            </a:r>
-            <a:r>
-              <a:rPr lang="en-US" sz="2400" b="1" i="1" strike="noStrike" spc="-1" dirty="0">
-                <a:solidFill>
-                  <a:srgbClr val="1F4E79"/>
-                </a:solidFill>
-                <a:uFill>
-                  <a:solidFill>
-                    <a:srgbClr val="FFFFFF"/>
-                  </a:solidFill>
-                </a:uFill>
-                <a:latin typeface="Calibri"/>
-                <a:ea typeface="DejaVu Sans"/>
-              </a:rPr>
-              <a:t>2</a:t>
-            </a:r>
-            <a:endParaRPr lang="en-US" sz="1800" b="0" strike="noStrike" spc="-1" dirty="0">
-              <a:solidFill>
-                <a:srgbClr val="000000"/>
-              </a:solidFill>
-              <a:uFill>
-                <a:solidFill>
-                  <a:srgbClr val="FFFFFF"/>
-                </a:solidFill>
-              </a:uFill>
-              <a:latin typeface="Arial"/>
-            </a:endParaRPr>
-          </a:p>
-          <a:p>
-            <a:pPr algn="ctr">
-              <a:lnSpc>
-                <a:spcPct val="100000"/>
-              </a:lnSpc>
-            </a:pPr>
-            <a:r>
-              <a:rPr lang="en-US" sz="2400" b="0" i="1" strike="noStrike" spc="-1" dirty="0" err="1">
-                <a:solidFill>
-                  <a:srgbClr val="1F4E79"/>
-                </a:solidFill>
-                <a:uFill>
-                  <a:solidFill>
-                    <a:srgbClr val="FFFFFF"/>
-                  </a:solidFill>
-                </a:uFill>
-                <a:latin typeface="Calibri"/>
-                <a:ea typeface="DejaVu Sans"/>
-              </a:rPr>
-              <a:t>Medellín</a:t>
-            </a:r>
-            <a:r>
-              <a:rPr lang="en-US" sz="2400" b="0" i="1" strike="noStrike" spc="-1" dirty="0">
-                <a:solidFill>
-                  <a:srgbClr val="1F4E79"/>
-                </a:solidFill>
-                <a:uFill>
-                  <a:solidFill>
-                    <a:srgbClr val="FFFFFF"/>
-                  </a:solidFill>
-                </a:uFill>
-                <a:latin typeface="Calibri"/>
-                <a:ea typeface="DejaVu Sans"/>
-              </a:rPr>
-              <a:t>, </a:t>
-            </a:r>
-            <a:r>
-              <a:rPr lang="en-US" sz="2400" b="0" i="1" strike="noStrike" spc="-1" dirty="0" err="1">
-                <a:solidFill>
-                  <a:srgbClr val="1F4E79"/>
-                </a:solidFill>
-                <a:uFill>
-                  <a:solidFill>
-                    <a:srgbClr val="FFFFFF"/>
-                  </a:solidFill>
-                </a:uFill>
-                <a:latin typeface="Calibri"/>
-                <a:ea typeface="DejaVu Sans"/>
-              </a:rPr>
-              <a:t>Fecha</a:t>
-            </a:r>
-            <a:r>
-              <a:rPr lang="en-US" sz="2400" b="0" i="1" strike="noStrike" spc="-1" dirty="0">
-                <a:solidFill>
-                  <a:srgbClr val="1F4E79"/>
-                </a:solidFill>
-                <a:uFill>
-                  <a:solidFill>
-                    <a:srgbClr val="FFFFFF"/>
-                  </a:solidFill>
-                </a:uFill>
-                <a:latin typeface="Calibri"/>
-                <a:ea typeface="DejaVu Sans"/>
-              </a:rPr>
-              <a:t> del </a:t>
-            </a:r>
-            <a:r>
-              <a:rPr lang="en-US" sz="2400" b="0" i="1" strike="noStrike" spc="-1" dirty="0" err="1">
-                <a:solidFill>
-                  <a:srgbClr val="1F4E79"/>
-                </a:solidFill>
-                <a:uFill>
-                  <a:solidFill>
-                    <a:srgbClr val="FFFFFF"/>
-                  </a:solidFill>
-                </a:uFill>
-                <a:latin typeface="Calibri"/>
-                <a:ea typeface="DejaVu Sans"/>
-              </a:rPr>
-              <a:t>día</a:t>
-            </a:r>
-            <a:r>
-              <a:rPr lang="en-US" sz="2400" b="0" i="1" strike="noStrike" spc="-1" dirty="0">
-                <a:solidFill>
-                  <a:srgbClr val="1F4E79"/>
-                </a:solidFill>
-                <a:uFill>
-                  <a:solidFill>
-                    <a:srgbClr val="FFFFFF"/>
-                  </a:solidFill>
-                </a:uFill>
-                <a:latin typeface="Calibri"/>
-                <a:ea typeface="DejaVu Sans"/>
-              </a:rPr>
-              <a:t> de la </a:t>
-            </a:r>
-            <a:r>
-              <a:rPr lang="en-US" sz="2400" b="0" i="1" strike="noStrike" spc="-1" dirty="0" err="1">
-                <a:solidFill>
-                  <a:srgbClr val="1F4E79"/>
-                </a:solidFill>
-                <a:uFill>
-                  <a:solidFill>
-                    <a:srgbClr val="FFFFFF"/>
-                  </a:solidFill>
-                </a:uFill>
-                <a:latin typeface="Calibri"/>
-                <a:ea typeface="DejaVu Sans"/>
-              </a:rPr>
-              <a:t>sustentación</a:t>
-            </a:r>
-            <a:endParaRPr lang="en-US" sz="1800" b="0" strike="noStrike" spc="-1" dirty="0">
-              <a:solidFill>
-                <a:srgbClr val="000000"/>
-              </a:solidFill>
-              <a:uFill>
-                <a:solidFill>
-                  <a:srgbClr val="FFFFFF"/>
-                </a:solidFill>
-              </a:uFill>
-              <a:latin typeface="Arial"/>
-            </a:endParaRPr>
-          </a:p>
-        </p:txBody>
-      </p:sp>
-      <p:sp>
-        <p:nvSpPr>
-          <p:cNvPr id="2" name="Rectángulo 1"/>
-          <p:cNvSpPr/>
-          <p:nvPr/>
-        </p:nvSpPr>
-        <p:spPr>
-          <a:xfrm>
-            <a:off x="1690255" y="1676395"/>
-            <a:ext cx="6179127" cy="1011382"/>
-          </a:xfrm>
-          <a:prstGeom prst="rect">
-            <a:avLst/>
-          </a:prstGeom>
-          <a:noFill/>
-          <a:ln w="76200">
-            <a:solidFill>
-              <a:srgbClr val="FF0000"/>
-            </a:solidFill>
-          </a:ln>
-        </p:spPr>
-        <p:style>
-          <a:lnRef idx="2">
-            <a:schemeClr val="accent1">
-              <a:shade val="50000"/>
-            </a:schemeClr>
-          </a:lnRef>
-          <a:fillRef idx="1">
-            <a:schemeClr val="accent1"/>
-          </a:fillRef>
-          <a:effectRef idx="0">
-            <a:schemeClr val="accent1"/>
-          </a:effectRef>
-          <a:fontRef idx="minor">
-            <a:schemeClr val="lt1"/>
-          </a:fontRef>
-        </p:style>
-        <p:txBody>
-          <a:bodyPr rtlCol="0" anchor="ctr"/>
-          <a:lstStyle/>
-          <a:p>
-            <a:pPr algn="ctr"/>
-            <a:endParaRPr lang="es-CO"/>
-          </a:p>
-        </p:txBody>
-      </p:sp>
-      <p:sp>
-        <p:nvSpPr>
-          <p:cNvPr id="4" name="CuadroTexto 3"/>
-          <p:cNvSpPr txBox="1"/>
-          <p:nvPr/>
-        </p:nvSpPr>
-        <p:spPr>
-          <a:xfrm>
-            <a:off x="5433560" y="797660"/>
-            <a:ext cx="2116660" cy="523220"/>
-          </a:xfrm>
-          <a:prstGeom prst="rect">
-            <a:avLst/>
-          </a:prstGeom>
-          <a:noFill/>
-        </p:spPr>
-        <p:txBody>
-          <a:bodyPr wrap="square" rtlCol="0">
-            <a:spAutoFit/>
-          </a:bodyPr>
-          <a:lstStyle/>
-          <a:p>
-            <a:pPr algn="ctr"/>
-            <a:r>
-              <a:rPr lang="es-CO" sz="1400" i="1" dirty="0" smtClean="0">
-                <a:solidFill>
-                  <a:srgbClr val="FF0000"/>
-                </a:solidFill>
-              </a:rPr>
-              <a:t>Escriban aquí el título de su informe PDF</a:t>
-            </a:r>
-            <a:endParaRPr lang="es-CO" sz="1400" i="1" dirty="0">
-              <a:solidFill>
-                <a:srgbClr val="FF0000"/>
-              </a:solidFill>
-            </a:endParaRPr>
-          </a:p>
-        </p:txBody>
-      </p:sp>
-      <p:cxnSp>
-        <p:nvCxnSpPr>
-          <p:cNvPr id="6" name="Conector recto de flecha 5"/>
-          <p:cNvCxnSpPr/>
-          <p:nvPr/>
-        </p:nvCxnSpPr>
-        <p:spPr>
-          <a:xfrm flipV="1">
-            <a:off x="4985056" y="1286385"/>
-            <a:ext cx="448504" cy="390010"/>
-          </a:xfrm>
-          <a:prstGeom prst="straightConnector1">
-            <a:avLst/>
-          </a:prstGeom>
-          <a:ln w="76200">
-            <a:solidFill>
-              <a:srgbClr val="FF0000"/>
-            </a:solidFill>
-            <a:tailEnd type="triangle"/>
-          </a:ln>
-        </p:spPr>
-        <p:style>
-          <a:lnRef idx="1">
-            <a:schemeClr val="accent1"/>
-          </a:lnRef>
-          <a:fillRef idx="0">
-            <a:schemeClr val="accent1"/>
-          </a:fillRef>
-          <a:effectRef idx="0">
-            <a:schemeClr val="accent1"/>
-          </a:effectRef>
-          <a:fontRef idx="minor">
-            <a:schemeClr val="tx1"/>
-          </a:fontRef>
-        </p:style>
-      </p:cxnSp>
-      <p:sp>
-        <p:nvSpPr>
-          <p:cNvPr id="9" name="Rectángulo 8"/>
-          <p:cNvSpPr/>
-          <p:nvPr/>
-        </p:nvSpPr>
-        <p:spPr>
-          <a:xfrm>
-            <a:off x="1690255" y="2983021"/>
-            <a:ext cx="6179127" cy="1801230"/>
-          </a:xfrm>
-          <a:prstGeom prst="rect">
-            <a:avLst/>
-          </a:prstGeom>
-          <a:noFill/>
-          <a:ln w="76200">
-            <a:solidFill>
-              <a:srgbClr val="FF0000"/>
-            </a:solidFill>
-          </a:ln>
-        </p:spPr>
-        <p:style>
-          <a:lnRef idx="2">
-            <a:schemeClr val="accent1">
-              <a:shade val="50000"/>
-            </a:schemeClr>
-          </a:lnRef>
-          <a:fillRef idx="1">
-            <a:schemeClr val="accent1"/>
-          </a:fillRef>
-          <a:effectRef idx="0">
-            <a:schemeClr val="accent1"/>
-          </a:effectRef>
-          <a:fontRef idx="minor">
-            <a:schemeClr val="lt1"/>
-          </a:fontRef>
-        </p:style>
-        <p:txBody>
-          <a:bodyPr rtlCol="0" anchor="ctr"/>
-          <a:lstStyle/>
-          <a:p>
-            <a:pPr algn="ctr"/>
-            <a:endParaRPr lang="es-CO"/>
-          </a:p>
-        </p:txBody>
-      </p:sp>
-      <p:cxnSp>
-        <p:nvCxnSpPr>
-          <p:cNvPr id="10" name="Conector recto de flecha 9"/>
-          <p:cNvCxnSpPr/>
-          <p:nvPr/>
-        </p:nvCxnSpPr>
-        <p:spPr>
-          <a:xfrm>
-            <a:off x="5209308" y="4784251"/>
-            <a:ext cx="487487" cy="427556"/>
-          </a:xfrm>
-          <a:prstGeom prst="straightConnector1">
-            <a:avLst/>
-          </a:prstGeom>
-          <a:ln w="76200">
-            <a:solidFill>
-              <a:srgbClr val="FF0000"/>
-            </a:solidFill>
-            <a:tailEnd type="triangle"/>
-          </a:ln>
-        </p:spPr>
-        <p:style>
-          <a:lnRef idx="1">
-            <a:schemeClr val="accent1"/>
-          </a:lnRef>
-          <a:fillRef idx="0">
-            <a:schemeClr val="accent1"/>
-          </a:fillRef>
-          <a:effectRef idx="0">
-            <a:schemeClr val="accent1"/>
-          </a:effectRef>
-          <a:fontRef idx="minor">
-            <a:schemeClr val="tx1"/>
-          </a:fontRef>
-        </p:style>
-      </p:cxnSp>
-      <p:sp>
-        <p:nvSpPr>
-          <p:cNvPr id="14" name="CuadroTexto 13"/>
-          <p:cNvSpPr txBox="1"/>
-          <p:nvPr/>
-        </p:nvSpPr>
-        <p:spPr>
-          <a:xfrm>
-            <a:off x="5696795" y="5014386"/>
-            <a:ext cx="2340912" cy="523220"/>
-          </a:xfrm>
-          <a:prstGeom prst="rect">
-            <a:avLst/>
-          </a:prstGeom>
-          <a:noFill/>
-        </p:spPr>
-        <p:txBody>
-          <a:bodyPr wrap="square" rtlCol="0">
-            <a:spAutoFit/>
-          </a:bodyPr>
-          <a:lstStyle/>
-          <a:p>
-            <a:pPr algn="ctr"/>
-            <a:r>
-              <a:rPr lang="es-CO" sz="1400" i="1" dirty="0" smtClean="0">
-                <a:solidFill>
-                  <a:srgbClr val="FF0000"/>
-                </a:solidFill>
-              </a:rPr>
-              <a:t>Escriban aquí sus nombres y la fecha de sustentación</a:t>
-            </a:r>
-            <a:endParaRPr lang="es-CO" sz="1400" i="1" dirty="0">
-              <a:solidFill>
-                <a:srgbClr val="FF0000"/>
-              </a:solidFill>
             </a:endParaRPr>
           </a:p>
         </p:txBody>
@@ -5232,7 +4744,7 @@
               </a:lnSpc>
             </a:pPr>
             <a:r>
-              <a:rPr lang="en-US" sz="2800" b="1" i="1" spc="-1" dirty="0" err="1">
+              <a:rPr lang="es-CO" sz="2800" b="1" i="1" spc="-1" dirty="0">
                 <a:solidFill>
                   <a:srgbClr val="333F4F"/>
                 </a:solidFill>
@@ -5244,122 +4756,11 @@
                 <a:latin typeface="+mj-lt"/>
                 <a:ea typeface="DejaVu Sans"/>
               </a:rPr>
-              <a:t>Estructuras</a:t>
+              <a:t>Estructuras de Datos Diseñada</a:t>
             </a:r>
-            <a:r>
-              <a:rPr lang="en-US" sz="2800" b="1" i="1" spc="-1" dirty="0">
-                <a:solidFill>
-                  <a:srgbClr val="333F4F"/>
-                </a:solidFill>
-                <a:uFill>
-                  <a:solidFill>
-                    <a:srgbClr val="FFFFFF"/>
-                  </a:solidFill>
-                </a:uFill>
-                <a:latin typeface="+mj-lt"/>
-                <a:ea typeface="DejaVu Sans"/>
-              </a:rPr>
-              <a:t> de </a:t>
-            </a:r>
-            <a:r>
-              <a:rPr lang="en-US" sz="2800" b="1" i="1" spc="-1" dirty="0" err="1">
-                <a:solidFill>
-                  <a:srgbClr val="333F4F"/>
-                </a:solidFill>
-                <a:uFill>
-                  <a:solidFill>
-                    <a:srgbClr val="FFFFFF"/>
-                  </a:solidFill>
-                </a:uFill>
-                <a:latin typeface="+mj-lt"/>
-                <a:ea typeface="DejaVu Sans"/>
-              </a:rPr>
-              <a:t>Datos</a:t>
-            </a:r>
-            <a:r>
-              <a:rPr lang="en-US" sz="2800" b="1" i="1" spc="-1" dirty="0">
-                <a:solidFill>
-                  <a:srgbClr val="333F4F"/>
-                </a:solidFill>
-                <a:uFill>
-                  <a:solidFill>
-                    <a:srgbClr val="FFFFFF"/>
-                  </a:solidFill>
-                </a:uFill>
-                <a:latin typeface="+mj-lt"/>
-                <a:ea typeface="DejaVu Sans"/>
-              </a:rPr>
-              <a:t> </a:t>
-            </a:r>
-            <a:r>
-              <a:rPr lang="en-US" sz="2800" b="1" i="1" spc="-1" dirty="0" err="1">
-                <a:solidFill>
-                  <a:srgbClr val="333F4F"/>
-                </a:solidFill>
-                <a:uFill>
-                  <a:solidFill>
-                    <a:srgbClr val="FFFFFF"/>
-                  </a:solidFill>
-                </a:uFill>
-                <a:latin typeface="+mj-lt"/>
-                <a:ea typeface="DejaVu Sans"/>
-              </a:rPr>
-              <a:t>D</a:t>
-            </a:r>
-            <a:r>
-              <a:rPr lang="en-US" sz="2800" b="1" i="1" spc="-1" dirty="0" err="1" smtClean="0">
-                <a:solidFill>
-                  <a:srgbClr val="333F4F"/>
-                </a:solidFill>
-                <a:uFill>
-                  <a:solidFill>
-                    <a:srgbClr val="FFFFFF"/>
-                  </a:solidFill>
-                </a:uFill>
-                <a:latin typeface="+mj-lt"/>
-                <a:ea typeface="DejaVu Sans"/>
-              </a:rPr>
-              <a:t>iseñada</a:t>
-            </a:r>
-            <a:endParaRPr lang="en-US" sz="2800" b="1" i="1" spc="-1" dirty="0">
-              <a:solidFill>
-                <a:srgbClr val="333F4F"/>
-              </a:solidFill>
-              <a:uFill>
-                <a:solidFill>
-                  <a:srgbClr val="FFFFFF"/>
-                </a:solidFill>
-              </a:uFill>
-              <a:latin typeface="+mj-lt"/>
-              <a:ea typeface="DejaVu Sans"/>
-            </a:endParaRPr>
           </a:p>
         </p:txBody>
       </p:sp>
-      <p:pic>
-        <p:nvPicPr>
-          <p:cNvPr id="75" name="Imagen 74"/>
-          <p:cNvPicPr/>
-          <p:nvPr/>
-        </p:nvPicPr>
-        <p:blipFill rotWithShape="1">
-          <a:blip r:embed="rId2"/>
-          <a:srcRect t="23337" b="47330"/>
-          <a:stretch/>
-        </p:blipFill>
-        <p:spPr>
-          <a:xfrm>
-            <a:off x="257557" y="1782386"/>
-            <a:ext cx="9142920" cy="1898074"/>
-          </a:xfrm>
-          <a:prstGeom prst="rect">
-            <a:avLst/>
-          </a:prstGeom>
-          <a:ln>
-            <a:noFill/>
-          </a:ln>
-        </p:spPr>
-      </p:pic>
       <p:sp>
         <p:nvSpPr>
           <p:cNvPr id="76" name="CustomShape 2"/>
@@ -5368,8 +4769,8 @@
         </p:nvSpPr>
         <p:spPr>
           <a:xfrm>
-            <a:off x="660352" y="4327595"/>
-            <a:ext cx="7828560" cy="489240"/>
+            <a:off x="108267" y="3018501"/>
+            <a:ext cx="3735945" cy="1112250"/>
           </a:xfrm>
           <a:prstGeom prst="rect">
             <a:avLst/>
@@ -5401,7 +4802,7 @@
               </a:lnSpc>
             </a:pPr>
             <a:r>
-              <a:rPr lang="en-US" sz="1600" b="1" i="1" spc="-1" dirty="0">
+              <a:rPr lang="es-CO" sz="1600" b="1" i="1" spc="-1" dirty="0">
                 <a:uFill>
                   <a:solidFill>
                     <a:srgbClr val="FFFFFF"/>
@@ -5410,276 +4811,9 @@
                 <a:latin typeface="+mj-lt"/>
                 <a:ea typeface="DejaVu Sans"/>
               </a:rPr>
-              <a:t>Gráfico 1: </a:t>
+              <a:t>Gráfico 1: Almacenamiento de los datos de entrada, cada posición del vector contiene un nodo con sus respectivas características.</a:t>
             </a:r>
-            <a:r>
-              <a:rPr lang="en-US" sz="1600" b="0" strike="noStrike" spc="-1" dirty="0" err="1">
-                <a:uFill>
-                  <a:solidFill>
-                    <a:srgbClr val="FFFFFF"/>
-                  </a:solidFill>
-                </a:uFill>
-                <a:latin typeface="Arial"/>
-                <a:ea typeface="Noto Sans CJK SC Regular"/>
-              </a:rPr>
-              <a:t>Lista</a:t>
-            </a:r>
-            <a:r>
-              <a:rPr lang="en-US" sz="1600" b="0" strike="noStrike" spc="-1" dirty="0">
-                <a:uFill>
-                  <a:solidFill>
-                    <a:srgbClr val="FFFFFF"/>
-                  </a:solidFill>
-                </a:uFill>
-                <a:latin typeface="Arial"/>
-                <a:ea typeface="Noto Sans CJK SC Regular"/>
-              </a:rPr>
-              <a:t> </a:t>
-            </a:r>
-            <a:r>
-              <a:rPr lang="en-US" sz="1600" b="0" strike="noStrike" spc="-1" dirty="0" err="1">
-                <a:uFill>
-                  <a:solidFill>
-                    <a:srgbClr val="FFFFFF"/>
-                  </a:solidFill>
-                </a:uFill>
-                <a:latin typeface="Arial"/>
-                <a:ea typeface="Noto Sans CJK SC Regular"/>
-              </a:rPr>
-              <a:t>simplemente</a:t>
-            </a:r>
-            <a:r>
-              <a:rPr lang="en-US" sz="1600" b="0" strike="noStrike" spc="-1" dirty="0">
-                <a:uFill>
-                  <a:solidFill>
-                    <a:srgbClr val="FFFFFF"/>
-                  </a:solidFill>
-                </a:uFill>
-                <a:latin typeface="Arial"/>
-                <a:ea typeface="Noto Sans CJK SC Regular"/>
-              </a:rPr>
-              <a:t> </a:t>
-            </a:r>
-            <a:r>
-              <a:rPr lang="en-US" sz="1600" b="0" strike="noStrike" spc="-1" dirty="0" err="1">
-                <a:uFill>
-                  <a:solidFill>
-                    <a:srgbClr val="FFFFFF"/>
-                  </a:solidFill>
-                </a:uFill>
-                <a:latin typeface="Arial"/>
-                <a:ea typeface="Noto Sans CJK SC Regular"/>
-              </a:rPr>
-              <a:t>encadenada</a:t>
-            </a:r>
-            <a:r>
-              <a:rPr lang="en-US" sz="1600" b="0" strike="noStrike" spc="-1" dirty="0">
-                <a:uFill>
-                  <a:solidFill>
-                    <a:srgbClr val="FFFFFF"/>
-                  </a:solidFill>
-                </a:uFill>
-                <a:latin typeface="Arial"/>
-                <a:ea typeface="Noto Sans CJK SC Regular"/>
-              </a:rPr>
-              <a:t> de personas. </a:t>
-            </a:r>
-            <a:r>
-              <a:rPr lang="en-US" sz="1600" b="0" strike="noStrike" spc="-1" dirty="0" err="1">
-                <a:uFill>
-                  <a:solidFill>
-                    <a:srgbClr val="FFFFFF"/>
-                  </a:solidFill>
-                </a:uFill>
-                <a:latin typeface="Arial"/>
-                <a:ea typeface="Noto Sans CJK SC Regular"/>
-              </a:rPr>
-              <a:t>Una</a:t>
-            </a:r>
-            <a:r>
-              <a:rPr lang="en-US" sz="1600" b="0" strike="noStrike" spc="-1" dirty="0">
-                <a:uFill>
-                  <a:solidFill>
-                    <a:srgbClr val="FFFFFF"/>
-                  </a:solidFill>
-                </a:uFill>
-                <a:latin typeface="Arial"/>
-                <a:ea typeface="Noto Sans CJK SC Regular"/>
-              </a:rPr>
-              <a:t> persona </a:t>
-            </a:r>
-            <a:r>
-              <a:rPr lang="en-US" sz="1600" b="0" strike="noStrike" spc="-1" dirty="0" err="1">
-                <a:uFill>
-                  <a:solidFill>
-                    <a:srgbClr val="FFFFFF"/>
-                  </a:solidFill>
-                </a:uFill>
-                <a:latin typeface="Arial"/>
-                <a:ea typeface="Noto Sans CJK SC Regular"/>
-              </a:rPr>
-              <a:t>es</a:t>
-            </a:r>
-            <a:r>
-              <a:rPr lang="en-US" sz="1600" b="0" strike="noStrike" spc="-1" dirty="0">
-                <a:uFill>
-                  <a:solidFill>
-                    <a:srgbClr val="FFFFFF"/>
-                  </a:solidFill>
-                </a:uFill>
-                <a:latin typeface="Arial"/>
-                <a:ea typeface="Noto Sans CJK SC Regular"/>
-              </a:rPr>
-              <a:t> </a:t>
-            </a:r>
-            <a:r>
-              <a:rPr lang="en-US" sz="1600" b="0" strike="noStrike" spc="-1" dirty="0" err="1">
-                <a:uFill>
-                  <a:solidFill>
-                    <a:srgbClr val="FFFFFF"/>
-                  </a:solidFill>
-                </a:uFill>
-                <a:latin typeface="Arial"/>
-                <a:ea typeface="Noto Sans CJK SC Regular"/>
-              </a:rPr>
-              <a:t>una</a:t>
-            </a:r>
-            <a:r>
-              <a:rPr lang="en-US" sz="1600" b="0" strike="noStrike" spc="-1" dirty="0">
-                <a:uFill>
-                  <a:solidFill>
-                    <a:srgbClr val="FFFFFF"/>
-                  </a:solidFill>
-                </a:uFill>
-                <a:latin typeface="Arial"/>
-                <a:ea typeface="Noto Sans CJK SC Regular"/>
-              </a:rPr>
-              <a:t> </a:t>
-            </a:r>
-            <a:r>
-              <a:rPr lang="en-US" sz="1600" b="0" strike="noStrike" spc="-1" dirty="0" err="1">
-                <a:uFill>
-                  <a:solidFill>
-                    <a:srgbClr val="FFFFFF"/>
-                  </a:solidFill>
-                </a:uFill>
-                <a:latin typeface="Arial"/>
-                <a:ea typeface="Noto Sans CJK SC Regular"/>
-              </a:rPr>
-              <a:t>clase</a:t>
-            </a:r>
-            <a:r>
-              <a:rPr lang="en-US" sz="1600" b="0" strike="noStrike" spc="-1" dirty="0">
-                <a:uFill>
-                  <a:solidFill>
-                    <a:srgbClr val="FFFFFF"/>
-                  </a:solidFill>
-                </a:uFill>
-                <a:latin typeface="Arial"/>
-                <a:ea typeface="Noto Sans CJK SC Regular"/>
-              </a:rPr>
-              <a:t> que </a:t>
-            </a:r>
-            <a:r>
-              <a:rPr lang="en-US" sz="1600" b="0" strike="noStrike" spc="-1" dirty="0" err="1">
-                <a:uFill>
-                  <a:solidFill>
-                    <a:srgbClr val="FFFFFF"/>
-                  </a:solidFill>
-                </a:uFill>
-                <a:latin typeface="Arial"/>
-                <a:ea typeface="Noto Sans CJK SC Regular"/>
-              </a:rPr>
-              <a:t>contiene</a:t>
-            </a:r>
-            <a:r>
-              <a:rPr lang="en-US" sz="1600" b="0" strike="noStrike" spc="-1" dirty="0">
-                <a:uFill>
-                  <a:solidFill>
-                    <a:srgbClr val="FFFFFF"/>
-                  </a:solidFill>
-                </a:uFill>
-                <a:latin typeface="Arial"/>
-                <a:ea typeface="Noto Sans CJK SC Regular"/>
-              </a:rPr>
-              <a:t> </a:t>
-            </a:r>
-            <a:r>
-              <a:rPr lang="en-US" sz="1600" b="0" strike="noStrike" spc="-1" dirty="0" err="1">
-                <a:uFill>
-                  <a:solidFill>
-                    <a:srgbClr val="FFFFFF"/>
-                  </a:solidFill>
-                </a:uFill>
-                <a:latin typeface="Arial"/>
-                <a:ea typeface="Noto Sans CJK SC Regular"/>
-              </a:rPr>
-              <a:t>nombre</a:t>
-            </a:r>
-            <a:r>
-              <a:rPr lang="en-US" sz="1600" b="0" strike="noStrike" spc="-1" dirty="0">
-                <a:uFill>
-                  <a:solidFill>
-                    <a:srgbClr val="FFFFFF"/>
-                  </a:solidFill>
-                </a:uFill>
-                <a:latin typeface="Arial"/>
-                <a:ea typeface="Noto Sans CJK SC Regular"/>
-              </a:rPr>
-              <a:t>, </a:t>
-            </a:r>
-            <a:r>
-              <a:rPr lang="en-US" sz="1600" b="0" strike="noStrike" spc="-1" dirty="0" err="1">
-                <a:uFill>
-                  <a:solidFill>
-                    <a:srgbClr val="FFFFFF"/>
-                  </a:solidFill>
-                </a:uFill>
-                <a:latin typeface="Arial"/>
-                <a:ea typeface="Noto Sans CJK SC Regular"/>
-              </a:rPr>
-              <a:t>cédula</a:t>
-            </a:r>
-            <a:r>
-              <a:rPr lang="en-US" sz="1600" b="0" strike="noStrike" spc="-1" dirty="0">
-                <a:uFill>
-                  <a:solidFill>
-                    <a:srgbClr val="FFFFFF"/>
-                  </a:solidFill>
-                </a:uFill>
-                <a:latin typeface="Arial"/>
-                <a:ea typeface="Noto Sans CJK SC Regular"/>
-              </a:rPr>
-              <a:t> y </a:t>
-            </a:r>
-            <a:r>
-              <a:rPr lang="en-US" sz="1600" b="0" strike="noStrike" spc="-1" dirty="0" err="1">
-                <a:uFill>
-                  <a:solidFill>
-                    <a:srgbClr val="FFFFFF"/>
-                  </a:solidFill>
-                </a:uFill>
-                <a:latin typeface="Arial"/>
-                <a:ea typeface="Noto Sans CJK SC Regular"/>
-              </a:rPr>
-              <a:t>foto</a:t>
-            </a:r>
-            <a:r>
-              <a:rPr lang="en-US" sz="1600" b="0" strike="noStrike" spc="-1" dirty="0">
-                <a:solidFill>
-                  <a:srgbClr val="000000"/>
-                </a:solidFill>
-                <a:uFill>
-                  <a:solidFill>
-                    <a:srgbClr val="FFFFFF"/>
-                  </a:solidFill>
-                </a:uFill>
-                <a:latin typeface="Arial"/>
-                <a:ea typeface="Noto Sans CJK SC Regular"/>
-              </a:rPr>
-              <a:t>.</a:t>
-            </a:r>
-            <a:endParaRPr lang="en-US" sz="2000" b="0" strike="noStrike" spc="-1" dirty="0">
+            <a:endParaRPr lang="es-CO" sz="2000" b="0" strike="noStrike" spc="-1" dirty="0">
               <a:solidFill>
                 <a:srgbClr val="000000"/>
               </a:solidFill>
@@ -5693,62 +4827,142 @@
           </a:p>
         </p:txBody>
       </p:sp>
+      <p:pic>
+        <p:nvPicPr>
+          <p:cNvPr id="1026" name="Imagen 1">
+            <a:extLst>
+              <a:ext uri="{FF2B5EF4-FFF2-40B4-BE49-F238E27FC236}">
+                <a16:creationId xmlns:a16="http://schemas.microsoft.com/office/drawing/2014/main" id="{E8B34C44-5851-4DF6-9BCD-2DA889D96C30}"/>
+              </a:ext>
+            </a:extLst>
+          </p:cNvPr>
+          <p:cNvPicPr>
+            <a:picLocks noChangeAspect="1" noChangeArrowheads="1"/>
+          </p:cNvPicPr>
+          <p:nvPr/>
+        </p:nvPicPr>
+        <p:blipFill>
+          <a:blip r:embed="rId2">
+            <a:extLst>
+              <a:ext uri="{28A0092B-C50C-407E-A947-70E740481C1C}">
+                <a14:useLocalDpi xmlns:a14="http://schemas.microsoft.com/office/drawing/2010/main" val="0"/>
+              </a:ext>
+            </a:extLst>
+          </a:blip>
+          <a:srcRect l="2945" t="13660" r="17419" b="2025"/>
+          <a:stretch>
+            <a:fillRect/>
+          </a:stretch>
+        </p:blipFill>
+        <p:spPr bwMode="auto">
+          <a:xfrm>
+            <a:off x="257557" y="1145805"/>
+            <a:ext cx="3381382" cy="1871207"/>
+          </a:xfrm>
+          <a:prstGeom prst="rect">
+            <a:avLst/>
+          </a:prstGeom>
+          <a:noFill/>
+          <a:ln>
+            <a:noFill/>
+          </a:ln>
+          <a:extLst>
+            <a:ext uri="{909E8E84-426E-40DD-AFC4-6F175D3DCCD1}">
+              <a14:hiddenFill xmlns:a14="http://schemas.microsoft.com/office/drawing/2010/main">
+                <a:solidFill>
+                  <a:srgbClr val="FFFFFF"/>
+                </a:solidFill>
+              </a14:hiddenFill>
+            </a:ext>
+            <a:ext uri="{91240B29-F687-4F45-9708-019B960494DF}">
+              <a14:hiddenLine xmlns:a14="http://schemas.microsoft.com/office/drawing/2010/main" w="9525">
+                <a:solidFill>
+                  <a:srgbClr val="000000"/>
+                </a:solidFill>
+                <a:miter lim="800000"/>
+                <a:headEnd/>
+                <a:tailEnd/>
+              </a14:hiddenLine>
+            </a:ext>
+          </a:extLst>
+        </p:spPr>
+      </p:pic>
+      <p:pic>
+        <p:nvPicPr>
+          <p:cNvPr id="1027" name="Imagen 1">
+            <a:extLst>
+              <a:ext uri="{FF2B5EF4-FFF2-40B4-BE49-F238E27FC236}">
+                <a16:creationId xmlns:a16="http://schemas.microsoft.com/office/drawing/2014/main" id="{5C3BD77A-6CE6-46DF-A593-1BEB04C1BAAD}"/>
+              </a:ext>
+            </a:extLst>
+          </p:cNvPr>
+          <p:cNvPicPr>
+            <a:picLocks noChangeAspect="1" noChangeArrowheads="1"/>
+          </p:cNvPicPr>
+          <p:nvPr/>
+        </p:nvPicPr>
+        <p:blipFill>
+          <a:blip r:embed="rId3">
+            <a:extLst>
+              <a:ext uri="{28A0092B-C50C-407E-A947-70E740481C1C}">
+                <a14:useLocalDpi xmlns:a14="http://schemas.microsoft.com/office/drawing/2010/main" val="0"/>
+              </a:ext>
+            </a:extLst>
+          </a:blip>
+          <a:srcRect l="21581" t="2386" r="14160" b="4474"/>
+          <a:stretch>
+            <a:fillRect/>
+          </a:stretch>
+        </p:blipFill>
+        <p:spPr bwMode="auto">
+          <a:xfrm>
+            <a:off x="4200277" y="1230700"/>
+            <a:ext cx="4686166" cy="4162393"/>
+          </a:xfrm>
+          <a:prstGeom prst="rect">
+            <a:avLst/>
+          </a:prstGeom>
+          <a:noFill/>
+          <a:ln>
+            <a:noFill/>
+          </a:ln>
+          <a:extLst>
+            <a:ext uri="{909E8E84-426E-40DD-AFC4-6F175D3DCCD1}">
+              <a14:hiddenFill xmlns:a14="http://schemas.microsoft.com/office/drawing/2010/main">
+                <a:solidFill>
+                  <a:srgbClr val="FFFFFF"/>
+                </a:solidFill>
+              </a14:hiddenFill>
+            </a:ext>
+            <a:ext uri="{91240B29-F687-4F45-9708-019B960494DF}">
+              <a14:hiddenLine xmlns:a14="http://schemas.microsoft.com/office/drawing/2010/main" w="9525">
+                <a:solidFill>
+                  <a:srgbClr val="000000"/>
+                </a:solidFill>
+                <a:miter lim="800000"/>
+                <a:headEnd/>
+                <a:tailEnd/>
+              </a14:hiddenLine>
+            </a:ext>
+          </a:extLst>
+        </p:spPr>
+      </p:pic>
       <p:sp>
         <p:nvSpPr>
-          <p:cNvPr id="5" name="Rectángulo 4"/>
-          <p:cNvSpPr/>
-          <p:nvPr/>
-        </p:nvSpPr>
-        <p:spPr>
-          <a:xfrm>
-            <a:off x="484910" y="1851653"/>
-            <a:ext cx="8368146" cy="2083037"/>
-          </a:xfrm>
-          <a:prstGeom prst="rect">
-            <a:avLst/>
-          </a:prstGeom>
-          <a:noFill/>
-          <a:ln w="76200">
-            <a:solidFill>
-              <a:srgbClr val="FF0000"/>
-            </a:solidFill>
-          </a:ln>
-        </p:spPr>
-        <p:style>
-          <a:lnRef idx="2">
-            <a:schemeClr val="accent1">
-              <a:shade val="50000"/>
-            </a:schemeClr>
-          </a:lnRef>
-          <a:fillRef idx="1">
-            <a:schemeClr val="accent1"/>
-          </a:fillRef>
-          <a:effectRef idx="0">
-            <a:schemeClr val="accent1"/>
-          </a:effectRef>
-          <a:fontRef idx="minor">
-            <a:schemeClr val="lt1"/>
-          </a:fontRef>
-        </p:style>
-        <p:txBody>
-          <a:bodyPr rtlCol="0" anchor="ctr"/>
-          <a:lstStyle/>
-          <a:p>
-            <a:pPr algn="ctr"/>
-            <a:endParaRPr lang="es-CO"/>
-          </a:p>
-        </p:txBody>
-      </p:sp>
-      <p:sp>
-        <p:nvSpPr>
-          <p:cNvPr id="6" name="CuadroTexto 5"/>
+          <p:cNvPr id="2" name="CuadroTexto 1">
+            <a:extLst>
+              <a:ext uri="{FF2B5EF4-FFF2-40B4-BE49-F238E27FC236}">
+                <a16:creationId xmlns:a16="http://schemas.microsoft.com/office/drawing/2014/main" id="{B03432D7-8AD9-4749-884E-B18A690EC0A8}"/>
+              </a:ext>
+            </a:extLst>
+          </p:cNvPr>
           <p:cNvSpPr txBox="1"/>
           <p:nvPr/>
         </p:nvSpPr>
         <p:spPr>
           <a:xfrm>
-            <a:off x="5558251" y="1186837"/>
-            <a:ext cx="3294805" cy="523220"/>
+            <a:off x="181410" y="4487057"/>
+            <a:ext cx="4613023" cy="1077218"/>
           </a:xfrm>
           <a:prstGeom prst="rect">
             <a:avLst/>
@@ -5761,317 +4975,22 @@
           </a:bodyPr>
           <a:lstStyle/>
           <a:p>
-            <a:pPr algn="ctr"/>
+            <a:pPr algn="r"/>
             <a:r>
-              <a:rPr lang="es-CO" sz="1400" i="1" dirty="0" smtClean="0">
-                <a:solidFill>
-                  <a:srgbClr val="FF0000"/>
-                </a:solidFill>
-              </a:rPr>
-              <a:t>Inserten sus gráficas </a:t>
+              <a:rPr lang="es-CO" sz="1600" b="1" i="1" dirty="0"/>
+              <a:t>Gráfico 2: División por regiones según la estación mas cercana y construcción de los grafos, cada grafo es un vector de vectores de </a:t>
             </a:r>
             <a:r>
-              <a:rPr lang="es-CO" sz="1400" i="1" dirty="0" err="1" smtClean="0">
-                <a:solidFill>
-                  <a:srgbClr val="FF0000"/>
-                </a:solidFill>
-              </a:rPr>
-              <a:t>vectorizadas</a:t>
+              <a:rPr lang="es-CO" sz="1600" b="1" i="1" dirty="0" err="1"/>
+              <a:t>node</a:t>
             </a:r>
             <a:r>
-              <a:rPr lang="es-CO" sz="1400" i="1" dirty="0" smtClean="0">
-                <a:solidFill>
-                  <a:srgbClr val="FF0000"/>
-                </a:solidFill>
-              </a:rPr>
-              <a:t> que explican su Estructura de Datos </a:t>
+              <a:rPr lang="es-CO" sz="1600" b="1" i="1" dirty="0"/>
+              <a:t>.</a:t>
             </a:r>
-            <a:endParaRPr lang="es-CO" sz="1400" i="1" dirty="0">
-              <a:solidFill>
-                <a:srgbClr val="FF0000"/>
-              </a:solidFill>
-            </a:endParaRPr>
           </a:p>
         </p:txBody>
       </p:sp>
-      <p:cxnSp>
-        <p:nvCxnSpPr>
-          <p:cNvPr id="7" name="Conector recto de flecha 6"/>
-          <p:cNvCxnSpPr/>
-          <p:nvPr/>
-        </p:nvCxnSpPr>
-        <p:spPr>
-          <a:xfrm flipV="1">
-            <a:off x="5109747" y="1448447"/>
-            <a:ext cx="448504" cy="390010"/>
-          </a:xfrm>
-          <a:prstGeom prst="straightConnector1">
-            <a:avLst/>
-          </a:prstGeom>
-          <a:ln w="76200">
-            <a:solidFill>
-              <a:srgbClr val="FF0000"/>
-            </a:solidFill>
-            <a:tailEnd type="triangle"/>
-          </a:ln>
-        </p:spPr>
-        <p:style>
-          <a:lnRef idx="1">
-            <a:schemeClr val="accent1"/>
-          </a:lnRef>
-          <a:fillRef idx="0">
-            <a:schemeClr val="accent1"/>
-          </a:fillRef>
-          <a:effectRef idx="0">
-            <a:schemeClr val="accent1"/>
-          </a:effectRef>
-          <a:fontRef idx="minor">
-            <a:schemeClr val="tx1"/>
-          </a:fontRef>
-        </p:style>
-      </p:cxnSp>
-      <p:sp>
-        <p:nvSpPr>
-          <p:cNvPr id="8" name="Rectángulo 7"/>
-          <p:cNvSpPr/>
-          <p:nvPr/>
-        </p:nvSpPr>
-        <p:spPr>
-          <a:xfrm>
-            <a:off x="154577" y="620547"/>
-            <a:ext cx="5705896" cy="465051"/>
-          </a:xfrm>
-          <a:prstGeom prst="rect">
-            <a:avLst/>
-          </a:prstGeom>
-          <a:noFill/>
-          <a:ln w="76200">
-            <a:solidFill>
-              <a:srgbClr val="FF0000"/>
-            </a:solidFill>
-          </a:ln>
-        </p:spPr>
-        <p:style>
-          <a:lnRef idx="2">
-            <a:schemeClr val="accent1">
-              <a:shade val="50000"/>
-            </a:schemeClr>
-          </a:lnRef>
-          <a:fillRef idx="1">
-            <a:schemeClr val="accent1"/>
-          </a:fillRef>
-          <a:effectRef idx="0">
-            <a:schemeClr val="accent1"/>
-          </a:effectRef>
-          <a:fontRef idx="minor">
-            <a:schemeClr val="lt1"/>
-          </a:fontRef>
-        </p:style>
-        <p:txBody>
-          <a:bodyPr rtlCol="0" anchor="ctr"/>
-          <a:lstStyle/>
-          <a:p>
-            <a:pPr algn="ctr"/>
-            <a:endParaRPr lang="es-CO"/>
-          </a:p>
-        </p:txBody>
-      </p:sp>
-      <p:cxnSp>
-        <p:nvCxnSpPr>
-          <p:cNvPr id="9" name="Conector recto de flecha 8"/>
-          <p:cNvCxnSpPr/>
-          <p:nvPr/>
-        </p:nvCxnSpPr>
-        <p:spPr>
-          <a:xfrm flipV="1">
-            <a:off x="5860473" y="633933"/>
-            <a:ext cx="526472" cy="18442"/>
-          </a:xfrm>
-          <a:prstGeom prst="straightConnector1">
-            <a:avLst/>
-          </a:prstGeom>
-          <a:ln w="76200">
-            <a:solidFill>
-              <a:srgbClr val="FF0000"/>
-            </a:solidFill>
-            <a:tailEnd type="triangle"/>
-          </a:ln>
-        </p:spPr>
-        <p:style>
-          <a:lnRef idx="1">
-            <a:schemeClr val="accent1"/>
-          </a:lnRef>
-          <a:fillRef idx="0">
-            <a:schemeClr val="accent1"/>
-          </a:fillRef>
-          <a:effectRef idx="0">
-            <a:schemeClr val="accent1"/>
-          </a:effectRef>
-          <a:fontRef idx="minor">
-            <a:schemeClr val="tx1"/>
-          </a:fontRef>
-        </p:style>
-      </p:cxnSp>
-      <p:sp>
-        <p:nvSpPr>
-          <p:cNvPr id="11" name="CuadroTexto 10"/>
-          <p:cNvSpPr txBox="1"/>
-          <p:nvPr/>
-        </p:nvSpPr>
-        <p:spPr>
-          <a:xfrm>
-            <a:off x="6386945" y="480044"/>
-            <a:ext cx="2404692" cy="307777"/>
-          </a:xfrm>
-          <a:prstGeom prst="rect">
-            <a:avLst/>
-          </a:prstGeom>
-          <a:noFill/>
-        </p:spPr>
-        <p:txBody>
-          <a:bodyPr wrap="square" rtlCol="0">
-            <a:spAutoFit/>
-          </a:bodyPr>
-          <a:lstStyle/>
-          <a:p>
-            <a:pPr algn="ctr"/>
-            <a:r>
-              <a:rPr lang="es-CO" sz="1400" i="1" dirty="0" smtClean="0">
-                <a:solidFill>
-                  <a:srgbClr val="FF0000"/>
-                </a:solidFill>
-              </a:rPr>
-              <a:t>Conserven este título</a:t>
-            </a:r>
-            <a:endParaRPr lang="es-CO" sz="1400" i="1" dirty="0">
-              <a:solidFill>
-                <a:srgbClr val="FF0000"/>
-              </a:solidFill>
-            </a:endParaRPr>
-          </a:p>
-        </p:txBody>
-      </p:sp>
-      <p:sp>
-        <p:nvSpPr>
-          <p:cNvPr id="12" name="Rectángulo 11"/>
-          <p:cNvSpPr/>
-          <p:nvPr/>
-        </p:nvSpPr>
-        <p:spPr>
-          <a:xfrm>
-            <a:off x="484910" y="4310219"/>
-            <a:ext cx="8368146" cy="746689"/>
-          </a:xfrm>
-          <a:prstGeom prst="rect">
-            <a:avLst/>
-          </a:prstGeom>
-          <a:noFill/>
-          <a:ln w="76200">
-            <a:solidFill>
-              <a:srgbClr val="FF0000"/>
-            </a:solidFill>
-          </a:ln>
-        </p:spPr>
-        <p:style>
-          <a:lnRef idx="2">
-            <a:schemeClr val="accent1">
-              <a:shade val="50000"/>
-            </a:schemeClr>
-          </a:lnRef>
-          <a:fillRef idx="1">
-            <a:schemeClr val="accent1"/>
-          </a:fillRef>
-          <a:effectRef idx="0">
-            <a:schemeClr val="accent1"/>
-          </a:effectRef>
-          <a:fontRef idx="minor">
-            <a:schemeClr val="lt1"/>
-          </a:fontRef>
-        </p:style>
-        <p:txBody>
-          <a:bodyPr rtlCol="0" anchor="ctr"/>
-          <a:lstStyle/>
-          <a:p>
-            <a:pPr algn="ctr"/>
-            <a:endParaRPr lang="es-CO"/>
-          </a:p>
-        </p:txBody>
-      </p:sp>
-      <p:sp>
-        <p:nvSpPr>
-          <p:cNvPr id="13" name="CuadroTexto 12"/>
-          <p:cNvSpPr txBox="1"/>
-          <p:nvPr/>
-        </p:nvSpPr>
-        <p:spPr>
-          <a:xfrm>
-            <a:off x="6175199" y="5253360"/>
-            <a:ext cx="2934585" cy="523220"/>
-          </a:xfrm>
-          <a:prstGeom prst="rect">
-            <a:avLst/>
-          </a:prstGeom>
-          <a:noFill/>
-        </p:spPr>
-        <p:txBody>
-          <a:bodyPr wrap="square" rtlCol="0">
-            <a:spAutoFit/>
-          </a:bodyPr>
-          <a:lstStyle/>
-          <a:p>
-            <a:pPr algn="ctr"/>
-            <a:r>
-              <a:rPr lang="es-CO" sz="1400" i="1" dirty="0" smtClean="0">
-                <a:solidFill>
-                  <a:srgbClr val="FF0000"/>
-                </a:solidFill>
-              </a:rPr>
-              <a:t>Escriban sus propias palabras para describir sus gráficas </a:t>
-            </a:r>
-            <a:endParaRPr lang="es-CO" sz="1400" i="1" dirty="0">
-              <a:solidFill>
-                <a:srgbClr val="FF0000"/>
-              </a:solidFill>
-            </a:endParaRPr>
-          </a:p>
-        </p:txBody>
-      </p:sp>
-      <p:cxnSp>
-        <p:nvCxnSpPr>
-          <p:cNvPr id="14" name="Conector recto de flecha 13"/>
-          <p:cNvCxnSpPr/>
-          <p:nvPr/>
-        </p:nvCxnSpPr>
-        <p:spPr>
-          <a:xfrm>
-            <a:off x="5963453" y="5074284"/>
-            <a:ext cx="423492" cy="358152"/>
-          </a:xfrm>
-          <a:prstGeom prst="straightConnector1">
-            <a:avLst/>
-          </a:prstGeom>
-          <a:ln w="76200">
-            <a:solidFill>
-              <a:srgbClr val="FF0000"/>
-            </a:solidFill>
-            <a:tailEnd type="triangle"/>
-          </a:ln>
-        </p:spPr>
-        <p:style>
-          <a:lnRef idx="1">
-            <a:schemeClr val="accent1"/>
-          </a:lnRef>
-          <a:fillRef idx="0">
-            <a:schemeClr val="accent1"/>
-          </a:fillRef>
-          <a:effectRef idx="0">
-            <a:schemeClr val="accent1"/>
-          </a:effectRef>
-          <a:fontRef idx="minor">
-            <a:schemeClr val="tx1"/>
-          </a:fontRef>
-        </p:style>
-      </p:cxnSp>
     </p:spTree>
   </p:cSld>
   <p:clrMapOvr>
@@ -6132,7 +5051,7 @@
         </p:nvSpPr>
         <p:spPr>
           <a:xfrm>
-            <a:off x="357952" y="348311"/>
+            <a:off x="325105" y="167019"/>
             <a:ext cx="7885440" cy="614160"/>
           </a:xfrm>
           <a:prstGeom prst="rect">
@@ -6165,7 +5084,7 @@
               </a:lnSpc>
             </a:pPr>
             <a:r>
-              <a:rPr lang="en-US" sz="2800" b="1" i="1" spc="-1" dirty="0" err="1" smtClean="0">
+              <a:rPr lang="es-CO" sz="2800" b="1" i="1" spc="-1" dirty="0">
                 <a:solidFill>
                   <a:srgbClr val="333F4F"/>
                 </a:solidFill>
@@ -6177,80 +5096,8 @@
                 <a:latin typeface="+mj-lt"/>
                 <a:ea typeface="DejaVu Sans"/>
               </a:rPr>
-              <a:t>Explicación</a:t>
+              <a:t>Explicación del algoritmo y su complejidad</a:t>
             </a:r>
-            <a:r>
-              <a:rPr lang="en-US" sz="2800" b="1" i="1" spc="-1" dirty="0" smtClean="0">
-                <a:solidFill>
-                  <a:srgbClr val="333F4F"/>
-                </a:solidFill>
-                <a:uFill>
-                  <a:solidFill>
-                    <a:srgbClr val="FFFFFF"/>
-                  </a:solidFill>
-                </a:uFill>
-                <a:latin typeface="+mj-lt"/>
-                <a:ea typeface="DejaVu Sans"/>
-              </a:rPr>
-              <a:t> del algoritmo y </a:t>
-            </a:r>
-            <a:r>
-              <a:rPr lang="en-US" sz="2800" b="1" i="1" spc="-1" dirty="0" err="1" smtClean="0">
-                <a:solidFill>
-                  <a:srgbClr val="333F4F"/>
-                </a:solidFill>
-                <a:uFill>
-                  <a:solidFill>
-                    <a:srgbClr val="FFFFFF"/>
-                  </a:solidFill>
-                </a:uFill>
-                <a:latin typeface="+mj-lt"/>
-                <a:ea typeface="DejaVu Sans"/>
-              </a:rPr>
-              <a:t>su</a:t>
-            </a:r>
-            <a:r>
-              <a:rPr lang="en-US" sz="2800" b="1" i="1" spc="-1" dirty="0" smtClean="0">
-                <a:solidFill>
-                  <a:srgbClr val="333F4F"/>
-                </a:solidFill>
-                <a:uFill>
-                  <a:solidFill>
-                    <a:srgbClr val="FFFFFF"/>
-                  </a:solidFill>
-                </a:uFill>
-                <a:latin typeface="+mj-lt"/>
-                <a:ea typeface="DejaVu Sans"/>
-              </a:rPr>
-              <a:t> </a:t>
-            </a:r>
-            <a:r>
-              <a:rPr lang="en-US" sz="2800" b="1" i="1" spc="-1" dirty="0" err="1" smtClean="0">
-                <a:solidFill>
-                  <a:srgbClr val="333F4F"/>
-                </a:solidFill>
-                <a:uFill>
-                  <a:solidFill>
-                    <a:srgbClr val="FFFFFF"/>
-                  </a:solidFill>
-                </a:uFill>
-                <a:latin typeface="+mj-lt"/>
-                <a:ea typeface="DejaVu Sans"/>
-              </a:rPr>
-              <a:t>complejidad</a:t>
-            </a:r>
-            <a:endParaRPr lang="en-US" sz="2800" b="1" i="1" spc="-1" dirty="0">
-              <a:solidFill>
-                <a:srgbClr val="333F4F"/>
-              </a:solidFill>
-              <a:uFill>
-                <a:solidFill>
-                  <a:srgbClr val="FFFFFF"/>
-                </a:solidFill>
-              </a:uFill>
-              <a:latin typeface="+mj-lt"/>
-              <a:ea typeface="DejaVu Sans"/>
-            </a:endParaRPr>
           </a:p>
         </p:txBody>
       </p:sp>
@@ -6262,8 +5109,8 @@
         </p:nvSpPr>
         <p:spPr>
           <a:xfrm>
-            <a:off x="325105" y="4442904"/>
-            <a:ext cx="4321962" cy="489240"/>
+            <a:off x="325105" y="4442903"/>
+            <a:ext cx="4134431" cy="810232"/>
           </a:xfrm>
           <a:prstGeom prst="rect">
             <a:avLst/>
@@ -6295,7 +5142,7 @@
               </a:lnSpc>
             </a:pPr>
             <a:r>
-              <a:rPr lang="en-US" sz="1400" b="1" strike="noStrike" spc="-1" dirty="0">
+              <a:rPr lang="es-CO" sz="1600" b="1" strike="noStrike" spc="-1" dirty="0">
                 <a:solidFill>
                   <a:srgbClr val="000000"/>
                 </a:solidFill>
@@ -6310,7 +5157,7 @@
               <a:t>Gráfico </a:t>
             </a:r>
             <a:r>
-              <a:rPr lang="en-US" sz="1400" b="1" strike="noStrike" spc="-1" dirty="0" smtClean="0">
+              <a:rPr lang="es-CO" sz="1600" b="1" spc="-1" dirty="0">
                 <a:solidFill>
                   <a:srgbClr val="000000"/>
                 </a:solidFill>
@@ -6322,10 +5169,10 @@
                 <a:latin typeface="Arial"/>
                 <a:ea typeface="Noto Sans CJK SC Regular"/>
               </a:rPr>
-              <a:t>2:</a:t>
+              <a:t>3</a:t>
             </a:r>
             <a:r>
-              <a:rPr lang="en-US" sz="1400" b="0" strike="noStrike" spc="-1" dirty="0" smtClean="0">
+              <a:rPr lang="es-CO" sz="1600" b="1" strike="noStrike" spc="-1" dirty="0">
                 <a:solidFill>
                   <a:srgbClr val="000000"/>
                 </a:solidFill>
@@ -6337,21 +5184,24 @@
                 <a:latin typeface="Arial"/>
                 <a:ea typeface="Noto Sans CJK SC Regular"/>
               </a:rPr>
-              <a:t> E</a:t>
+              <a:t>: recorrido de un camión por una subregión</a:t>
             </a:r>
             <a:r>
-              <a:rPr lang="es-ES" sz="1400" dirty="0" smtClean="0"/>
-              <a:t>nsamble de </a:t>
+              <a:rPr lang="es-CO" sz="1600" b="1" spc="-1" dirty="0">
+                <a:solidFill>
+                  <a:srgbClr val="000000"/>
+                </a:solidFill>
+                <a:uFill>
+                  <a:solidFill>
+                    <a:srgbClr val="FFFFFF"/>
+                  </a:solidFill>
+                </a:uFill>
+                <a:latin typeface="Arial"/>
+                <a:ea typeface="Noto Sans CJK SC Regular"/>
+              </a:rPr>
+              <a:t>, mostrando un caso de recarga de batería.</a:t>
             </a:r>
-            <a:r>
-              <a:rPr lang="es-ES" sz="1400" dirty="0"/>
-              <a:t>fragmentos de ADN que entrega un secuenciador de ADN en la cadena </a:t>
-            </a:r>
-            <a:r>
-              <a:rPr lang="es-ES" sz="1400" dirty="0" smtClean="0"/>
-              <a:t>original</a:t>
-            </a:r>
-            <a:endParaRPr lang="en-US" sz="1400" b="0" strike="noStrike" spc="-1" dirty="0">
+            <a:endParaRPr lang="es-CO" sz="1600" b="0" strike="noStrike" spc="-1" dirty="0">
               <a:solidFill>
                 <a:srgbClr val="000000"/>
               </a:solidFill>
@@ -6373,8 +5223,8 @@
         </p:nvSpPr>
         <p:spPr>
           <a:xfrm>
-            <a:off x="4383803" y="4464335"/>
-            <a:ext cx="4662720" cy="489240"/>
+            <a:off x="4383803" y="4464334"/>
+            <a:ext cx="4657560" cy="1078049"/>
           </a:xfrm>
           <a:prstGeom prst="rect">
             <a:avLst/>
@@ -6406,7 +5256,7 @@
               </a:lnSpc>
             </a:pPr>
             <a:r>
-              <a:rPr lang="en-US" sz="1400" b="1" strike="noStrike" spc="-1" dirty="0">
+              <a:rPr lang="es-CO" sz="1200" b="1" strike="noStrike" spc="-1" dirty="0">
                 <a:solidFill>
                   <a:srgbClr val="000000"/>
                 </a:solidFill>
@@ -6415,72 +5265,15 @@
                     <a:srgbClr val="FFFFFF"/>
                   </a:solidFill>
                 </a:uFill>
-                <a:latin typeface="Arial"/>
                 <a:ea typeface="Noto Sans CJK SC Regular"/>
               </a:rPr>
-              <a:t>Tabla </a:t>
+              <a:t>Tabla 1: Complejidad del algoritmo para cada una de las operaciones por cada archivo de datos, </a:t>
             </a:r>
             <a:r>
-              <a:rPr lang="en-US" sz="1400" b="1" strike="noStrike" spc="-1" dirty="0" smtClean="0">
-                <a:solidFill>
-                  <a:srgbClr val="000000"/>
-                </a:solidFill>
-                <a:uFill>
-                  <a:solidFill>
-                    <a:srgbClr val="FFFFFF"/>
-                  </a:solidFill>
-                </a:uFill>
-                <a:latin typeface="Arial"/>
-                <a:ea typeface="Noto Sans CJK SC Regular"/>
-              </a:rPr>
-              <a:t>1:</a:t>
+              <a:rPr lang="es-CO" sz="1200" b="1" dirty="0"/>
+              <a:t>donde r representa la cantidad de regiones, m es la cantidad de nodos en tal región, t es el numero de rutas creadas o encontradas y k la cantidad de nodos en cada ruta encontrada.</a:t>
             </a:r>
-            <a:r>
-              <a:rPr lang="en-US" sz="1400" b="0" strike="noStrike" spc="-1" dirty="0" smtClean="0">
-                <a:solidFill>
-                  <a:srgbClr val="000000"/>
-                </a:solidFill>
-                <a:uFill>
-                  <a:solidFill>
-                    <a:srgbClr val="FFFFFF"/>
-                  </a:solidFill>
-                </a:uFill>
-                <a:latin typeface="Arial"/>
-                <a:ea typeface="Noto Sans CJK SC Regular"/>
-              </a:rPr>
-              <a:t> </a:t>
-            </a:r>
-            <a:r>
-              <a:rPr lang="en-US" sz="1400" b="0" strike="noStrike" spc="-1" dirty="0">
-                <a:solidFill>
-                  <a:srgbClr val="000000"/>
-                </a:solidFill>
-                <a:uFill>
-                  <a:solidFill>
-                    <a:srgbClr val="FFFFFF"/>
-                  </a:solidFill>
-                </a:uFill>
-                <a:latin typeface="Arial"/>
-                <a:ea typeface="Noto Sans CJK SC Regular"/>
-              </a:rPr>
-              <a:t>Complejidad </a:t>
-            </a:r>
-            <a:r>
-              <a:rPr lang="en-US" sz="1400" b="0" strike="noStrike" spc="-1" dirty="0" smtClean="0">
-                <a:solidFill>
-                  <a:srgbClr val="000000"/>
-                </a:solidFill>
-                <a:uFill>
-                  <a:solidFill>
-                    <a:srgbClr val="FFFFFF"/>
-                  </a:solidFill>
-                </a:uFill>
-                <a:latin typeface="Arial"/>
-                <a:ea typeface="Noto Sans CJK SC Regular"/>
-              </a:rPr>
-              <a:t>del algoritmo para el peor de los casos, el mejor y el caso promedio</a:t>
-            </a:r>
-            <a:endParaRPr lang="en-US" sz="1400" b="0" strike="noStrike" spc="-1" dirty="0">
+            <a:endParaRPr lang="es-CO" sz="1200" b="1" strike="noStrike" spc="-1" dirty="0">
               <a:solidFill>
                 <a:srgbClr val="000000"/>
               </a:solidFill>
@@ -6489,257 +5282,22 @@
                   <a:srgbClr val="FFFFFF"/>
                 </a:solidFill>
               </a:uFill>
-              <a:latin typeface="Arial"/>
             </a:endParaRPr>
           </a:p>
         </p:txBody>
       </p:sp>
-      <p:sp>
-        <p:nvSpPr>
-          <p:cNvPr id="7" name="Rectángulo 6"/>
-          <p:cNvSpPr/>
-          <p:nvPr/>
-        </p:nvSpPr>
-        <p:spPr>
-          <a:xfrm>
-            <a:off x="345310" y="426049"/>
-            <a:ext cx="7731890" cy="536422"/>
-          </a:xfrm>
-          <a:prstGeom prst="rect">
-            <a:avLst/>
-          </a:prstGeom>
-          <a:noFill/>
-          <a:ln w="76200">
-            <a:solidFill>
-              <a:srgbClr val="FF0000"/>
-            </a:solidFill>
-          </a:ln>
-        </p:spPr>
-        <p:style>
-          <a:lnRef idx="2">
-            <a:schemeClr val="accent1">
-              <a:shade val="50000"/>
-            </a:schemeClr>
-          </a:lnRef>
-          <a:fillRef idx="1">
-            <a:schemeClr val="accent1"/>
-          </a:fillRef>
-          <a:effectRef idx="0">
-            <a:schemeClr val="accent1"/>
-          </a:effectRef>
-          <a:fontRef idx="minor">
-            <a:schemeClr val="lt1"/>
-          </a:fontRef>
-        </p:style>
-        <p:txBody>
-          <a:bodyPr rtlCol="0" anchor="ctr"/>
-          <a:lstStyle/>
-          <a:p>
-            <a:pPr algn="ctr"/>
-            <a:endParaRPr lang="es-CO"/>
-          </a:p>
-        </p:txBody>
-      </p:sp>
-      <p:cxnSp>
-        <p:nvCxnSpPr>
-          <p:cNvPr id="8" name="Conector recto de flecha 7"/>
-          <p:cNvCxnSpPr/>
-          <p:nvPr/>
-        </p:nvCxnSpPr>
-        <p:spPr>
-          <a:xfrm>
-            <a:off x="1911927" y="962471"/>
-            <a:ext cx="469518" cy="398365"/>
-          </a:xfrm>
-          <a:prstGeom prst="straightConnector1">
-            <a:avLst/>
-          </a:prstGeom>
-          <a:ln w="76200">
-            <a:solidFill>
-              <a:srgbClr val="FF0000"/>
-            </a:solidFill>
-            <a:tailEnd type="triangle"/>
-          </a:ln>
-        </p:spPr>
-        <p:style>
-          <a:lnRef idx="1">
-            <a:schemeClr val="accent1"/>
-          </a:lnRef>
-          <a:fillRef idx="0">
-            <a:schemeClr val="accent1"/>
-          </a:fillRef>
-          <a:effectRef idx="0">
-            <a:schemeClr val="accent1"/>
-          </a:effectRef>
-          <a:fontRef idx="minor">
-            <a:schemeClr val="tx1"/>
-          </a:fontRef>
-        </p:style>
-      </p:cxnSp>
-      <p:sp>
-        <p:nvSpPr>
-          <p:cNvPr id="9" name="CuadroTexto 8"/>
-          <p:cNvSpPr txBox="1"/>
-          <p:nvPr/>
-        </p:nvSpPr>
-        <p:spPr>
-          <a:xfrm>
-            <a:off x="1911927" y="1147660"/>
-            <a:ext cx="2914034" cy="307777"/>
-          </a:xfrm>
-          <a:prstGeom prst="rect">
-            <a:avLst/>
-          </a:prstGeom>
-          <a:noFill/>
-        </p:spPr>
-        <p:txBody>
-          <a:bodyPr wrap="square" rtlCol="0">
-            <a:spAutoFit/>
-          </a:bodyPr>
-          <a:lstStyle/>
-          <a:p>
-            <a:pPr algn="ctr"/>
-            <a:r>
-              <a:rPr lang="es-CO" sz="1400" i="1" dirty="0" smtClean="0">
-                <a:solidFill>
-                  <a:srgbClr val="FF0000"/>
-                </a:solidFill>
-              </a:rPr>
-              <a:t>Conserven este título</a:t>
-            </a:r>
-            <a:endParaRPr lang="es-CO" sz="1400" i="1" dirty="0">
-              <a:solidFill>
-                <a:srgbClr val="FF0000"/>
-              </a:solidFill>
-            </a:endParaRPr>
-          </a:p>
-        </p:txBody>
-      </p:sp>
-      <p:sp>
-        <p:nvSpPr>
-          <p:cNvPr id="12" name="Rectángulo 11"/>
-          <p:cNvSpPr/>
-          <p:nvPr/>
-        </p:nvSpPr>
-        <p:spPr>
-          <a:xfrm>
-            <a:off x="357952" y="1675060"/>
-            <a:ext cx="8578230" cy="3548105"/>
-          </a:xfrm>
-          <a:prstGeom prst="rect">
-            <a:avLst/>
-          </a:prstGeom>
-          <a:noFill/>
-          <a:ln w="76200">
-            <a:solidFill>
-              <a:srgbClr val="FF0000"/>
-            </a:solidFill>
-          </a:ln>
-        </p:spPr>
-        <p:style>
-          <a:lnRef idx="2">
-            <a:schemeClr val="accent1">
-              <a:shade val="50000"/>
-            </a:schemeClr>
-          </a:lnRef>
-          <a:fillRef idx="1">
-            <a:schemeClr val="accent1"/>
-          </a:fillRef>
-          <a:effectRef idx="0">
-            <a:schemeClr val="accent1"/>
-          </a:effectRef>
-          <a:fontRef idx="minor">
-            <a:schemeClr val="lt1"/>
-          </a:fontRef>
-        </p:style>
-        <p:txBody>
-          <a:bodyPr rtlCol="0" anchor="ctr"/>
-          <a:lstStyle/>
-          <a:p>
-            <a:pPr algn="ctr"/>
-            <a:endParaRPr lang="es-CO"/>
-          </a:p>
-        </p:txBody>
-      </p:sp>
-      <p:sp>
-        <p:nvSpPr>
-          <p:cNvPr id="13" name="CuadroTexto 12"/>
-          <p:cNvSpPr txBox="1"/>
-          <p:nvPr/>
-        </p:nvSpPr>
-        <p:spPr>
-          <a:xfrm>
-            <a:off x="5555676" y="5318355"/>
-            <a:ext cx="3119226" cy="523220"/>
-          </a:xfrm>
-          <a:prstGeom prst="rect">
-            <a:avLst/>
-          </a:prstGeom>
-          <a:noFill/>
-        </p:spPr>
-        <p:txBody>
-          <a:bodyPr wrap="square" rtlCol="0">
-            <a:spAutoFit/>
-          </a:bodyPr>
-          <a:lstStyle/>
-          <a:p>
-            <a:pPr algn="ctr"/>
-            <a:r>
-              <a:rPr lang="es-CO" sz="1400" i="1" dirty="0" smtClean="0">
-                <a:solidFill>
-                  <a:srgbClr val="FF0000"/>
-                </a:solidFill>
-              </a:rPr>
-              <a:t>Inserten sus propias gráficas y sus explicaciones</a:t>
-            </a:r>
-            <a:endParaRPr lang="es-CO" sz="1400" i="1" dirty="0">
-              <a:solidFill>
-                <a:srgbClr val="FF0000"/>
-              </a:solidFill>
-            </a:endParaRPr>
-          </a:p>
-        </p:txBody>
-      </p:sp>
-      <p:cxnSp>
-        <p:nvCxnSpPr>
-          <p:cNvPr id="14" name="Conector recto de flecha 13"/>
-          <p:cNvCxnSpPr/>
-          <p:nvPr/>
-        </p:nvCxnSpPr>
-        <p:spPr>
-          <a:xfrm>
-            <a:off x="4988848" y="5237453"/>
-            <a:ext cx="594533" cy="299936"/>
-          </a:xfrm>
-          <a:prstGeom prst="straightConnector1">
-            <a:avLst/>
-          </a:prstGeom>
-          <a:ln w="76200">
-            <a:solidFill>
-              <a:srgbClr val="FF0000"/>
-            </a:solidFill>
-            <a:tailEnd type="triangle"/>
-          </a:ln>
-        </p:spPr>
-        <p:style>
-          <a:lnRef idx="1">
-            <a:schemeClr val="accent1"/>
-          </a:lnRef>
-          <a:fillRef idx="0">
-            <a:schemeClr val="accent1"/>
-          </a:fillRef>
-          <a:effectRef idx="0">
-            <a:schemeClr val="accent1"/>
-          </a:effectRef>
-          <a:fontRef idx="minor">
-            <a:schemeClr val="tx1"/>
-          </a:fontRef>
-        </p:style>
-      </p:cxnSp>
       <p:pic>
         <p:nvPicPr>
-          <p:cNvPr id="15" name="Imagen 14"/>
-          <p:cNvPicPr/>
+          <p:cNvPr id="2052" name="Imagen 1">
+            <a:extLst>
+              <a:ext uri="{FF2B5EF4-FFF2-40B4-BE49-F238E27FC236}">
+                <a16:creationId xmlns:a16="http://schemas.microsoft.com/office/drawing/2014/main" id="{837D5827-BAC7-4259-8B0A-D18598AD3049}"/>
+              </a:ext>
+            </a:extLst>
+          </p:cNvPr>
+          <p:cNvPicPr>
+            <a:picLocks noChangeAspect="1" noChangeArrowheads="1"/>
+          </p:cNvPicPr>
           <p:nvPr/>
         </p:nvPicPr>
         <p:blipFill>
@@ -6757,43 +5315,463 @@
         </p:blipFill>
         <p:spPr bwMode="auto">
           <a:xfrm>
-            <a:off x="400180" y="1897258"/>
-            <a:ext cx="3962530" cy="2237148"/>
-          </a:xfrm>
-          <a:prstGeom prst="rect">
-            <a:avLst/>
-          </a:prstGeom>
-          <a:solidFill>
-            <a:srgbClr val="FFFFFF"/>
-          </a:solidFill>
+            <a:off x="325105" y="781179"/>
+            <a:ext cx="4134431" cy="1902027"/>
+          </a:xfrm>
+          <a:prstGeom prst="rect">
+            <a:avLst/>
+          </a:prstGeom>
+          <a:noFill/>
           <a:ln>
             <a:noFill/>
           </a:ln>
+          <a:extLst>
+            <a:ext uri="{909E8E84-426E-40DD-AFC4-6F175D3DCCD1}">
+              <a14:hiddenFill xmlns:a14="http://schemas.microsoft.com/office/drawing/2010/main">
+                <a:solidFill>
+                  <a:srgbClr val="FFFFFF"/>
+                </a:solidFill>
+              </a14:hiddenFill>
+            </a:ext>
+            <a:ext uri="{91240B29-F687-4F45-9708-019B960494DF}">
+              <a14:hiddenLine xmlns:a14="http://schemas.microsoft.com/office/drawing/2010/main" w="9525">
+                <a:solidFill>
+                  <a:srgbClr val="000000"/>
+                </a:solidFill>
+                <a:miter lim="800000"/>
+                <a:headEnd/>
+                <a:tailEnd/>
+              </a14:hiddenLine>
+            </a:ext>
+          </a:extLst>
         </p:spPr>
       </p:pic>
       <p:pic>
         <p:nvPicPr>
-          <p:cNvPr id="2" name="Imagen 1"/>
+          <p:cNvPr id="2053" name="Imagen 1">
+            <a:extLst>
+              <a:ext uri="{FF2B5EF4-FFF2-40B4-BE49-F238E27FC236}">
+                <a16:creationId xmlns:a16="http://schemas.microsoft.com/office/drawing/2014/main" id="{4E2BB087-B73E-43C9-83E0-AA09A0332F4E}"/>
+              </a:ext>
+            </a:extLst>
+          </p:cNvPr>
           <p:cNvPicPr>
-            <a:picLocks noChangeAspect="1"/>
+            <a:picLocks noChangeAspect="1" noChangeArrowheads="1"/>
           </p:cNvPicPr>
           <p:nvPr/>
         </p:nvPicPr>
-        <p:blipFill rotWithShape="1">
-          <a:blip r:embed="rId3"/>
-          <a:srcRect l="26255" t="31155" r="28917" b="41761"/>
-          <a:stretch/>
+        <p:blipFill>
+          <a:blip r:embed="rId3">
+            <a:extLst>
+              <a:ext uri="{28A0092B-C50C-407E-A947-70E740481C1C}">
+                <a14:useLocalDpi xmlns:a14="http://schemas.microsoft.com/office/drawing/2010/main" val="0"/>
+              </a:ext>
+            </a:extLst>
+          </a:blip>
+          <a:srcRect/>
+          <a:stretch>
+            <a:fillRect/>
+          </a:stretch>
         </p:blipFill>
-        <p:spPr>
-          <a:xfrm>
-            <a:off x="4362710" y="2280258"/>
-            <a:ext cx="4472750" cy="1519248"/>
-          </a:xfrm>
-          <a:prstGeom prst="rect">
-            <a:avLst/>
-          </a:prstGeom>
+        <p:spPr bwMode="auto">
+          <a:xfrm>
+            <a:off x="526409" y="2563550"/>
+            <a:ext cx="3933127" cy="1735338"/>
+          </a:xfrm>
+          <a:prstGeom prst="rect">
+            <a:avLst/>
+          </a:prstGeom>
+          <a:noFill/>
+          <a:ln>
+            <a:noFill/>
+          </a:ln>
+          <a:extLst>
+            <a:ext uri="{909E8E84-426E-40DD-AFC4-6F175D3DCCD1}">
+              <a14:hiddenFill xmlns:a14="http://schemas.microsoft.com/office/drawing/2010/main">
+                <a:solidFill>
+                  <a:srgbClr val="FFFFFF"/>
+                </a:solidFill>
+              </a14:hiddenFill>
+            </a:ext>
+            <a:ext uri="{91240B29-F687-4F45-9708-019B960494DF}">
+              <a14:hiddenLine xmlns:a14="http://schemas.microsoft.com/office/drawing/2010/main" w="9525">
+                <a:solidFill>
+                  <a:srgbClr val="000000"/>
+                </a:solidFill>
+                <a:miter lim="800000"/>
+                <a:headEnd/>
+                <a:tailEnd/>
+              </a14:hiddenLine>
+            </a:ext>
+          </a:extLst>
         </p:spPr>
       </p:pic>
+      <p:graphicFrame>
+        <p:nvGraphicFramePr>
+          <p:cNvPr id="3" name="Tabla 2">
+            <a:extLst>
+              <a:ext uri="{FF2B5EF4-FFF2-40B4-BE49-F238E27FC236}">
+                <a16:creationId xmlns:a16="http://schemas.microsoft.com/office/drawing/2014/main" id="{06A4AC14-4443-4254-8E3C-BA781A45B803}"/>
+              </a:ext>
+            </a:extLst>
+          </p:cNvPr>
+          <p:cNvGraphicFramePr>
+            <a:graphicFrameLocks noGrp="1"/>
+          </p:cNvGraphicFramePr>
+          <p:nvPr>
+            <p:extLst>
+              <p:ext uri="{D42A27DB-BD31-4B8C-83A1-F6EECF244321}">
+                <p14:modId xmlns:p14="http://schemas.microsoft.com/office/powerpoint/2010/main" val="1771362632"/>
+              </p:ext>
+            </p:extLst>
+          </p:nvPr>
+        </p:nvGraphicFramePr>
+        <p:xfrm>
+          <a:off x="4851717" y="946626"/>
+          <a:ext cx="4082839" cy="2961950"/>
+        </p:xfrm>
+        <a:graphic>
+          <a:graphicData uri="http://schemas.openxmlformats.org/drawingml/2006/table">
+            <a:tbl>
+              <a:tblPr>
+                <a:tableStyleId>{5C22544A-7EE6-4342-B048-85BDC9FD1C3A}</a:tableStyleId>
+              </a:tblPr>
+              <a:tblGrid>
+                <a:gridCol w="2571544">
+                  <a:extLst>
+                    <a:ext uri="{9D8B030D-6E8A-4147-A177-3AD203B41FA5}">
+                      <a16:colId xmlns:a16="http://schemas.microsoft.com/office/drawing/2014/main" val="290750702"/>
+                    </a:ext>
+                  </a:extLst>
+                </a:gridCol>
+                <a:gridCol w="1511295">
+                  <a:extLst>
+                    <a:ext uri="{9D8B030D-6E8A-4147-A177-3AD203B41FA5}">
+                      <a16:colId xmlns:a16="http://schemas.microsoft.com/office/drawing/2014/main" val="3167107675"/>
+                    </a:ext>
+                  </a:extLst>
+                </a:gridCol>
+              </a:tblGrid>
+              <a:tr h="592390">
+                <a:tc>
+                  <a:txBody>
+                    <a:bodyPr/>
+                    <a:lstStyle/>
+                    <a:p>
+                      <a:pPr algn="ctr">
+                        <a:spcAft>
+                          <a:spcPts val="600"/>
+                        </a:spcAft>
+                      </a:pPr>
+                      <a:r>
+                        <a:rPr lang="es-ES_tradnl" sz="1400" b="1" i="1" dirty="0">
+                          <a:effectLst/>
+                          <a:latin typeface="+mn-lt"/>
+                        </a:rPr>
+                        <a:t>SUB PROBLEMA</a:t>
+                      </a:r>
+                      <a:endParaRPr lang="es-CO" sz="1400" b="1" i="1" dirty="0">
+                        <a:effectLst/>
+                        <a:latin typeface="+mn-lt"/>
+                        <a:ea typeface="Times New Roman" panose="02020603050405020304" pitchFamily="18" charset="0"/>
+                      </a:endParaRPr>
+                    </a:p>
+                  </a:txBody>
+                  <a:tcPr marL="68580" marR="68580" marT="0" marB="0" anchor="ctr"/>
+                </a:tc>
+                <a:tc>
+                  <a:txBody>
+                    <a:bodyPr/>
+                    <a:lstStyle/>
+                    <a:p>
+                      <a:pPr algn="ctr">
+                        <a:spcAft>
+                          <a:spcPts val="600"/>
+                        </a:spcAft>
+                      </a:pPr>
+                      <a:r>
+                        <a:rPr lang="es-ES_tradnl" sz="1400" b="1" i="1" dirty="0">
+                          <a:effectLst/>
+                          <a:latin typeface="+mn-lt"/>
+                        </a:rPr>
+                        <a:t>COMPLEJIDAD</a:t>
+                      </a:r>
+                      <a:endParaRPr lang="es-CO" sz="1400" b="1" i="1" dirty="0">
+                        <a:effectLst/>
+                        <a:latin typeface="+mn-lt"/>
+                        <a:ea typeface="Times New Roman" panose="02020603050405020304" pitchFamily="18" charset="0"/>
+                      </a:endParaRPr>
+                    </a:p>
+                  </a:txBody>
+                  <a:tcPr marL="68580" marR="68580" marT="0" marB="0" anchor="ctr"/>
+                </a:tc>
+                <a:extLst>
+                  <a:ext uri="{0D108BD9-81ED-4DB2-BD59-A6C34878D82A}">
+                    <a16:rowId xmlns:a16="http://schemas.microsoft.com/office/drawing/2014/main" val="2248825576"/>
+                  </a:ext>
+                </a:extLst>
+              </a:tr>
+              <a:tr h="592390">
+                <a:tc>
+                  <a:txBody>
+                    <a:bodyPr/>
+                    <a:lstStyle/>
+                    <a:p>
+                      <a:pPr algn="ctr">
+                        <a:spcAft>
+                          <a:spcPts val="600"/>
+                        </a:spcAft>
+                      </a:pPr>
+                      <a:r>
+                        <a:rPr lang="es-ES_tradnl" sz="1400" b="1" dirty="0">
+                          <a:effectLst/>
+                          <a:latin typeface="+mn-lt"/>
+                        </a:rPr>
+                        <a:t>Creación de la estructura</a:t>
+                      </a:r>
+                      <a:endParaRPr lang="es-CO" sz="1400" b="1" dirty="0">
+                        <a:effectLst/>
+                        <a:latin typeface="+mn-lt"/>
+                        <a:ea typeface="Times New Roman" panose="02020603050405020304" pitchFamily="18" charset="0"/>
+                      </a:endParaRPr>
+                    </a:p>
+                  </a:txBody>
+                  <a:tcPr marL="68580" marR="68580" marT="0" marB="0" anchor="ctr"/>
+                </a:tc>
+                <a:tc>
+                  <a:txBody>
+                    <a:bodyPr/>
+                    <a:lstStyle/>
+                    <a:p>
+                      <a:pPr algn="ctr">
+                        <a:spcAft>
+                          <a:spcPts val="600"/>
+                        </a:spcAft>
+                      </a:pPr>
+                      <a:r>
+                        <a:rPr lang="es-ES_tradnl" sz="1400" b="1">
+                          <a:effectLst/>
+                          <a:latin typeface="+mn-lt"/>
+                        </a:rPr>
+                        <a:t>O(r*(m^2))</a:t>
+                      </a:r>
+                      <a:endParaRPr lang="es-CO" sz="1400" b="1">
+                        <a:effectLst/>
+                        <a:latin typeface="+mn-lt"/>
+                        <a:ea typeface="Times New Roman" panose="02020603050405020304" pitchFamily="18" charset="0"/>
+                      </a:endParaRPr>
+                    </a:p>
+                  </a:txBody>
+                  <a:tcPr marL="68580" marR="68580" marT="0" marB="0" anchor="ctr"/>
+                </a:tc>
+                <a:extLst>
+                  <a:ext uri="{0D108BD9-81ED-4DB2-BD59-A6C34878D82A}">
+                    <a16:rowId xmlns:a16="http://schemas.microsoft.com/office/drawing/2014/main" val="3139927381"/>
+                  </a:ext>
+                </a:extLst>
+              </a:tr>
+              <a:tr h="592390">
+                <a:tc>
+                  <a:txBody>
+                    <a:bodyPr/>
+                    <a:lstStyle/>
+                    <a:p>
+                      <a:pPr algn="ctr">
+                        <a:spcAft>
+                          <a:spcPts val="600"/>
+                        </a:spcAft>
+                      </a:pPr>
+                      <a:r>
+                        <a:rPr lang="es-ES_tradnl" sz="1400" b="1" dirty="0" err="1">
+                          <a:effectLst/>
+                          <a:latin typeface="+mn-lt"/>
+                        </a:rPr>
+                        <a:t>Tsp</a:t>
+                      </a:r>
+                      <a:r>
+                        <a:rPr lang="es-ES_tradnl" sz="1400" b="1" dirty="0">
+                          <a:effectLst/>
+                          <a:latin typeface="+mn-lt"/>
+                        </a:rPr>
+                        <a:t> para cada subregión</a:t>
+                      </a:r>
+                      <a:endParaRPr lang="es-CO" sz="1400" b="1" dirty="0">
+                        <a:effectLst/>
+                        <a:latin typeface="+mn-lt"/>
+                        <a:ea typeface="Times New Roman" panose="02020603050405020304" pitchFamily="18" charset="0"/>
+                      </a:endParaRPr>
+                    </a:p>
+                  </a:txBody>
+                  <a:tcPr marL="68580" marR="68580" marT="0" marB="0" anchor="ctr"/>
+                </a:tc>
+                <a:tc>
+                  <a:txBody>
+                    <a:bodyPr/>
+                    <a:lstStyle/>
+                    <a:p>
+                      <a:pPr algn="ctr">
+                        <a:spcAft>
+                          <a:spcPts val="600"/>
+                        </a:spcAft>
+                      </a:pPr>
+                      <a:r>
+                        <a:rPr lang="es-ES_tradnl" sz="1400" b="1">
+                          <a:effectLst/>
+                          <a:latin typeface="+mn-lt"/>
+                        </a:rPr>
+                        <a:t>O(r*(m ^2))</a:t>
+                      </a:r>
+                      <a:endParaRPr lang="es-CO" sz="1400" b="1">
+                        <a:effectLst/>
+                        <a:latin typeface="+mn-lt"/>
+                        <a:ea typeface="Times New Roman" panose="02020603050405020304" pitchFamily="18" charset="0"/>
+                      </a:endParaRPr>
+                    </a:p>
+                  </a:txBody>
+                  <a:tcPr marL="68580" marR="68580" marT="0" marB="0" anchor="ctr"/>
+                </a:tc>
+                <a:extLst>
+                  <a:ext uri="{0D108BD9-81ED-4DB2-BD59-A6C34878D82A}">
+                    <a16:rowId xmlns:a16="http://schemas.microsoft.com/office/drawing/2014/main" val="2676553307"/>
+                  </a:ext>
+                </a:extLst>
+              </a:tr>
+              <a:tr h="592390">
+                <a:tc>
+                  <a:txBody>
+                    <a:bodyPr/>
+                    <a:lstStyle/>
+                    <a:p>
+                      <a:pPr algn="ctr">
+                        <a:spcAft>
+                          <a:spcPts val="600"/>
+                        </a:spcAft>
+                      </a:pPr>
+                      <a:r>
+                        <a:rPr lang="es-ES_tradnl" sz="1400" b="1" dirty="0">
+                          <a:effectLst/>
+                          <a:latin typeface="+mn-lt"/>
+                        </a:rPr>
+                        <a:t>Imprimir las rutas</a:t>
+                      </a:r>
+                      <a:endParaRPr lang="es-CO" sz="1400" b="1" dirty="0">
+                        <a:effectLst/>
+                        <a:latin typeface="+mn-lt"/>
+                        <a:ea typeface="Times New Roman" panose="02020603050405020304" pitchFamily="18" charset="0"/>
+                      </a:endParaRPr>
+                    </a:p>
+                  </a:txBody>
+                  <a:tcPr marL="68580" marR="68580" marT="0" marB="0" anchor="ctr"/>
+                </a:tc>
+                <a:tc>
+                  <a:txBody>
+                    <a:bodyPr/>
+                    <a:lstStyle/>
+                    <a:p>
+                      <a:pPr algn="ctr">
+                        <a:spcAft>
+                          <a:spcPts val="600"/>
+                        </a:spcAft>
+                      </a:pPr>
+                      <a:r>
+                        <a:rPr lang="es-ES_tradnl" sz="1400" b="1" dirty="0">
+                          <a:effectLst/>
+                          <a:latin typeface="+mn-lt"/>
+                        </a:rPr>
+                        <a:t>O(t*(k))</a:t>
+                      </a:r>
+                      <a:endParaRPr lang="es-CO" sz="1400" b="1" dirty="0">
+                        <a:effectLst/>
+                        <a:latin typeface="+mn-lt"/>
+                        <a:ea typeface="Times New Roman" panose="02020603050405020304" pitchFamily="18" charset="0"/>
+                      </a:endParaRPr>
+                    </a:p>
+                  </a:txBody>
+                  <a:tcPr marL="68580" marR="68580" marT="0" marB="0" anchor="ctr"/>
+                </a:tc>
+                <a:extLst>
+                  <a:ext uri="{0D108BD9-81ED-4DB2-BD59-A6C34878D82A}">
+                    <a16:rowId xmlns:a16="http://schemas.microsoft.com/office/drawing/2014/main" val="1387590399"/>
+                  </a:ext>
+                </a:extLst>
+              </a:tr>
+              <a:tr h="592390">
+                <a:tc>
+                  <a:txBody>
+                    <a:bodyPr/>
+                    <a:lstStyle/>
+                    <a:p>
+                      <a:pPr algn="ctr">
+                        <a:spcAft>
+                          <a:spcPts val="600"/>
+                        </a:spcAft>
+                      </a:pPr>
+                      <a:r>
+                        <a:rPr lang="es-ES_tradnl" sz="1400" b="1" dirty="0">
+                          <a:effectLst/>
+                          <a:latin typeface="+mn-lt"/>
+                        </a:rPr>
+                        <a:t>Complejidad Total</a:t>
+                      </a:r>
+                      <a:endParaRPr lang="es-CO" sz="1400" b="1" dirty="0">
+                        <a:effectLst/>
+                        <a:latin typeface="+mn-lt"/>
+                        <a:ea typeface="Times New Roman" panose="02020603050405020304" pitchFamily="18" charset="0"/>
+                      </a:endParaRPr>
+                    </a:p>
+                  </a:txBody>
+                  <a:tcPr marL="68580" marR="68580" marT="0" marB="0" anchor="ctr"/>
+                </a:tc>
+                <a:tc>
+                  <a:txBody>
+                    <a:bodyPr/>
+                    <a:lstStyle/>
+                    <a:p>
+                      <a:pPr algn="ctr">
+                        <a:spcAft>
+                          <a:spcPts val="600"/>
+                        </a:spcAft>
+                      </a:pPr>
+                      <a:r>
+                        <a:rPr lang="es-ES_tradnl" sz="1400" b="1" dirty="0">
+                          <a:effectLst/>
+                          <a:latin typeface="+mn-lt"/>
+                        </a:rPr>
+                        <a:t>O(2(r*m</a:t>
+                      </a:r>
+                      <a:r>
+                        <a:rPr lang="es-ES_tradnl" sz="1400" b="1" baseline="30000" dirty="0">
+                          <a:effectLst/>
+                          <a:latin typeface="+mn-lt"/>
+                        </a:rPr>
+                        <a:t>2</a:t>
+                      </a:r>
+                      <a:r>
+                        <a:rPr lang="es-ES_tradnl" sz="1400" b="1" dirty="0">
+                          <a:effectLst/>
+                          <a:latin typeface="+mn-lt"/>
+                        </a:rPr>
+                        <a:t>) + t*k)</a:t>
+                      </a:r>
+                      <a:endParaRPr lang="es-CO" sz="1400" b="1" dirty="0">
+                        <a:effectLst/>
+                        <a:latin typeface="+mn-lt"/>
+                        <a:ea typeface="Times New Roman" panose="02020603050405020304" pitchFamily="18" charset="0"/>
+                      </a:endParaRPr>
+                    </a:p>
+                  </a:txBody>
+                  <a:tcPr marL="68580" marR="68580" marT="0" marB="0" anchor="ctr"/>
+                </a:tc>
+                <a:extLst>
+                  <a:ext uri="{0D108BD9-81ED-4DB2-BD59-A6C34878D82A}">
+                    <a16:rowId xmlns:a16="http://schemas.microsoft.com/office/drawing/2014/main" val="1573367647"/>
+                  </a:ext>
+                </a:extLst>
+              </a:tr>
+            </a:tbl>
+          </a:graphicData>
+        </a:graphic>
+      </p:graphicFrame>
     </p:spTree>
   </p:cSld>
   <p:clrMapOvr>
@@ -6887,7 +5865,7 @@
               </a:lnSpc>
             </a:pPr>
             <a:r>
-              <a:rPr lang="en-US" sz="2800" b="1" i="1" spc="-1" dirty="0" err="1">
+              <a:rPr lang="es-CO" sz="2800" b="1" i="1" spc="-1" dirty="0">
                 <a:solidFill>
                   <a:srgbClr val="333F4F"/>
                 </a:solidFill>
@@ -6899,333 +5877,11 @@
                 <a:latin typeface="+mj-lt"/>
                 <a:ea typeface="DejaVu Sans"/>
               </a:rPr>
-              <a:t>Criterios</a:t>
+              <a:t>Criterios de Diseño del Algoritmo</a:t>
             </a:r>
-            <a:r>
-              <a:rPr lang="en-US" sz="2800" b="1" i="1" spc="-1" dirty="0">
-                <a:solidFill>
-                  <a:srgbClr val="333F4F"/>
-                </a:solidFill>
-                <a:uFill>
-                  <a:solidFill>
-                    <a:srgbClr val="FFFFFF"/>
-                  </a:solidFill>
-                </a:uFill>
-                <a:latin typeface="+mj-lt"/>
-                <a:ea typeface="DejaVu Sans"/>
-              </a:rPr>
-              <a:t> de </a:t>
-            </a:r>
-            <a:r>
-              <a:rPr lang="en-US" sz="2800" b="1" i="1" spc="-1" dirty="0" err="1">
-                <a:solidFill>
-                  <a:srgbClr val="333F4F"/>
-                </a:solidFill>
-                <a:uFill>
-                  <a:solidFill>
-                    <a:srgbClr val="FFFFFF"/>
-                  </a:solidFill>
-                </a:uFill>
-                <a:latin typeface="+mj-lt"/>
-                <a:ea typeface="DejaVu Sans"/>
-              </a:rPr>
-              <a:t>D</a:t>
-            </a:r>
-            <a:r>
-              <a:rPr lang="en-US" sz="2800" b="1" i="1" spc="-1" dirty="0" err="1" smtClean="0">
-                <a:solidFill>
-                  <a:srgbClr val="333F4F"/>
-                </a:solidFill>
-                <a:uFill>
-                  <a:solidFill>
-                    <a:srgbClr val="FFFFFF"/>
-                  </a:solidFill>
-                </a:uFill>
-                <a:latin typeface="+mj-lt"/>
-                <a:ea typeface="DejaVu Sans"/>
-              </a:rPr>
-              <a:t>iseño</a:t>
-            </a:r>
-            <a:r>
-              <a:rPr lang="en-US" sz="2800" b="1" i="1" spc="-1" dirty="0" smtClean="0">
-                <a:solidFill>
-                  <a:srgbClr val="333F4F"/>
-                </a:solidFill>
-                <a:uFill>
-                  <a:solidFill>
-                    <a:srgbClr val="FFFFFF"/>
-                  </a:solidFill>
-                </a:uFill>
-                <a:latin typeface="+mj-lt"/>
-                <a:ea typeface="DejaVu Sans"/>
-              </a:rPr>
-              <a:t> del Algoritmo</a:t>
-            </a:r>
-            <a:endParaRPr lang="en-US" sz="2800" b="1" i="1" spc="-1" dirty="0">
-              <a:solidFill>
-                <a:srgbClr val="333F4F"/>
-              </a:solidFill>
-              <a:uFill>
-                <a:solidFill>
-                  <a:srgbClr val="FFFFFF"/>
-                </a:solidFill>
-              </a:uFill>
-              <a:latin typeface="+mj-lt"/>
-              <a:ea typeface="DejaVu Sans"/>
-            </a:endParaRPr>
           </a:p>
         </p:txBody>
       </p:sp>
-      <p:sp>
-        <p:nvSpPr>
-          <p:cNvPr id="4" name="Rectángulo 3"/>
-          <p:cNvSpPr/>
-          <p:nvPr/>
-        </p:nvSpPr>
-        <p:spPr>
-          <a:xfrm>
-            <a:off x="357660" y="485161"/>
-            <a:ext cx="8121322" cy="536422"/>
-          </a:xfrm>
-          <a:prstGeom prst="rect">
-            <a:avLst/>
-          </a:prstGeom>
-          <a:noFill/>
-          <a:ln w="76200">
-            <a:solidFill>
-              <a:srgbClr val="FF0000"/>
-            </a:solidFill>
-          </a:ln>
-        </p:spPr>
-        <p:style>
-          <a:lnRef idx="2">
-            <a:schemeClr val="accent1">
-              <a:shade val="50000"/>
-            </a:schemeClr>
-          </a:lnRef>
-          <a:fillRef idx="1">
-            <a:schemeClr val="accent1"/>
-          </a:fillRef>
-          <a:effectRef idx="0">
-            <a:schemeClr val="accent1"/>
-          </a:effectRef>
-          <a:fontRef idx="minor">
-            <a:schemeClr val="lt1"/>
-          </a:fontRef>
-        </p:style>
-        <p:txBody>
-          <a:bodyPr rtlCol="0" anchor="ctr"/>
-          <a:lstStyle/>
-          <a:p>
-            <a:pPr algn="ctr"/>
-            <a:endParaRPr lang="es-CO"/>
-          </a:p>
-        </p:txBody>
-      </p:sp>
-      <p:cxnSp>
-        <p:nvCxnSpPr>
-          <p:cNvPr id="5" name="Conector recto de flecha 4"/>
-          <p:cNvCxnSpPr/>
-          <p:nvPr/>
-        </p:nvCxnSpPr>
-        <p:spPr>
-          <a:xfrm>
-            <a:off x="1993549" y="1036459"/>
-            <a:ext cx="888196" cy="256191"/>
-          </a:xfrm>
-          <a:prstGeom prst="straightConnector1">
-            <a:avLst/>
-          </a:prstGeom>
-          <a:ln w="76200">
-            <a:solidFill>
-              <a:srgbClr val="FF0000"/>
-            </a:solidFill>
-            <a:tailEnd type="triangle"/>
-          </a:ln>
-        </p:spPr>
-        <p:style>
-          <a:lnRef idx="1">
-            <a:schemeClr val="accent1"/>
-          </a:lnRef>
-          <a:fillRef idx="0">
-            <a:schemeClr val="accent1"/>
-          </a:fillRef>
-          <a:effectRef idx="0">
-            <a:schemeClr val="accent1"/>
-          </a:effectRef>
-          <a:fontRef idx="minor">
-            <a:schemeClr val="tx1"/>
-          </a:fontRef>
-        </p:style>
-      </p:cxnSp>
-      <p:sp>
-        <p:nvSpPr>
-          <p:cNvPr id="6" name="CuadroTexto 5"/>
-          <p:cNvSpPr txBox="1"/>
-          <p:nvPr/>
-        </p:nvSpPr>
-        <p:spPr>
-          <a:xfrm>
-            <a:off x="2660072" y="1164554"/>
-            <a:ext cx="2465180" cy="307777"/>
-          </a:xfrm>
-          <a:prstGeom prst="rect">
-            <a:avLst/>
-          </a:prstGeom>
-          <a:noFill/>
-        </p:spPr>
-        <p:txBody>
-          <a:bodyPr wrap="square" rtlCol="0">
-            <a:spAutoFit/>
-          </a:bodyPr>
-          <a:lstStyle/>
-          <a:p>
-            <a:pPr algn="ctr"/>
-            <a:r>
-              <a:rPr lang="es-CO" sz="1400" i="1" dirty="0" smtClean="0">
-                <a:solidFill>
-                  <a:srgbClr val="FF0000"/>
-                </a:solidFill>
-              </a:rPr>
-              <a:t>Conserven este título</a:t>
-            </a:r>
-            <a:endParaRPr lang="es-CO" sz="1400" i="1" dirty="0">
-              <a:solidFill>
-                <a:srgbClr val="FF0000"/>
-              </a:solidFill>
-            </a:endParaRPr>
-          </a:p>
-        </p:txBody>
-      </p:sp>
-      <p:sp>
-        <p:nvSpPr>
-          <p:cNvPr id="9" name="Rectángulo 8"/>
-          <p:cNvSpPr/>
-          <p:nvPr/>
-        </p:nvSpPr>
-        <p:spPr>
-          <a:xfrm>
-            <a:off x="357661" y="1472331"/>
-            <a:ext cx="8121322" cy="3548105"/>
-          </a:xfrm>
-          <a:prstGeom prst="rect">
-            <a:avLst/>
-          </a:prstGeom>
-          <a:noFill/>
-          <a:ln w="76200">
-            <a:solidFill>
-              <a:srgbClr val="FF0000"/>
-            </a:solidFill>
-          </a:ln>
-        </p:spPr>
-        <p:style>
-          <a:lnRef idx="2">
-            <a:schemeClr val="accent1">
-              <a:shade val="50000"/>
-            </a:schemeClr>
-          </a:lnRef>
-          <a:fillRef idx="1">
-            <a:schemeClr val="accent1"/>
-          </a:fillRef>
-          <a:effectRef idx="0">
-            <a:schemeClr val="accent1"/>
-          </a:effectRef>
-          <a:fontRef idx="minor">
-            <a:schemeClr val="lt1"/>
-          </a:fontRef>
-        </p:style>
-        <p:txBody>
-          <a:bodyPr rtlCol="0" anchor="ctr"/>
-          <a:lstStyle/>
-          <a:p>
-            <a:pPr algn="ctr"/>
-            <a:endParaRPr lang="es-CO"/>
-          </a:p>
-        </p:txBody>
-      </p:sp>
-      <p:sp>
-        <p:nvSpPr>
-          <p:cNvPr id="10" name="CuadroTexto 9"/>
-          <p:cNvSpPr txBox="1"/>
-          <p:nvPr/>
-        </p:nvSpPr>
-        <p:spPr>
-          <a:xfrm>
-            <a:off x="5479699" y="5109179"/>
-            <a:ext cx="3119226" cy="523220"/>
-          </a:xfrm>
-          <a:prstGeom prst="rect">
-            <a:avLst/>
-          </a:prstGeom>
-          <a:noFill/>
-        </p:spPr>
-        <p:txBody>
-          <a:bodyPr wrap="square" rtlCol="0">
-            <a:spAutoFit/>
-          </a:bodyPr>
-          <a:lstStyle/>
-          <a:p>
-            <a:pPr algn="ctr"/>
-            <a:r>
-              <a:rPr lang="es-CO" sz="1400" i="1" dirty="0">
-                <a:solidFill>
-                  <a:srgbClr val="FF0000"/>
-                </a:solidFill>
-              </a:rPr>
-              <a:t>Inserten </a:t>
-            </a:r>
-            <a:r>
-              <a:rPr lang="es-CO" sz="1400" i="1" dirty="0" smtClean="0">
-                <a:solidFill>
-                  <a:srgbClr val="FF0000"/>
-                </a:solidFill>
-              </a:rPr>
-              <a:t>sus propias gráficas y sus explicaciones</a:t>
-            </a:r>
-            <a:endParaRPr lang="es-CO" sz="1400" i="1" dirty="0">
-              <a:solidFill>
-                <a:srgbClr val="FF0000"/>
-              </a:solidFill>
-            </a:endParaRPr>
-          </a:p>
-        </p:txBody>
-      </p:sp>
-      <p:cxnSp>
-        <p:nvCxnSpPr>
-          <p:cNvPr id="11" name="Conector recto de flecha 10"/>
-          <p:cNvCxnSpPr/>
-          <p:nvPr/>
-        </p:nvCxnSpPr>
-        <p:spPr>
-          <a:xfrm>
-            <a:off x="4912871" y="5028277"/>
-            <a:ext cx="594533" cy="299936"/>
-          </a:xfrm>
-          <a:prstGeom prst="straightConnector1">
-            <a:avLst/>
-          </a:prstGeom>
-          <a:ln w="76200">
-            <a:solidFill>
-              <a:srgbClr val="FF0000"/>
-            </a:solidFill>
-            <a:tailEnd type="triangle"/>
-          </a:ln>
-        </p:spPr>
-        <p:style>
-          <a:lnRef idx="1">
-            <a:schemeClr val="accent1"/>
-          </a:lnRef>
-          <a:fillRef idx="0">
-            <a:schemeClr val="accent1"/>
-          </a:fillRef>
-          <a:effectRef idx="0">
-            <a:schemeClr val="accent1"/>
-          </a:effectRef>
-          <a:fontRef idx="minor">
-            <a:schemeClr val="tx1"/>
-          </a:fontRef>
-        </p:style>
-      </p:cxnSp>
       <p:sp>
         <p:nvSpPr>
           <p:cNvPr id="2" name="CuadroTexto 1"/>
@@ -7234,8 +5890,8 @@
         </p:nvSpPr>
         <p:spPr>
           <a:xfrm>
-            <a:off x="958362" y="1890346"/>
-            <a:ext cx="6853158" cy="2585323"/>
+            <a:off x="493470" y="1043731"/>
+            <a:ext cx="8157060" cy="4770537"/>
           </a:xfrm>
           <a:prstGeom prst="rect">
             <a:avLst/>
@@ -7243,93 +5899,125 @@
           <a:noFill/>
         </p:spPr>
         <p:txBody>
-          <a:bodyPr wrap="none" rtlCol="0">
+          <a:bodyPr wrap="square" rtlCol="0">
             <a:spAutoFit/>
           </a:bodyPr>
           <a:lstStyle/>
           <a:p>
+            <a:pPr marL="342900" indent="-342900" algn="just">
+              <a:buFont typeface="Arial" panose="020B0604020202020204" pitchFamily="34" charset="0"/>
+              <a:buChar char="•"/>
+            </a:pPr>
             <a:r>
-              <a:rPr lang="es-CO" dirty="0" smtClean="0"/>
-              <a:t>Después de analizar diferentes soluciones al problema, nosotros</a:t>
-            </a:r>
-          </a:p>
-          <a:p>
-            <a:r>
-              <a:rPr lang="es-CO" dirty="0" smtClean="0"/>
-              <a:t>concluimos que una solución basada en el grafo de </a:t>
+              <a:rPr lang="es-CO" sz="1900" dirty="0"/>
+              <a:t>El tiempo de ejecución para </a:t>
             </a:r>
             <a:r>
-              <a:rPr lang="es-CO" i="1" dirty="0" err="1" smtClean="0"/>
-              <a:t>Bruijn</a:t>
+              <a:rPr lang="es-CO" sz="1900" dirty="0" err="1"/>
+              <a:t>tsp</a:t>
             </a:r>
             <a:r>
-              <a:rPr lang="es-CO" dirty="0" smtClean="0"/>
-              <a:t> es una</a:t>
+              <a:rPr lang="es-CO" sz="1900" dirty="0"/>
+              <a:t> agente viajero es O(n^2)</a:t>
             </a:r>
           </a:p>
           <a:p>
+            <a:pPr marL="342900" indent="-342900" algn="just">
+              <a:buFont typeface="Arial" panose="020B0604020202020204" pitchFamily="34" charset="0"/>
+              <a:buChar char="•"/>
+            </a:pPr>
+            <a:endParaRPr lang="es-CO" sz="1900" dirty="0"/>
+          </a:p>
+          <a:p>
+            <a:pPr marL="342900" indent="-342900" algn="just">
+              <a:buFont typeface="Arial" panose="020B0604020202020204" pitchFamily="34" charset="0"/>
+              <a:buChar char="•"/>
+            </a:pPr>
             <a:r>
-              <a:rPr lang="es-CO" dirty="0"/>
-              <a:t>b</a:t>
+              <a:rPr lang="es-CO" sz="1900" dirty="0"/>
+              <a:t>Dividiendo en </a:t>
             </a:r>
             <a:r>
-              <a:rPr lang="es-CO" dirty="0" smtClean="0"/>
-              <a:t>uena solución al problema de reconstruir la secuencia de ADN</a:t>
-            </a:r>
-          </a:p>
-          <a:p>
-            <a:r>
-              <a:rPr lang="es-CO" dirty="0"/>
-              <a:t>m</a:t>
+              <a:rPr lang="es-CO" sz="1900" dirty="0" err="1"/>
+              <a:t>subgrafos</a:t>
             </a:r>
             <a:r>
-              <a:rPr lang="es-CO" dirty="0" smtClean="0"/>
-              <a:t>ientras se utilice de tal forma que no sea necesario darle como</a:t>
+              <a:rPr lang="es-CO" sz="1900" dirty="0"/>
+              <a:t> podíamos tener control tanto del tiempo del camión como de la estación de carga mas conveniente</a:t>
             </a:r>
           </a:p>
           <a:p>
+            <a:pPr marL="342900" indent="-342900" algn="just">
+              <a:buFont typeface="Arial" panose="020B0604020202020204" pitchFamily="34" charset="0"/>
+              <a:buChar char="•"/>
+            </a:pPr>
+            <a:endParaRPr lang="es-CO" sz="1900" dirty="0"/>
+          </a:p>
+          <a:p>
+            <a:pPr marL="342900" indent="-342900" algn="just">
+              <a:buFont typeface="Arial" panose="020B0604020202020204" pitchFamily="34" charset="0"/>
+              <a:buChar char="•"/>
+            </a:pPr>
             <a:r>
-              <a:rPr lang="es-CO" dirty="0"/>
-              <a:t>e</a:t>
+              <a:rPr lang="es-CO" sz="1900" dirty="0"/>
+              <a:t>El uso de </a:t>
             </a:r>
             <a:r>
-              <a:rPr lang="es-CO" dirty="0" smtClean="0"/>
-              <a:t>ntrada al algoritmo el número de k meros.</a:t>
-            </a:r>
-          </a:p>
-          <a:p>
-            <a:endParaRPr lang="es-CO" dirty="0"/>
-          </a:p>
-          <a:p>
-            <a:r>
-              <a:rPr lang="es-CO" dirty="0" smtClean="0"/>
-              <a:t>Para encontrar los genes dentro del ADN, utilizamos el algoritmo</a:t>
-            </a:r>
-          </a:p>
-          <a:p>
-            <a:r>
-              <a:rPr lang="es-CO" dirty="0" smtClean="0"/>
-              <a:t>de </a:t>
+              <a:rPr lang="es-CO" sz="1900" dirty="0" err="1"/>
+              <a:t>map</a:t>
             </a:r>
             <a:r>
-              <a:rPr lang="es-CO" i="1" dirty="0" err="1" smtClean="0"/>
-              <a:t>Boyer</a:t>
+              <a:rPr lang="es-CO" sz="1900" dirty="0"/>
+              <a:t> nos facilita el reconocimiento de cada región trabajando los procedimientos con O(1)</a:t>
             </a:r>
+          </a:p>
+          <a:p>
+            <a:pPr marL="342900" indent="-342900" algn="just">
+              <a:buFont typeface="Arial" panose="020B0604020202020204" pitchFamily="34" charset="0"/>
+              <a:buChar char="•"/>
+            </a:pPr>
+            <a:endParaRPr lang="es-CO" sz="1900" dirty="0"/>
+          </a:p>
+          <a:p>
+            <a:pPr marL="342900" indent="-342900" algn="just">
+              <a:buFont typeface="Arial" panose="020B0604020202020204" pitchFamily="34" charset="0"/>
+              <a:buChar char="•"/>
+            </a:pPr>
             <a:r>
-              <a:rPr lang="es-CO" i="1" dirty="0" smtClean="0"/>
-              <a:t>-Moore</a:t>
+              <a:rPr lang="es-CO" sz="1900" dirty="0"/>
+              <a:t>Al trabajar con vectores también nos posibilita el acceso en O(1) a cualquier posición</a:t>
             </a:r>
+          </a:p>
+          <a:p>
+            <a:pPr marL="342900" indent="-342900" algn="just">
+              <a:buFont typeface="Arial" panose="020B0604020202020204" pitchFamily="34" charset="0"/>
+              <a:buChar char="•"/>
+            </a:pPr>
+            <a:endParaRPr lang="es-CO" sz="1900" dirty="0"/>
+          </a:p>
+          <a:p>
+            <a:pPr marL="342900" indent="-342900" algn="just">
+              <a:buFont typeface="Arial" panose="020B0604020202020204" pitchFamily="34" charset="0"/>
+              <a:buChar char="•"/>
+            </a:pPr>
             <a:r>
-              <a:rPr lang="es-CO" dirty="0" smtClean="0"/>
-              <a:t> porque es un algoritmo eficiente para encontrar </a:t>
+              <a:rPr lang="es-CO" sz="1900" dirty="0"/>
+              <a:t>Uno de los principales criterios en el diseño es la posibilidad de satisfacer todas las condiciones sin sacrificar complejidad grande en el algoritmo.</a:t>
             </a:r>
           </a:p>
           <a:p>
-            <a:r>
-              <a:rPr lang="es-CO" dirty="0" smtClean="0"/>
-              <a:t>patrones cuando el alfabeto del lenguaje es pequeño.</a:t>
-            </a:r>
-            <a:endParaRPr lang="es-CO" dirty="0"/>
+            <a:pPr marL="342900" indent="-342900" algn="just">
+              <a:buFont typeface="Arial" panose="020B0604020202020204" pitchFamily="34" charset="0"/>
+              <a:buChar char="•"/>
+            </a:pPr>
+            <a:endParaRPr lang="es-CO" sz="1900" dirty="0"/>
+          </a:p>
+          <a:p>
+            <a:pPr marL="342900" indent="-342900" algn="just">
+              <a:buFont typeface="Arial" panose="020B0604020202020204" pitchFamily="34" charset="0"/>
+              <a:buChar char="•"/>
+            </a:pPr>
+            <a:endParaRPr lang="es-CO" sz="1900" dirty="0"/>
           </a:p>
         </p:txBody>
       </p:sp>
@@ -7426,7 +6114,7 @@
               </a:lnSpc>
             </a:pPr>
             <a:r>
-              <a:rPr lang="en-US" sz="2800" b="1" i="1" spc="-1" dirty="0" err="1">
+              <a:rPr lang="es-CO" sz="2800" b="1" i="1" spc="-1" dirty="0">
                 <a:solidFill>
                   <a:srgbClr val="333F4F"/>
                 </a:solidFill>
@@ -7438,363 +6126,11 @@
                 <a:latin typeface="+mj-lt"/>
                 <a:ea typeface="DejaVu Sans"/>
               </a:rPr>
-              <a:t>Consumo</a:t>
+              <a:t>Consumo de Tiempo y Memoria</a:t>
             </a:r>
-            <a:r>
-              <a:rPr lang="en-US" sz="2800" b="1" i="1" spc="-1" dirty="0">
-                <a:solidFill>
-                  <a:srgbClr val="333F4F"/>
-                </a:solidFill>
-                <a:uFill>
-                  <a:solidFill>
-                    <a:srgbClr val="FFFFFF"/>
-                  </a:solidFill>
-                </a:uFill>
-                <a:latin typeface="+mj-lt"/>
-                <a:ea typeface="DejaVu Sans"/>
-              </a:rPr>
-              <a:t> de </a:t>
-            </a:r>
-            <a:r>
-              <a:rPr lang="en-US" sz="2800" b="1" i="1" spc="-1" dirty="0" err="1" smtClean="0">
-                <a:solidFill>
-                  <a:srgbClr val="333F4F"/>
-                </a:solidFill>
-                <a:uFill>
-                  <a:solidFill>
-                    <a:srgbClr val="FFFFFF"/>
-                  </a:solidFill>
-                </a:uFill>
-                <a:latin typeface="+mj-lt"/>
-                <a:ea typeface="DejaVu Sans"/>
-              </a:rPr>
-              <a:t>Tiempo</a:t>
-            </a:r>
-            <a:r>
-              <a:rPr lang="en-US" sz="2800" b="1" i="1" spc="-1" dirty="0" smtClean="0">
-                <a:solidFill>
-                  <a:srgbClr val="333F4F"/>
-                </a:solidFill>
-                <a:uFill>
-                  <a:solidFill>
-                    <a:srgbClr val="FFFFFF"/>
-                  </a:solidFill>
-                </a:uFill>
-                <a:latin typeface="+mj-lt"/>
-                <a:ea typeface="DejaVu Sans"/>
-              </a:rPr>
-              <a:t> </a:t>
-            </a:r>
-            <a:r>
-              <a:rPr lang="en-US" sz="2800" b="1" i="1" spc="-1" dirty="0">
-                <a:solidFill>
-                  <a:srgbClr val="333F4F"/>
-                </a:solidFill>
-                <a:uFill>
-                  <a:solidFill>
-                    <a:srgbClr val="FFFFFF"/>
-                  </a:solidFill>
-                </a:uFill>
-                <a:latin typeface="+mj-lt"/>
-                <a:ea typeface="DejaVu Sans"/>
-              </a:rPr>
-              <a:t>y </a:t>
-            </a:r>
-            <a:r>
-              <a:rPr lang="en-US" sz="2800" b="1" i="1" spc="-1" dirty="0" err="1" smtClean="0">
-                <a:solidFill>
-                  <a:srgbClr val="333F4F"/>
-                </a:solidFill>
-                <a:uFill>
-                  <a:solidFill>
-                    <a:srgbClr val="FFFFFF"/>
-                  </a:solidFill>
-                </a:uFill>
-                <a:latin typeface="+mj-lt"/>
-                <a:ea typeface="DejaVu Sans"/>
-              </a:rPr>
-              <a:t>Memoria</a:t>
-            </a:r>
-            <a:endParaRPr lang="en-US" sz="2800" b="1" i="1" spc="-1" dirty="0">
-              <a:solidFill>
-                <a:srgbClr val="333F4F"/>
-              </a:solidFill>
-              <a:uFill>
-                <a:solidFill>
-                  <a:srgbClr val="FFFFFF"/>
-                </a:solidFill>
-              </a:uFill>
-              <a:latin typeface="+mj-lt"/>
-              <a:ea typeface="DejaVu Sans"/>
-            </a:endParaRPr>
           </a:p>
         </p:txBody>
       </p:sp>
-      <p:sp>
-        <p:nvSpPr>
-          <p:cNvPr id="4" name="Rectángulo 3"/>
-          <p:cNvSpPr/>
-          <p:nvPr/>
-        </p:nvSpPr>
-        <p:spPr>
-          <a:xfrm>
-            <a:off x="243360" y="380116"/>
-            <a:ext cx="6005040" cy="536422"/>
-          </a:xfrm>
-          <a:prstGeom prst="rect">
-            <a:avLst/>
-          </a:prstGeom>
-          <a:noFill/>
-          <a:ln w="76200">
-            <a:solidFill>
-              <a:srgbClr val="FF0000"/>
-            </a:solidFill>
-          </a:ln>
-        </p:spPr>
-        <p:style>
-          <a:lnRef idx="2">
-            <a:schemeClr val="accent1">
-              <a:shade val="50000"/>
-            </a:schemeClr>
-          </a:lnRef>
-          <a:fillRef idx="1">
-            <a:schemeClr val="accent1"/>
-          </a:fillRef>
-          <a:effectRef idx="0">
-            <a:schemeClr val="accent1"/>
-          </a:effectRef>
-          <a:fontRef idx="minor">
-            <a:schemeClr val="lt1"/>
-          </a:fontRef>
-        </p:style>
-        <p:txBody>
-          <a:bodyPr rtlCol="0" anchor="ctr"/>
-          <a:lstStyle/>
-          <a:p>
-            <a:pPr algn="ctr"/>
-            <a:endParaRPr lang="es-CO"/>
-          </a:p>
-        </p:txBody>
-      </p:sp>
-      <p:cxnSp>
-        <p:nvCxnSpPr>
-          <p:cNvPr id="5" name="Conector recto de flecha 4"/>
-          <p:cNvCxnSpPr/>
-          <p:nvPr/>
-        </p:nvCxnSpPr>
-        <p:spPr>
-          <a:xfrm>
-            <a:off x="6248400" y="603737"/>
-            <a:ext cx="637309" cy="5721"/>
-          </a:xfrm>
-          <a:prstGeom prst="straightConnector1">
-            <a:avLst/>
-          </a:prstGeom>
-          <a:ln w="76200">
-            <a:solidFill>
-              <a:srgbClr val="FF0000"/>
-            </a:solidFill>
-            <a:tailEnd type="triangle"/>
-          </a:ln>
-        </p:spPr>
-        <p:style>
-          <a:lnRef idx="1">
-            <a:schemeClr val="accent1"/>
-          </a:lnRef>
-          <a:fillRef idx="0">
-            <a:schemeClr val="accent1"/>
-          </a:fillRef>
-          <a:effectRef idx="0">
-            <a:schemeClr val="accent1"/>
-          </a:effectRef>
-          <a:fontRef idx="minor">
-            <a:schemeClr val="tx1"/>
-          </a:fontRef>
-        </p:style>
-      </p:cxnSp>
-      <p:sp>
-        <p:nvSpPr>
-          <p:cNvPr id="6" name="CuadroTexto 5"/>
-          <p:cNvSpPr txBox="1"/>
-          <p:nvPr/>
-        </p:nvSpPr>
-        <p:spPr>
-          <a:xfrm>
-            <a:off x="6678820" y="449848"/>
-            <a:ext cx="2465180" cy="307777"/>
-          </a:xfrm>
-          <a:prstGeom prst="rect">
-            <a:avLst/>
-          </a:prstGeom>
-          <a:noFill/>
-        </p:spPr>
-        <p:txBody>
-          <a:bodyPr wrap="square" rtlCol="0">
-            <a:spAutoFit/>
-          </a:bodyPr>
-          <a:lstStyle/>
-          <a:p>
-            <a:pPr algn="ctr"/>
-            <a:r>
-              <a:rPr lang="es-CO" sz="1400" i="1" dirty="0" smtClean="0">
-                <a:solidFill>
-                  <a:srgbClr val="FF0000"/>
-                </a:solidFill>
-              </a:rPr>
-              <a:t>Conserven este título</a:t>
-            </a:r>
-            <a:endParaRPr lang="es-CO" sz="1400" i="1" dirty="0">
-              <a:solidFill>
-                <a:srgbClr val="FF0000"/>
-              </a:solidFill>
-            </a:endParaRPr>
-          </a:p>
-        </p:txBody>
-      </p:sp>
-      <p:sp>
-        <p:nvSpPr>
-          <p:cNvPr id="8" name="CuadroTexto 7"/>
-          <p:cNvSpPr txBox="1"/>
-          <p:nvPr/>
-        </p:nvSpPr>
-        <p:spPr>
-          <a:xfrm>
-            <a:off x="2223452" y="5417568"/>
-            <a:ext cx="5790962" cy="307777"/>
-          </a:xfrm>
-          <a:prstGeom prst="rect">
-            <a:avLst/>
-          </a:prstGeom>
-          <a:noFill/>
-        </p:spPr>
-        <p:txBody>
-          <a:bodyPr wrap="square" rtlCol="0">
-            <a:spAutoFit/>
-          </a:bodyPr>
-          <a:lstStyle/>
-          <a:p>
-            <a:pPr algn="ctr"/>
-            <a:r>
-              <a:rPr lang="es-CO" sz="1400" i="1" dirty="0" smtClean="0">
-                <a:solidFill>
-                  <a:srgbClr val="FF0000"/>
-                </a:solidFill>
-              </a:rPr>
-              <a:t>Inserten sus propias gráficas y sus explicaciones</a:t>
-            </a:r>
-            <a:endParaRPr lang="es-CO" sz="1400" i="1" dirty="0">
-              <a:solidFill>
-                <a:srgbClr val="FF0000"/>
-              </a:solidFill>
-            </a:endParaRPr>
-          </a:p>
-        </p:txBody>
-      </p:sp>
-      <p:cxnSp>
-        <p:nvCxnSpPr>
-          <p:cNvPr id="9" name="Conector recto de flecha 8"/>
-          <p:cNvCxnSpPr/>
-          <p:nvPr/>
-        </p:nvCxnSpPr>
-        <p:spPr>
-          <a:xfrm>
-            <a:off x="2286978" y="5305797"/>
-            <a:ext cx="594533" cy="299936"/>
-          </a:xfrm>
-          <a:prstGeom prst="straightConnector1">
-            <a:avLst/>
-          </a:prstGeom>
-          <a:ln w="76200">
-            <a:solidFill>
-              <a:srgbClr val="FF0000"/>
-            </a:solidFill>
-            <a:tailEnd type="triangle"/>
-          </a:ln>
-        </p:spPr>
-        <p:style>
-          <a:lnRef idx="1">
-            <a:schemeClr val="accent1"/>
-          </a:lnRef>
-          <a:fillRef idx="0">
-            <a:schemeClr val="accent1"/>
-          </a:fillRef>
-          <a:effectRef idx="0">
-            <a:schemeClr val="accent1"/>
-          </a:effectRef>
-          <a:fontRef idx="minor">
-            <a:schemeClr val="tx1"/>
-          </a:fontRef>
-        </p:style>
-      </p:cxnSp>
-      <p:sp>
-        <p:nvSpPr>
-          <p:cNvPr id="10" name="Rectángulo 9"/>
-          <p:cNvSpPr/>
-          <p:nvPr/>
-        </p:nvSpPr>
-        <p:spPr>
-          <a:xfrm>
-            <a:off x="243360" y="1262492"/>
-            <a:ext cx="8291040" cy="4055863"/>
-          </a:xfrm>
-          <a:prstGeom prst="rect">
-            <a:avLst/>
-          </a:prstGeom>
-          <a:noFill/>
-          <a:ln w="76200">
-            <a:solidFill>
-              <a:srgbClr val="FF0000"/>
-            </a:solidFill>
-          </a:ln>
-        </p:spPr>
-        <p:style>
-          <a:lnRef idx="2">
-            <a:schemeClr val="accent1">
-              <a:shade val="50000"/>
-            </a:schemeClr>
-          </a:lnRef>
-          <a:fillRef idx="1">
-            <a:schemeClr val="accent1"/>
-          </a:fillRef>
-          <a:effectRef idx="0">
-            <a:schemeClr val="accent1"/>
-          </a:effectRef>
-          <a:fontRef idx="minor">
-            <a:schemeClr val="lt1"/>
-          </a:fontRef>
-        </p:style>
-        <p:txBody>
-          <a:bodyPr rtlCol="0" anchor="ctr"/>
-          <a:lstStyle/>
-          <a:p>
-            <a:pPr algn="ctr"/>
-            <a:endParaRPr lang="es-CO"/>
-          </a:p>
-        </p:txBody>
-      </p:sp>
-      <p:pic>
-        <p:nvPicPr>
-          <p:cNvPr id="2" name="Imagen 1"/>
-          <p:cNvPicPr>
-            <a:picLocks noChangeAspect="1"/>
-          </p:cNvPicPr>
-          <p:nvPr/>
-        </p:nvPicPr>
-        <p:blipFill rotWithShape="1">
-          <a:blip r:embed="rId2"/>
-          <a:srcRect l="28704" t="42898" r="24018" b="30776"/>
-          <a:stretch/>
-        </p:blipFill>
-        <p:spPr>
-          <a:xfrm>
-            <a:off x="604560" y="1606839"/>
-            <a:ext cx="7524240" cy="2355562"/>
-          </a:xfrm>
-          <a:prstGeom prst="rect">
-            <a:avLst/>
-          </a:prstGeom>
-        </p:spPr>
-      </p:pic>
       <p:sp>
         <p:nvSpPr>
           <p:cNvPr id="11" name="CustomShape 2"/>
@@ -7803,7 +6139,7 @@
         </p:nvSpPr>
         <p:spPr>
           <a:xfrm>
-            <a:off x="789709" y="4319504"/>
+            <a:off x="573727" y="5059751"/>
             <a:ext cx="7224705" cy="489240"/>
           </a:xfrm>
           <a:prstGeom prst="rect">
@@ -7830,13 +6166,13 @@
           <a:bodyPr lIns="90000" tIns="45000" rIns="90000" bIns="45000"/>
           <a:lstStyle/>
           <a:p>
-            <a:pPr algn="ctr">
+            <a:pPr algn="just">
               <a:lnSpc>
                 <a:spcPct val="100000"/>
               </a:lnSpc>
             </a:pPr>
             <a:r>
-              <a:rPr lang="en-US" sz="1400" b="1" strike="noStrike" spc="-1" dirty="0" err="1">
+              <a:rPr lang="es-CO" sz="1600" b="0" strike="noStrike" spc="-1" dirty="0">
                 <a:solidFill>
                   <a:srgbClr val="000000"/>
                 </a:solidFill>
@@ -7845,74 +6181,1360 @@
                     <a:srgbClr val="FFFFFF"/>
                   </a:solidFill>
                 </a:uFill>
-                <a:latin typeface="Arial"/>
-                <a:ea typeface="Noto Sans CJK SC Regular"/>
               </a:rPr>
-              <a:t>Gráfico</a:t>
+              <a:t>En las graficas anteriores se observan muy buenos tiempos de ejecución así como un uso eficiente de espacio y de memoria.</a:t>
             </a:r>
-            <a:r>
-              <a:rPr lang="en-US" sz="1400" b="1" strike="noStrike" spc="-1" dirty="0">
-                <a:solidFill>
-                  <a:srgbClr val="000000"/>
-                </a:solidFill>
-                <a:uFill>
-                  <a:solidFill>
-                    <a:srgbClr val="FFFFFF"/>
-                  </a:solidFill>
-                </a:uFill>
-                <a:latin typeface="Arial"/>
-                <a:ea typeface="Noto Sans CJK SC Regular"/>
-              </a:rPr>
-              <a:t> </a:t>
-            </a:r>
-            <a:r>
-              <a:rPr lang="en-US" sz="1400" b="1" strike="noStrike" spc="-1" dirty="0" smtClean="0">
-                <a:solidFill>
-                  <a:srgbClr val="000000"/>
-                </a:solidFill>
-                <a:uFill>
-                  <a:solidFill>
-                    <a:srgbClr val="FFFFFF"/>
-                  </a:solidFill>
-                </a:uFill>
-                <a:latin typeface="Arial"/>
-                <a:ea typeface="Noto Sans CJK SC Regular"/>
-              </a:rPr>
-              <a:t>3:</a:t>
-            </a:r>
-            <a:r>
-              <a:rPr lang="en-US" sz="1400" b="0" strike="noStrike" spc="-1" dirty="0" smtClean="0">
-                <a:solidFill>
-                  <a:srgbClr val="000000"/>
-                </a:solidFill>
-                <a:uFill>
-                  <a:solidFill>
-                    <a:srgbClr val="FFFFFF"/>
-                  </a:solidFill>
-                </a:uFill>
-                <a:latin typeface="Arial"/>
-                <a:ea typeface="Noto Sans CJK SC Regular"/>
-              </a:rPr>
-              <a:t> </a:t>
-            </a:r>
-            <a:r>
-              <a:rPr lang="es-ES" sz="1400" dirty="0"/>
-              <a:t>consumo de memoria de un algoritmo de reconstrucción de ADN con el ADN mitocondrial 3 especies de vertebrados </a:t>
-            </a:r>
-            <a:endParaRPr lang="en-US" sz="1400" b="0" strike="noStrike" spc="-1" dirty="0">
-              <a:solidFill>
-                <a:srgbClr val="000000"/>
-              </a:solidFill>
-              <a:uFill>
-                <a:solidFill>
-                  <a:srgbClr val="FFFFFF"/>
-                </a:solidFill>
-              </a:uFill>
-              <a:latin typeface="Arial"/>
-            </a:endParaRPr>
           </a:p>
         </p:txBody>
       </p:sp>
+      <p:graphicFrame>
+        <p:nvGraphicFramePr>
+          <p:cNvPr id="3" name="Tabla 2">
+            <a:extLst>
+              <a:ext uri="{FF2B5EF4-FFF2-40B4-BE49-F238E27FC236}">
+                <a16:creationId xmlns:a16="http://schemas.microsoft.com/office/drawing/2014/main" id="{95127BD5-14D2-4E58-8B2E-A5111B79C4CC}"/>
+              </a:ext>
+            </a:extLst>
+          </p:cNvPr>
+          <p:cNvGraphicFramePr>
+            <a:graphicFrameLocks noGrp="1"/>
+          </p:cNvGraphicFramePr>
+          <p:nvPr>
+            <p:extLst>
+              <p:ext uri="{D42A27DB-BD31-4B8C-83A1-F6EECF244321}">
+                <p14:modId xmlns:p14="http://schemas.microsoft.com/office/powerpoint/2010/main" val="700477652"/>
+              </p:ext>
+            </p:extLst>
+          </p:nvPr>
+        </p:nvGraphicFramePr>
+        <p:xfrm>
+          <a:off x="2805092" y="3637685"/>
+          <a:ext cx="3533815" cy="893940"/>
+        </p:xfrm>
+        <a:graphic>
+          <a:graphicData uri="http://schemas.openxmlformats.org/drawingml/2006/table">
+            <a:tbl>
+              <a:tblPr>
+                <a:tableStyleId>{08FB837D-C827-4EFA-A057-4D05807E0F7C}</a:tableStyleId>
+              </a:tblPr>
+              <a:tblGrid>
+                <a:gridCol w="916397">
+                  <a:extLst>
+                    <a:ext uri="{9D8B030D-6E8A-4147-A177-3AD203B41FA5}">
+                      <a16:colId xmlns:a16="http://schemas.microsoft.com/office/drawing/2014/main" val="2514939366"/>
+                    </a:ext>
+                  </a:extLst>
+                </a:gridCol>
+                <a:gridCol w="582615">
+                  <a:extLst>
+                    <a:ext uri="{9D8B030D-6E8A-4147-A177-3AD203B41FA5}">
+                      <a16:colId xmlns:a16="http://schemas.microsoft.com/office/drawing/2014/main" val="856665545"/>
+                    </a:ext>
+                  </a:extLst>
+                </a:gridCol>
+                <a:gridCol w="749171">
+                  <a:extLst>
+                    <a:ext uri="{9D8B030D-6E8A-4147-A177-3AD203B41FA5}">
+                      <a16:colId xmlns:a16="http://schemas.microsoft.com/office/drawing/2014/main" val="1768783015"/>
+                    </a:ext>
+                  </a:extLst>
+                </a:gridCol>
+                <a:gridCol w="642816">
+                  <a:extLst>
+                    <a:ext uri="{9D8B030D-6E8A-4147-A177-3AD203B41FA5}">
+                      <a16:colId xmlns:a16="http://schemas.microsoft.com/office/drawing/2014/main" val="4233690930"/>
+                    </a:ext>
+                  </a:extLst>
+                </a:gridCol>
+                <a:gridCol w="642816">
+                  <a:extLst>
+                    <a:ext uri="{9D8B030D-6E8A-4147-A177-3AD203B41FA5}">
+                      <a16:colId xmlns:a16="http://schemas.microsoft.com/office/drawing/2014/main" val="440086531"/>
+                    </a:ext>
+                  </a:extLst>
+                </a:gridCol>
+              </a:tblGrid>
+              <a:tr h="406336">
+                <a:tc>
+                  <a:txBody>
+                    <a:bodyPr/>
+                    <a:lstStyle/>
+                    <a:p>
+                      <a:pPr algn="ctr">
+                        <a:spcAft>
+                          <a:spcPts val="600"/>
+                        </a:spcAft>
+                      </a:pPr>
+                      <a:r>
+                        <a:rPr lang="es-ES_tradnl" sz="1000" dirty="0">
+                          <a:effectLst/>
+                        </a:rPr>
+                        <a:t> </a:t>
+                      </a:r>
+                      <a:endParaRPr lang="es-CO" sz="1000" dirty="0">
+                        <a:effectLst/>
+                      </a:endParaRPr>
+                    </a:p>
+                    <a:p>
+                      <a:pPr algn="ctr">
+                        <a:spcAft>
+                          <a:spcPts val="600"/>
+                        </a:spcAft>
+                      </a:pPr>
+                      <a:r>
+                        <a:rPr lang="es-ES_tradnl" sz="1000" dirty="0">
+                          <a:effectLst/>
+                        </a:rPr>
+                        <a:t> </a:t>
+                      </a:r>
+                      <a:endParaRPr lang="es-CO" sz="1000" dirty="0">
+                        <a:effectLst/>
+                        <a:latin typeface="Times New Roman" panose="02020603050405020304" pitchFamily="18" charset="0"/>
+                        <a:ea typeface="Times New Roman" panose="02020603050405020304" pitchFamily="18" charset="0"/>
+                      </a:endParaRPr>
+                    </a:p>
+                  </a:txBody>
+                  <a:tcPr marL="68580" marR="68580" marT="0" marB="0" anchor="ctr"/>
+                </a:tc>
+                <a:tc>
+                  <a:txBody>
+                    <a:bodyPr/>
+                    <a:lstStyle/>
+                    <a:p>
+                      <a:pPr algn="ctr">
+                        <a:spcAft>
+                          <a:spcPts val="600"/>
+                        </a:spcAft>
+                      </a:pPr>
+                      <a:r>
+                        <a:rPr lang="es-ES_tradnl" sz="1000" dirty="0">
+                          <a:effectLst/>
+                        </a:rPr>
+                        <a:t>24f0.txt</a:t>
+                      </a:r>
+                      <a:endParaRPr lang="es-CO" sz="1000" dirty="0">
+                        <a:effectLst/>
+                        <a:latin typeface="Times New Roman" panose="02020603050405020304" pitchFamily="18" charset="0"/>
+                        <a:ea typeface="Times New Roman" panose="02020603050405020304" pitchFamily="18" charset="0"/>
+                      </a:endParaRPr>
+                    </a:p>
+                  </a:txBody>
+                  <a:tcPr marL="68580" marR="68580" marT="0" marB="0" anchor="ctr"/>
+                </a:tc>
+                <a:tc>
+                  <a:txBody>
+                    <a:bodyPr/>
+                    <a:lstStyle/>
+                    <a:p>
+                      <a:pPr algn="ctr">
+                        <a:spcAft>
+                          <a:spcPts val="600"/>
+                        </a:spcAft>
+                      </a:pPr>
+                      <a:r>
+                        <a:rPr lang="es-ES_tradnl" sz="1000" dirty="0">
+                          <a:effectLst/>
+                        </a:rPr>
+                        <a:t>24t0.txt</a:t>
+                      </a:r>
+                      <a:endParaRPr lang="es-CO" sz="1000" dirty="0">
+                        <a:effectLst/>
+                        <a:latin typeface="Times New Roman" panose="02020603050405020304" pitchFamily="18" charset="0"/>
+                        <a:ea typeface="Times New Roman" panose="02020603050405020304" pitchFamily="18" charset="0"/>
+                      </a:endParaRPr>
+                    </a:p>
+                  </a:txBody>
+                  <a:tcPr marL="68580" marR="68580" marT="0" marB="0" anchor="ctr"/>
+                </a:tc>
+                <a:tc>
+                  <a:txBody>
+                    <a:bodyPr/>
+                    <a:lstStyle/>
+                    <a:p>
+                      <a:pPr algn="ctr">
+                        <a:spcAft>
+                          <a:spcPts val="600"/>
+                        </a:spcAft>
+                      </a:pPr>
+                      <a:r>
+                        <a:rPr lang="es-ES_tradnl" sz="1000" dirty="0">
+                          <a:effectLst/>
+                        </a:rPr>
+                        <a:t>38f0.txt</a:t>
+                      </a:r>
+                      <a:endParaRPr lang="es-CO" sz="1000" dirty="0">
+                        <a:effectLst/>
+                        <a:latin typeface="Times New Roman" panose="02020603050405020304" pitchFamily="18" charset="0"/>
+                        <a:ea typeface="Times New Roman" panose="02020603050405020304" pitchFamily="18" charset="0"/>
+                      </a:endParaRPr>
+                    </a:p>
+                  </a:txBody>
+                  <a:tcPr marL="68580" marR="68580" marT="0" marB="0" anchor="ctr"/>
+                </a:tc>
+                <a:tc>
+                  <a:txBody>
+                    <a:bodyPr/>
+                    <a:lstStyle/>
+                    <a:p>
+                      <a:pPr algn="ctr">
+                        <a:spcAft>
+                          <a:spcPts val="600"/>
+                        </a:spcAft>
+                      </a:pPr>
+                      <a:r>
+                        <a:rPr lang="es-ES_tradnl" sz="1000" dirty="0">
+                          <a:effectLst/>
+                        </a:rPr>
+                        <a:t>38t0.txt</a:t>
+                      </a:r>
+                      <a:endParaRPr lang="es-CO" sz="1000" dirty="0">
+                        <a:effectLst/>
+                        <a:latin typeface="Times New Roman" panose="02020603050405020304" pitchFamily="18" charset="0"/>
+                        <a:ea typeface="Times New Roman" panose="02020603050405020304" pitchFamily="18" charset="0"/>
+                      </a:endParaRPr>
+                    </a:p>
+                  </a:txBody>
+                  <a:tcPr marL="68580" marR="68580" marT="0" marB="0" anchor="ctr"/>
+                </a:tc>
+                <a:extLst>
+                  <a:ext uri="{0D108BD9-81ED-4DB2-BD59-A6C34878D82A}">
+                    <a16:rowId xmlns:a16="http://schemas.microsoft.com/office/drawing/2014/main" val="394545837"/>
+                  </a:ext>
+                </a:extLst>
+              </a:tr>
+              <a:tr h="487604">
+                <a:tc>
+                  <a:txBody>
+                    <a:bodyPr/>
+                    <a:lstStyle/>
+                    <a:p>
+                      <a:pPr algn="ctr">
+                        <a:spcAft>
+                          <a:spcPts val="600"/>
+                        </a:spcAft>
+                      </a:pPr>
+                      <a:r>
+                        <a:rPr lang="es-ES_tradnl" sz="1000">
+                          <a:effectLst/>
+                        </a:rPr>
+                        <a:t>Consumo de memoria</a:t>
+                      </a:r>
+                      <a:endParaRPr lang="es-CO" sz="1000">
+                        <a:effectLst/>
+                        <a:latin typeface="Times New Roman" panose="02020603050405020304" pitchFamily="18" charset="0"/>
+                        <a:ea typeface="Times New Roman" panose="02020603050405020304" pitchFamily="18" charset="0"/>
+                      </a:endParaRPr>
+                    </a:p>
+                  </a:txBody>
+                  <a:tcPr marL="68580" marR="68580" marT="0" marB="0" anchor="ctr"/>
+                </a:tc>
+                <a:tc>
+                  <a:txBody>
+                    <a:bodyPr/>
+                    <a:lstStyle/>
+                    <a:p>
+                      <a:pPr algn="ctr">
+                        <a:spcAft>
+                          <a:spcPts val="600"/>
+                        </a:spcAft>
+                      </a:pPr>
+                      <a:r>
+                        <a:rPr lang="es-ES_tradnl" sz="1000" dirty="0">
+                          <a:effectLst/>
+                        </a:rPr>
+                        <a:t>2 MB</a:t>
+                      </a:r>
+                      <a:endParaRPr lang="es-CO" sz="1000" dirty="0">
+                        <a:effectLst/>
+                        <a:latin typeface="Times New Roman" panose="02020603050405020304" pitchFamily="18" charset="0"/>
+                        <a:ea typeface="Times New Roman" panose="02020603050405020304" pitchFamily="18" charset="0"/>
+                      </a:endParaRPr>
+                    </a:p>
+                  </a:txBody>
+                  <a:tcPr marL="68580" marR="68580" marT="0" marB="0" anchor="ctr"/>
+                </a:tc>
+                <a:tc>
+                  <a:txBody>
+                    <a:bodyPr/>
+                    <a:lstStyle/>
+                    <a:p>
+                      <a:pPr algn="ctr">
+                        <a:spcAft>
+                          <a:spcPts val="600"/>
+                        </a:spcAft>
+                      </a:pPr>
+                      <a:r>
+                        <a:rPr lang="es-ES_tradnl" sz="1000" dirty="0">
+                          <a:effectLst/>
+                        </a:rPr>
+                        <a:t>3 MB</a:t>
+                      </a:r>
+                      <a:endParaRPr lang="es-CO" sz="1000" dirty="0">
+                        <a:effectLst/>
+                        <a:latin typeface="Times New Roman" panose="02020603050405020304" pitchFamily="18" charset="0"/>
+                        <a:ea typeface="Times New Roman" panose="02020603050405020304" pitchFamily="18" charset="0"/>
+                      </a:endParaRPr>
+                    </a:p>
+                  </a:txBody>
+                  <a:tcPr marL="68580" marR="68580" marT="0" marB="0" anchor="ctr"/>
+                </a:tc>
+                <a:tc>
+                  <a:txBody>
+                    <a:bodyPr/>
+                    <a:lstStyle/>
+                    <a:p>
+                      <a:pPr algn="ctr">
+                        <a:spcAft>
+                          <a:spcPts val="600"/>
+                        </a:spcAft>
+                      </a:pPr>
+                      <a:r>
+                        <a:rPr lang="es-ES_tradnl" sz="1000" dirty="0">
+                          <a:effectLst/>
+                        </a:rPr>
+                        <a:t>3 MB</a:t>
+                      </a:r>
+                      <a:endParaRPr lang="es-CO" sz="1000" dirty="0">
+                        <a:effectLst/>
+                        <a:latin typeface="Times New Roman" panose="02020603050405020304" pitchFamily="18" charset="0"/>
+                        <a:ea typeface="Times New Roman" panose="02020603050405020304" pitchFamily="18" charset="0"/>
+                      </a:endParaRPr>
+                    </a:p>
+                  </a:txBody>
+                  <a:tcPr marL="68580" marR="68580" marT="0" marB="0" anchor="ctr"/>
+                </a:tc>
+                <a:tc>
+                  <a:txBody>
+                    <a:bodyPr/>
+                    <a:lstStyle/>
+                    <a:p>
+                      <a:pPr algn="ctr">
+                        <a:spcAft>
+                          <a:spcPts val="600"/>
+                        </a:spcAft>
+                      </a:pPr>
+                      <a:r>
+                        <a:rPr lang="es-ES_tradnl" sz="1000" dirty="0">
+                          <a:effectLst/>
+                        </a:rPr>
+                        <a:t>3 Mb</a:t>
+                      </a:r>
+                      <a:endParaRPr lang="es-CO" sz="1000" dirty="0">
+                        <a:effectLst/>
+                        <a:latin typeface="Times New Roman" panose="02020603050405020304" pitchFamily="18" charset="0"/>
+                        <a:ea typeface="Times New Roman" panose="02020603050405020304" pitchFamily="18" charset="0"/>
+                      </a:endParaRPr>
+                    </a:p>
+                  </a:txBody>
+                  <a:tcPr marL="68580" marR="68580" marT="0" marB="0" anchor="ctr"/>
+                </a:tc>
+                <a:extLst>
+                  <a:ext uri="{0D108BD9-81ED-4DB2-BD59-A6C34878D82A}">
+                    <a16:rowId xmlns:a16="http://schemas.microsoft.com/office/drawing/2014/main" val="534651494"/>
+                  </a:ext>
+                </a:extLst>
+              </a:tr>
+            </a:tbl>
+          </a:graphicData>
+        </a:graphic>
+      </p:graphicFrame>
+      <p:graphicFrame>
+        <p:nvGraphicFramePr>
+          <p:cNvPr id="7" name="Tabla 6">
+            <a:extLst>
+              <a:ext uri="{FF2B5EF4-FFF2-40B4-BE49-F238E27FC236}">
+                <a16:creationId xmlns:a16="http://schemas.microsoft.com/office/drawing/2014/main" id="{427278AC-BBBC-4CAF-8016-F4FC1BC2D4FB}"/>
+              </a:ext>
+            </a:extLst>
+          </p:cNvPr>
+          <p:cNvGraphicFramePr>
+            <a:graphicFrameLocks noGrp="1"/>
+          </p:cNvGraphicFramePr>
+          <p:nvPr>
+            <p:extLst>
+              <p:ext uri="{D42A27DB-BD31-4B8C-83A1-F6EECF244321}">
+                <p14:modId xmlns:p14="http://schemas.microsoft.com/office/powerpoint/2010/main" val="3915357840"/>
+              </p:ext>
+            </p:extLst>
+          </p:nvPr>
+        </p:nvGraphicFramePr>
+        <p:xfrm>
+          <a:off x="4235946" y="1294093"/>
+          <a:ext cx="3892854" cy="1552527"/>
+        </p:xfrm>
+        <a:graphic>
+          <a:graphicData uri="http://schemas.openxmlformats.org/drawingml/2006/table">
+            <a:tbl>
+              <a:tblPr>
+                <a:tableStyleId>{E269D01E-BC32-4049-B463-5C60D7B0CCD2}</a:tableStyleId>
+              </a:tblPr>
+              <a:tblGrid>
+                <a:gridCol w="852095">
+                  <a:extLst>
+                    <a:ext uri="{9D8B030D-6E8A-4147-A177-3AD203B41FA5}">
+                      <a16:colId xmlns:a16="http://schemas.microsoft.com/office/drawing/2014/main" val="337085791"/>
+                    </a:ext>
+                  </a:extLst>
+                </a:gridCol>
+                <a:gridCol w="728743">
+                  <a:extLst>
+                    <a:ext uri="{9D8B030D-6E8A-4147-A177-3AD203B41FA5}">
+                      <a16:colId xmlns:a16="http://schemas.microsoft.com/office/drawing/2014/main" val="2125820410"/>
+                    </a:ext>
+                  </a:extLst>
+                </a:gridCol>
+                <a:gridCol w="727932">
+                  <a:extLst>
+                    <a:ext uri="{9D8B030D-6E8A-4147-A177-3AD203B41FA5}">
+                      <a16:colId xmlns:a16="http://schemas.microsoft.com/office/drawing/2014/main" val="1341974427"/>
+                    </a:ext>
+                  </a:extLst>
+                </a:gridCol>
+                <a:gridCol w="728743">
+                  <a:extLst>
+                    <a:ext uri="{9D8B030D-6E8A-4147-A177-3AD203B41FA5}">
+                      <a16:colId xmlns:a16="http://schemas.microsoft.com/office/drawing/2014/main" val="867739873"/>
+                    </a:ext>
+                  </a:extLst>
+                </a:gridCol>
+                <a:gridCol w="855341">
+                  <a:extLst>
+                    <a:ext uri="{9D8B030D-6E8A-4147-A177-3AD203B41FA5}">
+                      <a16:colId xmlns:a16="http://schemas.microsoft.com/office/drawing/2014/main" val="2131834916"/>
+                    </a:ext>
+                  </a:extLst>
+                </a:gridCol>
+              </a:tblGrid>
+              <a:tr h="345006">
+                <a:tc>
+                  <a:txBody>
+                    <a:bodyPr/>
+                    <a:lstStyle/>
+                    <a:p>
+                      <a:pPr algn="ctr">
+                        <a:spcAft>
+                          <a:spcPts val="600"/>
+                        </a:spcAft>
+                      </a:pPr>
+                      <a:r>
+                        <a:rPr lang="es-ES_tradnl" sz="1000" dirty="0">
+                          <a:effectLst/>
+                        </a:rPr>
+                        <a:t> </a:t>
+                      </a:r>
+                      <a:endParaRPr lang="es-CO" sz="1000" dirty="0">
+                        <a:effectLst/>
+                        <a:latin typeface="Times New Roman" panose="02020603050405020304" pitchFamily="18" charset="0"/>
+                        <a:ea typeface="Times New Roman" panose="02020603050405020304" pitchFamily="18" charset="0"/>
+                      </a:endParaRPr>
+                    </a:p>
+                  </a:txBody>
+                  <a:tcPr marL="68580" marR="68580" marT="0" marB="0" anchor="ctr"/>
+                </a:tc>
+                <a:tc>
+                  <a:txBody>
+                    <a:bodyPr/>
+                    <a:lstStyle/>
+                    <a:p>
+                      <a:pPr algn="ctr">
+                        <a:spcAft>
+                          <a:spcPts val="600"/>
+                        </a:spcAft>
+                      </a:pPr>
+                      <a:r>
+                        <a:rPr lang="es-ES_tradnl" sz="1000" dirty="0">
+                          <a:effectLst/>
+                        </a:rPr>
+                        <a:t>24f0.txt</a:t>
+                      </a:r>
+                      <a:endParaRPr lang="es-CO" sz="1000" dirty="0">
+                        <a:effectLst/>
+                        <a:latin typeface="Times New Roman" panose="02020603050405020304" pitchFamily="18" charset="0"/>
+                        <a:ea typeface="Times New Roman" panose="02020603050405020304" pitchFamily="18" charset="0"/>
+                      </a:endParaRPr>
+                    </a:p>
+                  </a:txBody>
+                  <a:tcPr marL="68580" marR="68580" marT="0" marB="0" anchor="ctr"/>
+                </a:tc>
+                <a:tc>
+                  <a:txBody>
+                    <a:bodyPr/>
+                    <a:lstStyle/>
+                    <a:p>
+                      <a:pPr algn="ctr">
+                        <a:spcAft>
+                          <a:spcPts val="600"/>
+                        </a:spcAft>
+                      </a:pPr>
+                      <a:r>
+                        <a:rPr lang="es-ES_tradnl" sz="1000">
+                          <a:effectLst/>
+                        </a:rPr>
+                        <a:t>24t0.txt</a:t>
+                      </a:r>
+                      <a:endParaRPr lang="es-CO" sz="1000">
+                        <a:effectLst/>
+                        <a:latin typeface="Times New Roman" panose="02020603050405020304" pitchFamily="18" charset="0"/>
+                        <a:ea typeface="Times New Roman" panose="02020603050405020304" pitchFamily="18" charset="0"/>
+                      </a:endParaRPr>
+                    </a:p>
+                  </a:txBody>
+                  <a:tcPr marL="68580" marR="68580" marT="0" marB="0" anchor="ctr"/>
+                </a:tc>
+                <a:tc>
+                  <a:txBody>
+                    <a:bodyPr/>
+                    <a:lstStyle/>
+                    <a:p>
+                      <a:pPr algn="ctr">
+                        <a:spcAft>
+                          <a:spcPts val="600"/>
+                        </a:spcAft>
+                      </a:pPr>
+                      <a:r>
+                        <a:rPr lang="es-ES_tradnl" sz="1000">
+                          <a:effectLst/>
+                        </a:rPr>
+                        <a:t>38f0.txt</a:t>
+                      </a:r>
+                      <a:endParaRPr lang="es-CO" sz="1000">
+                        <a:effectLst/>
+                        <a:latin typeface="Times New Roman" panose="02020603050405020304" pitchFamily="18" charset="0"/>
+                        <a:ea typeface="Times New Roman" panose="02020603050405020304" pitchFamily="18" charset="0"/>
+                      </a:endParaRPr>
+                    </a:p>
+                  </a:txBody>
+                  <a:tcPr marL="68580" marR="68580" marT="0" marB="0" anchor="ctr"/>
+                </a:tc>
+                <a:tc>
+                  <a:txBody>
+                    <a:bodyPr/>
+                    <a:lstStyle/>
+                    <a:p>
+                      <a:pPr algn="ctr">
+                        <a:spcAft>
+                          <a:spcPts val="600"/>
+                        </a:spcAft>
+                      </a:pPr>
+                      <a:r>
+                        <a:rPr lang="es-ES_tradnl" sz="1000">
+                          <a:effectLst/>
+                        </a:rPr>
+                        <a:t>38t0.txt</a:t>
+                      </a:r>
+                      <a:endParaRPr lang="es-CO" sz="1000">
+                        <a:effectLst/>
+                        <a:latin typeface="Times New Roman" panose="02020603050405020304" pitchFamily="18" charset="0"/>
+                        <a:ea typeface="Times New Roman" panose="02020603050405020304" pitchFamily="18" charset="0"/>
+                      </a:endParaRPr>
+                    </a:p>
+                  </a:txBody>
+                  <a:tcPr marL="68580" marR="68580" marT="0" marB="0" anchor="ctr"/>
+                </a:tc>
+                <a:extLst>
+                  <a:ext uri="{0D108BD9-81ED-4DB2-BD59-A6C34878D82A}">
+                    <a16:rowId xmlns:a16="http://schemas.microsoft.com/office/drawing/2014/main" val="2004551067"/>
+                  </a:ext>
+                </a:extLst>
+              </a:tr>
+              <a:tr h="345006">
+                <a:tc>
+                  <a:txBody>
+                    <a:bodyPr/>
+                    <a:lstStyle/>
+                    <a:p>
+                      <a:pPr algn="ctr">
+                        <a:spcAft>
+                          <a:spcPts val="600"/>
+                        </a:spcAft>
+                      </a:pPr>
+                      <a:r>
+                        <a:rPr lang="es-ES_tradnl" sz="1000">
+                          <a:effectLst/>
+                        </a:rPr>
+                        <a:t>Mejor caso</a:t>
+                      </a:r>
+                      <a:endParaRPr lang="es-CO" sz="1000">
+                        <a:effectLst/>
+                        <a:latin typeface="Times New Roman" panose="02020603050405020304" pitchFamily="18" charset="0"/>
+                        <a:ea typeface="Times New Roman" panose="02020603050405020304" pitchFamily="18" charset="0"/>
+                      </a:endParaRPr>
+                    </a:p>
+                  </a:txBody>
+                  <a:tcPr marL="68580" marR="68580" marT="0" marB="0" anchor="ctr"/>
+                </a:tc>
+                <a:tc>
+                  <a:txBody>
+                    <a:bodyPr/>
+                    <a:lstStyle/>
+                    <a:p>
+                      <a:pPr algn="ctr">
+                        <a:spcAft>
+                          <a:spcPts val="600"/>
+                        </a:spcAft>
+                      </a:pPr>
+                      <a:r>
+                        <a:rPr lang="es-ES_tradnl" sz="1000" dirty="0">
+                          <a:effectLst/>
+                        </a:rPr>
+                        <a:t>19.6ms</a:t>
+                      </a:r>
+                      <a:endParaRPr lang="es-CO" sz="1000" dirty="0">
+                        <a:effectLst/>
+                        <a:latin typeface="Times New Roman" panose="02020603050405020304" pitchFamily="18" charset="0"/>
+                        <a:ea typeface="Times New Roman" panose="02020603050405020304" pitchFamily="18" charset="0"/>
+                      </a:endParaRPr>
+                    </a:p>
+                  </a:txBody>
+                  <a:tcPr marL="68580" marR="68580" marT="0" marB="0" anchor="ctr"/>
+                </a:tc>
+                <a:tc>
+                  <a:txBody>
+                    <a:bodyPr/>
+                    <a:lstStyle/>
+                    <a:p>
+                      <a:pPr algn="ctr">
+                        <a:spcAft>
+                          <a:spcPts val="600"/>
+                        </a:spcAft>
+                      </a:pPr>
+                      <a:r>
+                        <a:rPr lang="es-ES_tradnl" sz="1000">
+                          <a:effectLst/>
+                        </a:rPr>
+                        <a:t>20.8ms</a:t>
+                      </a:r>
+                      <a:endParaRPr lang="es-CO" sz="1000">
+                        <a:effectLst/>
+                        <a:latin typeface="Times New Roman" panose="02020603050405020304" pitchFamily="18" charset="0"/>
+                        <a:ea typeface="Times New Roman" panose="02020603050405020304" pitchFamily="18" charset="0"/>
+                      </a:endParaRPr>
+                    </a:p>
+                  </a:txBody>
+                  <a:tcPr marL="68580" marR="68580" marT="0" marB="0" anchor="ctr"/>
+                </a:tc>
+                <a:tc>
+                  <a:txBody>
+                    <a:bodyPr/>
+                    <a:lstStyle/>
+                    <a:p>
+                      <a:pPr algn="ctr">
+                        <a:spcAft>
+                          <a:spcPts val="600"/>
+                        </a:spcAft>
+                      </a:pPr>
+                      <a:r>
+                        <a:rPr lang="es-ES_tradnl" sz="1000">
+                          <a:effectLst/>
+                        </a:rPr>
+                        <a:t>19.2ms</a:t>
+                      </a:r>
+                      <a:endParaRPr lang="es-CO" sz="1000">
+                        <a:effectLst/>
+                        <a:latin typeface="Times New Roman" panose="02020603050405020304" pitchFamily="18" charset="0"/>
+                        <a:ea typeface="Times New Roman" panose="02020603050405020304" pitchFamily="18" charset="0"/>
+                      </a:endParaRPr>
+                    </a:p>
+                  </a:txBody>
+                  <a:tcPr marL="68580" marR="68580" marT="0" marB="0" anchor="ctr"/>
+                </a:tc>
+                <a:tc>
+                  <a:txBody>
+                    <a:bodyPr/>
+                    <a:lstStyle/>
+                    <a:p>
+                      <a:pPr algn="ctr">
+                        <a:spcAft>
+                          <a:spcPts val="600"/>
+                        </a:spcAft>
+                      </a:pPr>
+                      <a:r>
+                        <a:rPr lang="es-ES_tradnl" sz="1000">
+                          <a:effectLst/>
+                        </a:rPr>
+                        <a:t>21.3ms</a:t>
+                      </a:r>
+                      <a:endParaRPr lang="es-CO" sz="1000">
+                        <a:effectLst/>
+                        <a:latin typeface="Times New Roman" panose="02020603050405020304" pitchFamily="18" charset="0"/>
+                        <a:ea typeface="Times New Roman" panose="02020603050405020304" pitchFamily="18" charset="0"/>
+                      </a:endParaRPr>
+                    </a:p>
+                  </a:txBody>
+                  <a:tcPr marL="68580" marR="68580" marT="0" marB="0" anchor="ctr"/>
+                </a:tc>
+                <a:extLst>
+                  <a:ext uri="{0D108BD9-81ED-4DB2-BD59-A6C34878D82A}">
+                    <a16:rowId xmlns:a16="http://schemas.microsoft.com/office/drawing/2014/main" val="1138575009"/>
+                  </a:ext>
+                </a:extLst>
+              </a:tr>
+              <a:tr h="517509">
+                <a:tc>
+                  <a:txBody>
+                    <a:bodyPr/>
+                    <a:lstStyle/>
+                    <a:p>
+                      <a:pPr algn="ctr">
+                        <a:spcAft>
+                          <a:spcPts val="600"/>
+                        </a:spcAft>
+                      </a:pPr>
+                      <a:r>
+                        <a:rPr lang="es-ES_tradnl" sz="1000">
+                          <a:effectLst/>
+                        </a:rPr>
+                        <a:t>Caso promedio</a:t>
+                      </a:r>
+                      <a:endParaRPr lang="es-CO" sz="1000">
+                        <a:effectLst/>
+                        <a:latin typeface="Times New Roman" panose="02020603050405020304" pitchFamily="18" charset="0"/>
+                        <a:ea typeface="Times New Roman" panose="02020603050405020304" pitchFamily="18" charset="0"/>
+                      </a:endParaRPr>
+                    </a:p>
+                  </a:txBody>
+                  <a:tcPr marL="68580" marR="68580" marT="0" marB="0" anchor="ctr"/>
+                </a:tc>
+                <a:tc>
+                  <a:txBody>
+                    <a:bodyPr/>
+                    <a:lstStyle/>
+                    <a:p>
+                      <a:pPr algn="ctr">
+                        <a:spcAft>
+                          <a:spcPts val="600"/>
+                        </a:spcAft>
+                      </a:pPr>
+                      <a:r>
+                        <a:rPr lang="es-ES_tradnl" sz="1000">
+                          <a:effectLst/>
+                        </a:rPr>
+                        <a:t>20.5ms</a:t>
+                      </a:r>
+                      <a:endParaRPr lang="es-CO" sz="1000">
+                        <a:effectLst/>
+                        <a:latin typeface="Times New Roman" panose="02020603050405020304" pitchFamily="18" charset="0"/>
+                        <a:ea typeface="Times New Roman" panose="02020603050405020304" pitchFamily="18" charset="0"/>
+                      </a:endParaRPr>
+                    </a:p>
+                  </a:txBody>
+                  <a:tcPr marL="68580" marR="68580" marT="0" marB="0" anchor="ctr"/>
+                </a:tc>
+                <a:tc>
+                  <a:txBody>
+                    <a:bodyPr/>
+                    <a:lstStyle/>
+                    <a:p>
+                      <a:pPr algn="ctr">
+                        <a:spcAft>
+                          <a:spcPts val="600"/>
+                        </a:spcAft>
+                      </a:pPr>
+                      <a:r>
+                        <a:rPr lang="es-ES_tradnl" sz="1000" dirty="0">
+                          <a:effectLst/>
+                        </a:rPr>
+                        <a:t>21.53ms</a:t>
+                      </a:r>
+                      <a:endParaRPr lang="es-CO" sz="1000" dirty="0">
+                        <a:effectLst/>
+                        <a:latin typeface="Times New Roman" panose="02020603050405020304" pitchFamily="18" charset="0"/>
+                        <a:ea typeface="Times New Roman" panose="02020603050405020304" pitchFamily="18" charset="0"/>
+                      </a:endParaRPr>
+                    </a:p>
+                  </a:txBody>
+                  <a:tcPr marL="68580" marR="68580" marT="0" marB="0" anchor="ctr"/>
+                </a:tc>
+                <a:tc>
+                  <a:txBody>
+                    <a:bodyPr/>
+                    <a:lstStyle/>
+                    <a:p>
+                      <a:pPr algn="ctr">
+                        <a:spcAft>
+                          <a:spcPts val="600"/>
+                        </a:spcAft>
+                      </a:pPr>
+                      <a:r>
+                        <a:rPr lang="es-ES_tradnl" sz="1000" dirty="0">
+                          <a:effectLst/>
+                        </a:rPr>
+                        <a:t>22.2ms</a:t>
+                      </a:r>
+                      <a:endParaRPr lang="es-CO" sz="1000" dirty="0">
+                        <a:effectLst/>
+                        <a:latin typeface="Times New Roman" panose="02020603050405020304" pitchFamily="18" charset="0"/>
+                        <a:ea typeface="Times New Roman" panose="02020603050405020304" pitchFamily="18" charset="0"/>
+                      </a:endParaRPr>
+                    </a:p>
+                  </a:txBody>
+                  <a:tcPr marL="68580" marR="68580" marT="0" marB="0" anchor="ctr"/>
+                </a:tc>
+                <a:tc>
+                  <a:txBody>
+                    <a:bodyPr/>
+                    <a:lstStyle/>
+                    <a:p>
+                      <a:pPr algn="ctr">
+                        <a:spcAft>
+                          <a:spcPts val="600"/>
+                        </a:spcAft>
+                      </a:pPr>
+                      <a:r>
+                        <a:rPr lang="es-ES_tradnl" sz="1000">
+                          <a:effectLst/>
+                        </a:rPr>
+                        <a:t>22.6ms</a:t>
+                      </a:r>
+                      <a:endParaRPr lang="es-CO" sz="1000">
+                        <a:effectLst/>
+                        <a:latin typeface="Times New Roman" panose="02020603050405020304" pitchFamily="18" charset="0"/>
+                        <a:ea typeface="Times New Roman" panose="02020603050405020304" pitchFamily="18" charset="0"/>
+                      </a:endParaRPr>
+                    </a:p>
+                  </a:txBody>
+                  <a:tcPr marL="68580" marR="68580" marT="0" marB="0" anchor="ctr"/>
+                </a:tc>
+                <a:extLst>
+                  <a:ext uri="{0D108BD9-81ED-4DB2-BD59-A6C34878D82A}">
+                    <a16:rowId xmlns:a16="http://schemas.microsoft.com/office/drawing/2014/main" val="3597004474"/>
+                  </a:ext>
+                </a:extLst>
+              </a:tr>
+              <a:tr h="345006">
+                <a:tc>
+                  <a:txBody>
+                    <a:bodyPr/>
+                    <a:lstStyle/>
+                    <a:p>
+                      <a:pPr algn="ctr">
+                        <a:spcAft>
+                          <a:spcPts val="600"/>
+                        </a:spcAft>
+                      </a:pPr>
+                      <a:r>
+                        <a:rPr lang="es-ES_tradnl" sz="1000">
+                          <a:effectLst/>
+                        </a:rPr>
+                        <a:t>Peor caso</a:t>
+                      </a:r>
+                      <a:endParaRPr lang="es-CO" sz="1000">
+                        <a:effectLst/>
+                        <a:latin typeface="Times New Roman" panose="02020603050405020304" pitchFamily="18" charset="0"/>
+                        <a:ea typeface="Times New Roman" panose="02020603050405020304" pitchFamily="18" charset="0"/>
+                      </a:endParaRPr>
+                    </a:p>
+                  </a:txBody>
+                  <a:tcPr marL="68580" marR="68580" marT="0" marB="0" anchor="ctr"/>
+                </a:tc>
+                <a:tc>
+                  <a:txBody>
+                    <a:bodyPr/>
+                    <a:lstStyle/>
+                    <a:p>
+                      <a:pPr algn="ctr">
+                        <a:spcAft>
+                          <a:spcPts val="600"/>
+                        </a:spcAft>
+                      </a:pPr>
+                      <a:r>
+                        <a:rPr lang="es-ES_tradnl" sz="1000">
+                          <a:effectLst/>
+                        </a:rPr>
+                        <a:t>21.4ms</a:t>
+                      </a:r>
+                      <a:endParaRPr lang="es-CO" sz="1000">
+                        <a:effectLst/>
+                        <a:latin typeface="Times New Roman" panose="02020603050405020304" pitchFamily="18" charset="0"/>
+                        <a:ea typeface="Times New Roman" panose="02020603050405020304" pitchFamily="18" charset="0"/>
+                      </a:endParaRPr>
+                    </a:p>
+                  </a:txBody>
+                  <a:tcPr marL="68580" marR="68580" marT="0" marB="0" anchor="ctr"/>
+                </a:tc>
+                <a:tc>
+                  <a:txBody>
+                    <a:bodyPr/>
+                    <a:lstStyle/>
+                    <a:p>
+                      <a:pPr algn="ctr">
+                        <a:spcAft>
+                          <a:spcPts val="600"/>
+                        </a:spcAft>
+                      </a:pPr>
+                      <a:r>
+                        <a:rPr lang="es-ES_tradnl" sz="1000">
+                          <a:effectLst/>
+                        </a:rPr>
+                        <a:t>22.9ms</a:t>
+                      </a:r>
+                      <a:endParaRPr lang="es-CO" sz="1000">
+                        <a:effectLst/>
+                        <a:latin typeface="Times New Roman" panose="02020603050405020304" pitchFamily="18" charset="0"/>
+                        <a:ea typeface="Times New Roman" panose="02020603050405020304" pitchFamily="18" charset="0"/>
+                      </a:endParaRPr>
+                    </a:p>
+                  </a:txBody>
+                  <a:tcPr marL="68580" marR="68580" marT="0" marB="0" anchor="ctr"/>
+                </a:tc>
+                <a:tc>
+                  <a:txBody>
+                    <a:bodyPr/>
+                    <a:lstStyle/>
+                    <a:p>
+                      <a:pPr algn="ctr">
+                        <a:spcAft>
+                          <a:spcPts val="600"/>
+                        </a:spcAft>
+                      </a:pPr>
+                      <a:r>
+                        <a:rPr lang="es-ES_tradnl" sz="1000" dirty="0">
+                          <a:effectLst/>
+                        </a:rPr>
+                        <a:t>24.7ms</a:t>
+                      </a:r>
+                      <a:endParaRPr lang="es-CO" sz="1000" dirty="0">
+                        <a:effectLst/>
+                        <a:latin typeface="Times New Roman" panose="02020603050405020304" pitchFamily="18" charset="0"/>
+                        <a:ea typeface="Times New Roman" panose="02020603050405020304" pitchFamily="18" charset="0"/>
+                      </a:endParaRPr>
+                    </a:p>
+                  </a:txBody>
+                  <a:tcPr marL="68580" marR="68580" marT="0" marB="0" anchor="ctr"/>
+                </a:tc>
+                <a:tc>
+                  <a:txBody>
+                    <a:bodyPr/>
+                    <a:lstStyle/>
+                    <a:p>
+                      <a:pPr algn="ctr">
+                        <a:spcAft>
+                          <a:spcPts val="600"/>
+                        </a:spcAft>
+                      </a:pPr>
+                      <a:r>
+                        <a:rPr lang="es-ES_tradnl" sz="1000" dirty="0">
+                          <a:effectLst/>
+                        </a:rPr>
+                        <a:t>25.2ms</a:t>
+                      </a:r>
+                      <a:endParaRPr lang="es-CO" sz="1000" dirty="0">
+                        <a:effectLst/>
+                        <a:latin typeface="Times New Roman" panose="02020603050405020304" pitchFamily="18" charset="0"/>
+                        <a:ea typeface="Times New Roman" panose="02020603050405020304" pitchFamily="18" charset="0"/>
+                      </a:endParaRPr>
+                    </a:p>
+                  </a:txBody>
+                  <a:tcPr marL="68580" marR="68580" marT="0" marB="0" anchor="ctr"/>
+                </a:tc>
+                <a:extLst>
+                  <a:ext uri="{0D108BD9-81ED-4DB2-BD59-A6C34878D82A}">
+                    <a16:rowId xmlns:a16="http://schemas.microsoft.com/office/drawing/2014/main" val="681872277"/>
+                  </a:ext>
+                </a:extLst>
+              </a:tr>
+            </a:tbl>
+          </a:graphicData>
+        </a:graphic>
+      </p:graphicFrame>
+      <p:graphicFrame>
+        <p:nvGraphicFramePr>
+          <p:cNvPr id="12" name="Tabla 11">
+            <a:extLst>
+              <a:ext uri="{FF2B5EF4-FFF2-40B4-BE49-F238E27FC236}">
+                <a16:creationId xmlns:a16="http://schemas.microsoft.com/office/drawing/2014/main" id="{9DDE0342-718B-40F2-8501-CE637C0CE22B}"/>
+              </a:ext>
+            </a:extLst>
+          </p:cNvPr>
+          <p:cNvGraphicFramePr>
+            <a:graphicFrameLocks noGrp="1"/>
+          </p:cNvGraphicFramePr>
+          <p:nvPr>
+            <p:extLst>
+              <p:ext uri="{D42A27DB-BD31-4B8C-83A1-F6EECF244321}">
+                <p14:modId xmlns:p14="http://schemas.microsoft.com/office/powerpoint/2010/main" val="752893189"/>
+              </p:ext>
+            </p:extLst>
+          </p:nvPr>
+        </p:nvGraphicFramePr>
+        <p:xfrm>
+          <a:off x="573727" y="1294093"/>
+          <a:ext cx="3110487" cy="1966037"/>
+        </p:xfrm>
+        <a:graphic>
+          <a:graphicData uri="http://schemas.openxmlformats.org/drawingml/2006/table">
+            <a:tbl>
+              <a:tblPr firstRow="1" firstCol="1" bandRow="1">
+                <a:tableStyleId>{5C22544A-7EE6-4342-B048-85BDC9FD1C3A}</a:tableStyleId>
+              </a:tblPr>
+              <a:tblGrid>
+                <a:gridCol w="2073658">
+                  <a:extLst>
+                    <a:ext uri="{9D8B030D-6E8A-4147-A177-3AD203B41FA5}">
+                      <a16:colId xmlns:a16="http://schemas.microsoft.com/office/drawing/2014/main" val="248516372"/>
+                    </a:ext>
+                  </a:extLst>
+                </a:gridCol>
+                <a:gridCol w="1036829">
+                  <a:extLst>
+                    <a:ext uri="{9D8B030D-6E8A-4147-A177-3AD203B41FA5}">
+                      <a16:colId xmlns:a16="http://schemas.microsoft.com/office/drawing/2014/main" val="3527481951"/>
+                    </a:ext>
+                  </a:extLst>
+                </a:gridCol>
+              </a:tblGrid>
+              <a:tr h="491509">
+                <a:tc>
+                  <a:txBody>
+                    <a:bodyPr/>
+                    <a:lstStyle/>
+                    <a:p>
+                      <a:pPr indent="228600" algn="ctr">
+                        <a:spcAft>
+                          <a:spcPts val="600"/>
+                        </a:spcAft>
+                      </a:pPr>
+                      <a:r>
+                        <a:rPr lang="es-ES" sz="1000" dirty="0">
+                          <a:effectLst/>
+                        </a:rPr>
+                        <a:t>Algoritmo para ruteo de vehículos eléctricos</a:t>
+                      </a:r>
+                      <a:endParaRPr lang="es-CO" sz="1000" dirty="0">
+                        <a:effectLst/>
+                        <a:latin typeface="Times New Roman" panose="02020603050405020304" pitchFamily="18" charset="0"/>
+                        <a:ea typeface="Times New Roman" panose="02020603050405020304" pitchFamily="18" charset="0"/>
+                      </a:endParaRPr>
+                    </a:p>
+                  </a:txBody>
+                  <a:tcPr marL="68580" marR="68580" marT="0" marB="0" anchor="ctr"/>
+                </a:tc>
+                <a:tc>
+                  <a:txBody>
+                    <a:bodyPr/>
+                    <a:lstStyle/>
+                    <a:p>
+                      <a:pPr indent="228600" algn="ctr">
+                        <a:spcAft>
+                          <a:spcPts val="600"/>
+                        </a:spcAft>
+                      </a:pPr>
+                      <a:r>
+                        <a:rPr lang="es-ES" sz="1000">
+                          <a:effectLst/>
+                        </a:rPr>
+                        <a:t>Tsp(vecino mas cercano)</a:t>
+                      </a:r>
+                      <a:endParaRPr lang="es-CO" sz="1000">
+                        <a:effectLst/>
+                        <a:latin typeface="Times New Roman" panose="02020603050405020304" pitchFamily="18" charset="0"/>
+                        <a:ea typeface="Times New Roman" panose="02020603050405020304" pitchFamily="18" charset="0"/>
+                      </a:endParaRPr>
+                    </a:p>
+                  </a:txBody>
+                  <a:tcPr marL="68580" marR="68580" marT="0" marB="0" anchor="ctr"/>
+                </a:tc>
+                <a:extLst>
+                  <a:ext uri="{0D108BD9-81ED-4DB2-BD59-A6C34878D82A}">
+                    <a16:rowId xmlns:a16="http://schemas.microsoft.com/office/drawing/2014/main" val="2765871404"/>
+                  </a:ext>
+                </a:extLst>
+              </a:tr>
+              <a:tr h="163836">
+                <a:tc>
+                  <a:txBody>
+                    <a:bodyPr/>
+                    <a:lstStyle/>
+                    <a:p>
+                      <a:pPr indent="228600" algn="ctr">
+                        <a:spcAft>
+                          <a:spcPts val="600"/>
+                        </a:spcAft>
+                      </a:pPr>
+                      <a:r>
+                        <a:rPr lang="es-ES" sz="1000" dirty="0">
+                          <a:effectLst/>
+                        </a:rPr>
+                        <a:t>Espacio en le </a:t>
+                      </a:r>
+                      <a:r>
+                        <a:rPr lang="es-ES" sz="1000" dirty="0" err="1">
+                          <a:effectLst/>
+                        </a:rPr>
+                        <a:t>Heap</a:t>
+                      </a:r>
+                      <a:endParaRPr lang="es-CO" sz="1000" dirty="0">
+                        <a:effectLst/>
+                        <a:latin typeface="Times New Roman" panose="02020603050405020304" pitchFamily="18" charset="0"/>
+                        <a:ea typeface="Times New Roman" panose="02020603050405020304" pitchFamily="18" charset="0"/>
+                      </a:endParaRPr>
+                    </a:p>
+                  </a:txBody>
+                  <a:tcPr marL="68580" marR="68580" marT="0" marB="0" anchor="ctr"/>
+                </a:tc>
+                <a:tc>
+                  <a:txBody>
+                    <a:bodyPr/>
+                    <a:lstStyle/>
+                    <a:p>
+                      <a:pPr indent="228600" algn="ctr">
+                        <a:spcAft>
+                          <a:spcPts val="600"/>
+                        </a:spcAft>
+                      </a:pPr>
+                      <a:r>
+                        <a:rPr lang="es-ES" sz="800">
+                          <a:effectLst/>
+                        </a:rPr>
+                        <a:t>2MB</a:t>
+                      </a:r>
+                      <a:endParaRPr lang="es-CO" sz="1000">
+                        <a:effectLst/>
+                        <a:latin typeface="Times New Roman" panose="02020603050405020304" pitchFamily="18" charset="0"/>
+                        <a:ea typeface="Times New Roman" panose="02020603050405020304" pitchFamily="18" charset="0"/>
+                      </a:endParaRPr>
+                    </a:p>
+                  </a:txBody>
+                  <a:tcPr marL="68580" marR="68580" marT="0" marB="0" anchor="ctr"/>
+                </a:tc>
+                <a:extLst>
+                  <a:ext uri="{0D108BD9-81ED-4DB2-BD59-A6C34878D82A}">
+                    <a16:rowId xmlns:a16="http://schemas.microsoft.com/office/drawing/2014/main" val="3321003922"/>
+                  </a:ext>
+                </a:extLst>
+              </a:tr>
+              <a:tr h="327673">
+                <a:tc>
+                  <a:txBody>
+                    <a:bodyPr/>
+                    <a:lstStyle/>
+                    <a:p>
+                      <a:pPr indent="228600" algn="ctr">
+                        <a:spcAft>
+                          <a:spcPts val="600"/>
+                        </a:spcAft>
+                      </a:pPr>
+                      <a:r>
+                        <a:rPr lang="es-ES" sz="1000" dirty="0">
+                          <a:effectLst/>
+                        </a:rPr>
+                        <a:t>Ruteo para 24f0.txt</a:t>
+                      </a:r>
+                      <a:endParaRPr lang="es-CO" sz="1000" dirty="0">
+                        <a:effectLst/>
+                        <a:latin typeface="Times New Roman" panose="02020603050405020304" pitchFamily="18" charset="0"/>
+                        <a:ea typeface="Times New Roman" panose="02020603050405020304" pitchFamily="18" charset="0"/>
+                      </a:endParaRPr>
+                    </a:p>
+                  </a:txBody>
+                  <a:tcPr marL="68580" marR="68580" marT="0" marB="0" anchor="ctr"/>
+                </a:tc>
+                <a:tc>
+                  <a:txBody>
+                    <a:bodyPr/>
+                    <a:lstStyle/>
+                    <a:p>
+                      <a:pPr indent="228600" algn="ctr">
+                        <a:spcAft>
+                          <a:spcPts val="600"/>
+                        </a:spcAft>
+                      </a:pPr>
+                      <a:r>
+                        <a:rPr lang="es-ES" sz="1000" dirty="0">
+                          <a:effectLst/>
+                        </a:rPr>
+                        <a:t>2,6ms</a:t>
+                      </a:r>
+                      <a:endParaRPr lang="es-CO" sz="1000" dirty="0">
+                        <a:effectLst/>
+                        <a:latin typeface="Times New Roman" panose="02020603050405020304" pitchFamily="18" charset="0"/>
+                        <a:ea typeface="Times New Roman" panose="02020603050405020304" pitchFamily="18" charset="0"/>
+                      </a:endParaRPr>
+                    </a:p>
+                  </a:txBody>
+                  <a:tcPr marL="68580" marR="68580" marT="0" marB="0" anchor="ctr"/>
+                </a:tc>
+                <a:extLst>
+                  <a:ext uri="{0D108BD9-81ED-4DB2-BD59-A6C34878D82A}">
+                    <a16:rowId xmlns:a16="http://schemas.microsoft.com/office/drawing/2014/main" val="2366545061"/>
+                  </a:ext>
+                </a:extLst>
+              </a:tr>
+              <a:tr h="327673">
+                <a:tc>
+                  <a:txBody>
+                    <a:bodyPr/>
+                    <a:lstStyle/>
+                    <a:p>
+                      <a:pPr indent="228600" algn="ctr">
+                        <a:spcAft>
+                          <a:spcPts val="600"/>
+                        </a:spcAft>
+                      </a:pPr>
+                      <a:r>
+                        <a:rPr lang="es-ES" sz="1000" dirty="0">
+                          <a:effectLst/>
+                        </a:rPr>
+                        <a:t>Ruteo para 24t0.txt</a:t>
+                      </a:r>
+                      <a:endParaRPr lang="es-CO" sz="1000" dirty="0">
+                        <a:effectLst/>
+                        <a:latin typeface="Times New Roman" panose="02020603050405020304" pitchFamily="18" charset="0"/>
+                        <a:ea typeface="Times New Roman" panose="02020603050405020304" pitchFamily="18" charset="0"/>
+                      </a:endParaRPr>
+                    </a:p>
+                  </a:txBody>
+                  <a:tcPr marL="68580" marR="68580" marT="0" marB="0" anchor="ctr"/>
+                </a:tc>
+                <a:tc>
+                  <a:txBody>
+                    <a:bodyPr/>
+                    <a:lstStyle/>
+                    <a:p>
+                      <a:pPr indent="228600" algn="ctr">
+                        <a:spcAft>
+                          <a:spcPts val="600"/>
+                        </a:spcAft>
+                      </a:pPr>
+                      <a:r>
+                        <a:rPr lang="es-ES" sz="1000" dirty="0">
+                          <a:effectLst/>
+                        </a:rPr>
+                        <a:t>2,6ms</a:t>
+                      </a:r>
+                      <a:endParaRPr lang="es-CO" sz="1000" dirty="0">
+                        <a:effectLst/>
+                        <a:latin typeface="Times New Roman" panose="02020603050405020304" pitchFamily="18" charset="0"/>
+                        <a:ea typeface="Times New Roman" panose="02020603050405020304" pitchFamily="18" charset="0"/>
+                      </a:endParaRPr>
+                    </a:p>
+                  </a:txBody>
+                  <a:tcPr marL="68580" marR="68580" marT="0" marB="0" anchor="ctr"/>
+                </a:tc>
+                <a:extLst>
+                  <a:ext uri="{0D108BD9-81ED-4DB2-BD59-A6C34878D82A}">
+                    <a16:rowId xmlns:a16="http://schemas.microsoft.com/office/drawing/2014/main" val="3195517415"/>
+                  </a:ext>
+                </a:extLst>
+              </a:tr>
+              <a:tr h="327673">
+                <a:tc>
+                  <a:txBody>
+                    <a:bodyPr/>
+                    <a:lstStyle/>
+                    <a:p>
+                      <a:pPr indent="228600" algn="ctr">
+                        <a:spcAft>
+                          <a:spcPts val="600"/>
+                        </a:spcAft>
+                      </a:pPr>
+                      <a:r>
+                        <a:rPr lang="es-ES" sz="1000" dirty="0">
+                          <a:effectLst/>
+                        </a:rPr>
+                        <a:t>Ruteo para 38f0.txt</a:t>
+                      </a:r>
+                      <a:endParaRPr lang="es-CO" sz="1000" dirty="0">
+                        <a:effectLst/>
+                        <a:latin typeface="Times New Roman" panose="02020603050405020304" pitchFamily="18" charset="0"/>
+                        <a:ea typeface="Times New Roman" panose="02020603050405020304" pitchFamily="18" charset="0"/>
+                      </a:endParaRPr>
+                    </a:p>
+                  </a:txBody>
+                  <a:tcPr marL="68580" marR="68580" marT="0" marB="0" anchor="ctr"/>
+                </a:tc>
+                <a:tc>
+                  <a:txBody>
+                    <a:bodyPr/>
+                    <a:lstStyle/>
+                    <a:p>
+                      <a:pPr indent="228600" algn="ctr">
+                        <a:spcAft>
+                          <a:spcPts val="600"/>
+                        </a:spcAft>
+                      </a:pPr>
+                      <a:r>
+                        <a:rPr lang="es-ES" sz="1000" dirty="0">
+                          <a:effectLst/>
+                        </a:rPr>
+                        <a:t>2,5ms</a:t>
+                      </a:r>
+                      <a:endParaRPr lang="es-CO" sz="1000" dirty="0">
+                        <a:effectLst/>
+                        <a:latin typeface="Times New Roman" panose="02020603050405020304" pitchFamily="18" charset="0"/>
+                        <a:ea typeface="Times New Roman" panose="02020603050405020304" pitchFamily="18" charset="0"/>
+                      </a:endParaRPr>
+                    </a:p>
+                  </a:txBody>
+                  <a:tcPr marL="68580" marR="68580" marT="0" marB="0" anchor="ctr"/>
+                </a:tc>
+                <a:extLst>
+                  <a:ext uri="{0D108BD9-81ED-4DB2-BD59-A6C34878D82A}">
+                    <a16:rowId xmlns:a16="http://schemas.microsoft.com/office/drawing/2014/main" val="2450314528"/>
+                  </a:ext>
+                </a:extLst>
+              </a:tr>
+              <a:tr h="327673">
+                <a:tc>
+                  <a:txBody>
+                    <a:bodyPr/>
+                    <a:lstStyle/>
+                    <a:p>
+                      <a:pPr indent="228600" algn="ctr">
+                        <a:spcAft>
+                          <a:spcPts val="600"/>
+                        </a:spcAft>
+                      </a:pPr>
+                      <a:r>
+                        <a:rPr lang="es-ES" sz="1000">
+                          <a:effectLst/>
+                        </a:rPr>
+                        <a:t>Ruteo para 38t0.txt</a:t>
+                      </a:r>
+                      <a:endParaRPr lang="es-CO" sz="1000">
+                        <a:effectLst/>
+                        <a:latin typeface="Times New Roman" panose="02020603050405020304" pitchFamily="18" charset="0"/>
+                        <a:ea typeface="Times New Roman" panose="02020603050405020304" pitchFamily="18" charset="0"/>
+                      </a:endParaRPr>
+                    </a:p>
+                  </a:txBody>
+                  <a:tcPr marL="68580" marR="68580" marT="0" marB="0" anchor="ctr"/>
+                </a:tc>
+                <a:tc>
+                  <a:txBody>
+                    <a:bodyPr/>
+                    <a:lstStyle/>
+                    <a:p>
+                      <a:pPr indent="228600" algn="ctr">
+                        <a:spcAft>
+                          <a:spcPts val="600"/>
+                        </a:spcAft>
+                      </a:pPr>
+                      <a:r>
+                        <a:rPr lang="es-ES" sz="1000" dirty="0">
+                          <a:effectLst/>
+                        </a:rPr>
+                        <a:t>2,6ms</a:t>
+                      </a:r>
+                      <a:endParaRPr lang="es-CO" sz="1000" dirty="0">
+                        <a:effectLst/>
+                        <a:latin typeface="Times New Roman" panose="02020603050405020304" pitchFamily="18" charset="0"/>
+                        <a:ea typeface="Times New Roman" panose="02020603050405020304" pitchFamily="18" charset="0"/>
+                      </a:endParaRPr>
+                    </a:p>
+                  </a:txBody>
+                  <a:tcPr marL="68580" marR="68580" marT="0" marB="0" anchor="ctr"/>
+                </a:tc>
+                <a:extLst>
+                  <a:ext uri="{0D108BD9-81ED-4DB2-BD59-A6C34878D82A}">
+                    <a16:rowId xmlns:a16="http://schemas.microsoft.com/office/drawing/2014/main" val="2272983511"/>
+                  </a:ext>
+                </a:extLst>
+              </a:tr>
+            </a:tbl>
+          </a:graphicData>
+        </a:graphic>
+      </p:graphicFrame>
     </p:spTree>
   </p:cSld>
   <p:clrMapOvr>
@@ -8021,7 +7643,7 @@
               <a:t>Software </a:t>
             </a:r>
             <a:r>
-              <a:rPr lang="en-US" sz="2800" b="1" i="1" spc="-1" dirty="0" err="1" smtClean="0">
+              <a:rPr lang="en-US" sz="2800" b="1" i="1" spc="-1" dirty="0" err="1">
                 <a:solidFill>
                   <a:srgbClr val="333F4F"/>
                 </a:solidFill>
@@ -8036,7 +7658,7 @@
               <a:t>en</a:t>
             </a:r>
             <a:r>
-              <a:rPr lang="en-US" sz="2800" b="1" i="1" spc="-1" dirty="0" smtClean="0">
+              <a:rPr lang="en-US" sz="2800" b="1" i="1" spc="-1" dirty="0">
                 <a:solidFill>
                   <a:srgbClr val="333F4F"/>
                 </a:solidFill>
@@ -8051,7 +7673,7 @@
               <a:t> </a:t>
             </a:r>
             <a:r>
-              <a:rPr lang="en-US" sz="2800" b="1" i="1" spc="-1" dirty="0" err="1" smtClean="0">
+              <a:rPr lang="en-US" sz="2800" b="1" i="1" spc="-1" dirty="0" err="1">
                 <a:solidFill>
                   <a:srgbClr val="333F4F"/>
                 </a:solidFill>
@@ -8080,29 +7702,6 @@
           </a:p>
         </p:txBody>
       </p:sp>
-      <p:pic>
-        <p:nvPicPr>
-          <p:cNvPr id="87" name="Imagen 86"/>
-          <p:cNvPicPr/>
-          <p:nvPr/>
-        </p:nvPicPr>
-        <p:blipFill>
-          <a:blip r:embed="rId2"/>
-          <a:stretch/>
-        </p:blipFill>
-        <p:spPr>
-          <a:xfrm>
-            <a:off x="917151" y="1074599"/>
-            <a:ext cx="7437720" cy="3853868"/>
-          </a:xfrm>
-          <a:prstGeom prst="rect">
-            <a:avLst/>
-          </a:prstGeom>
-          <a:ln>
-            <a:noFill/>
-          </a:ln>
-        </p:spPr>
-      </p:pic>
       <p:sp>
         <p:nvSpPr>
           <p:cNvPr id="88" name="CustomShape 2"/>
@@ -8144,7 +7743,7 @@
               </a:lnSpc>
             </a:pPr>
             <a:r>
-              <a:rPr lang="en-US" sz="1600" b="1" strike="noStrike" spc="-1" dirty="0">
+              <a:rPr lang="es-CO" sz="1600" b="1" strike="noStrike" spc="-1" dirty="0">
                 <a:solidFill>
                   <a:srgbClr val="000000"/>
                 </a:solidFill>
@@ -8156,10 +7755,10 @@
                 <a:latin typeface="Arial"/>
                 <a:ea typeface="Noto Sans CJK SC Regular"/>
               </a:rPr>
-              <a:t>Gráfico </a:t>
+              <a:t>Gráfico 4:</a:t>
             </a:r>
             <a:r>
-              <a:rPr lang="en-US" sz="1600" b="1" strike="noStrike" spc="-1" dirty="0" smtClean="0">
+              <a:rPr lang="es-CO" sz="1600" b="0" strike="noStrike" spc="-1" dirty="0">
                 <a:solidFill>
                   <a:srgbClr val="000000"/>
                 </a:solidFill>
@@ -8171,114 +7770,9 @@
                 <a:latin typeface="Arial"/>
                 <a:ea typeface="Noto Sans CJK SC Regular"/>
               </a:rPr>
-              <a:t>4:</a:t>
+              <a:t> Algoritmo para el ruteo de vehículos eléctricos.</a:t>
             </a:r>
-            <a:r>
-              <a:rPr lang="en-US" sz="1600" b="0" strike="noStrike" spc="-1" dirty="0" smtClean="0">
-                <a:solidFill>
-                  <a:srgbClr val="000000"/>
-                </a:solidFill>
-                <a:uFill>
-                  <a:solidFill>
-                    <a:srgbClr val="FFFFFF"/>
-                  </a:solidFill>
-                </a:uFill>
-                <a:latin typeface="Arial"/>
-                <a:ea typeface="Noto Sans CJK SC Regular"/>
-              </a:rPr>
-              <a:t> </a:t>
-            </a:r>
-            <a:r>
-              <a:rPr lang="en-US" sz="1600" b="0" strike="noStrike" spc="-1" dirty="0">
-                <a:solidFill>
-                  <a:srgbClr val="000000"/>
-                </a:solidFill>
-                <a:uFill>
-                  <a:solidFill>
-                    <a:srgbClr val="FFFFFF"/>
-                  </a:solidFill>
-                </a:uFill>
-                <a:latin typeface="Arial"/>
-                <a:ea typeface="Noto Sans CJK SC Regular"/>
-              </a:rPr>
-              <a:t>Sistema de </a:t>
-            </a:r>
-            <a:r>
-              <a:rPr lang="en-US" sz="1600" b="0" strike="noStrike" spc="-1" dirty="0" err="1">
-                <a:solidFill>
-                  <a:srgbClr val="000000"/>
-                </a:solidFill>
-                <a:uFill>
-                  <a:solidFill>
-                    <a:srgbClr val="FFFFFF"/>
-                  </a:solidFill>
-                </a:uFill>
-                <a:latin typeface="Arial"/>
-                <a:ea typeface="Noto Sans CJK SC Regular"/>
-              </a:rPr>
-              <a:t>planificación</a:t>
-            </a:r>
-            <a:r>
-              <a:rPr lang="en-US" sz="1600" b="0" strike="noStrike" spc="-1" dirty="0">
-                <a:solidFill>
-                  <a:srgbClr val="000000"/>
-                </a:solidFill>
-                <a:uFill>
-                  <a:solidFill>
-                    <a:srgbClr val="FFFFFF"/>
-                  </a:solidFill>
-                </a:uFill>
-                <a:latin typeface="Arial"/>
-                <a:ea typeface="Noto Sans CJK SC Regular"/>
-              </a:rPr>
-              <a:t> </a:t>
-            </a:r>
-            <a:r>
-              <a:rPr lang="en-US" sz="1600" b="0" strike="noStrike" spc="-1" dirty="0" err="1">
-                <a:solidFill>
-                  <a:srgbClr val="000000"/>
-                </a:solidFill>
-                <a:uFill>
-                  <a:solidFill>
-                    <a:srgbClr val="FFFFFF"/>
-                  </a:solidFill>
-                </a:uFill>
-                <a:latin typeface="Arial"/>
-                <a:ea typeface="Noto Sans CJK SC Regular"/>
-              </a:rPr>
-              <a:t>óptima</a:t>
-            </a:r>
-            <a:r>
-              <a:rPr lang="en-US" sz="1600" b="0" strike="noStrike" spc="-1" dirty="0">
-                <a:solidFill>
-                  <a:srgbClr val="000000"/>
-                </a:solidFill>
-                <a:uFill>
-                  <a:solidFill>
-                    <a:srgbClr val="FFFFFF"/>
-                  </a:solidFill>
-                </a:uFill>
-                <a:latin typeface="Arial"/>
-                <a:ea typeface="Noto Sans CJK SC Regular"/>
-              </a:rPr>
-              <a:t> de </a:t>
-            </a:r>
-            <a:r>
-              <a:rPr lang="en-US" sz="1600" b="0" strike="noStrike" spc="-1" dirty="0" err="1" smtClean="0">
-                <a:solidFill>
-                  <a:srgbClr val="000000"/>
-                </a:solidFill>
-                <a:uFill>
-                  <a:solidFill>
-                    <a:srgbClr val="FFFFFF"/>
-                  </a:solidFill>
-                </a:uFill>
-                <a:latin typeface="Arial"/>
-                <a:ea typeface="Noto Sans CJK SC Regular"/>
-              </a:rPr>
-              <a:t>domicilios</a:t>
-            </a:r>
-            <a:endParaRPr lang="en-US" sz="1800" b="0" strike="noStrike" spc="-1" dirty="0">
+            <a:endParaRPr lang="es-CO" sz="1800" b="0" strike="noStrike" spc="-1" dirty="0">
               <a:solidFill>
                 <a:srgbClr val="000000"/>
               </a:solidFill>
@@ -8292,852 +7786,41 @@
           </a:p>
         </p:txBody>
       </p:sp>
-      <p:sp>
-        <p:nvSpPr>
-          <p:cNvPr id="8" name="Rectángulo 7"/>
-          <p:cNvSpPr/>
+      <p:pic>
+        <p:nvPicPr>
+          <p:cNvPr id="5" name="Imagen 4" descr="Imagen que contiene monitor, electrónica&#10;&#10;Descripción generada con confianza muy alta">
+            <a:extLst>
+              <a:ext uri="{FF2B5EF4-FFF2-40B4-BE49-F238E27FC236}">
+                <a16:creationId xmlns:a16="http://schemas.microsoft.com/office/drawing/2014/main" id="{261005CB-CB2A-4177-A5F9-38C37C5C26D9}"/>
+              </a:ext>
+            </a:extLst>
+          </p:cNvPr>
+          <p:cNvPicPr>
+            <a:picLocks noChangeAspect="1"/>
+          </p:cNvPicPr>
           <p:nvPr/>
-        </p:nvSpPr>
-        <p:spPr>
-          <a:xfrm>
-            <a:off x="243360" y="331898"/>
-            <a:ext cx="5007513" cy="536422"/>
-          </a:xfrm>
-          <a:prstGeom prst="rect">
-            <a:avLst/>
-          </a:prstGeom>
-          <a:noFill/>
-          <a:ln w="76200">
-            <a:solidFill>
-              <a:srgbClr val="FF0000"/>
-            </a:solidFill>
-          </a:ln>
-        </p:spPr>
-        <p:style>
-          <a:lnRef idx="2">
-            <a:schemeClr val="accent1">
-              <a:shade val="50000"/>
-            </a:schemeClr>
-          </a:lnRef>
-          <a:fillRef idx="1">
-            <a:schemeClr val="accent1"/>
-          </a:fillRef>
-          <a:effectRef idx="0">
-            <a:schemeClr val="accent1"/>
-          </a:effectRef>
-          <a:fontRef idx="minor">
-            <a:schemeClr val="lt1"/>
-          </a:fontRef>
-        </p:style>
-        <p:txBody>
-          <a:bodyPr rtlCol="0" anchor="ctr"/>
-          <a:lstStyle/>
-          <a:p>
-            <a:pPr algn="ctr"/>
-            <a:endParaRPr lang="es-CO"/>
-          </a:p>
-        </p:txBody>
-      </p:sp>
-      <p:cxnSp>
-        <p:nvCxnSpPr>
-          <p:cNvPr id="9" name="Conector recto de flecha 8"/>
-          <p:cNvCxnSpPr/>
-          <p:nvPr/>
-        </p:nvCxnSpPr>
-        <p:spPr>
-          <a:xfrm>
-            <a:off x="5250873" y="579458"/>
-            <a:ext cx="983672" cy="20155"/>
-          </a:xfrm>
-          <a:prstGeom prst="straightConnector1">
-            <a:avLst/>
-          </a:prstGeom>
-          <a:ln w="76200">
-            <a:solidFill>
-              <a:srgbClr val="FF0000"/>
-            </a:solidFill>
-            <a:tailEnd type="triangle"/>
-          </a:ln>
-        </p:spPr>
-        <p:style>
-          <a:lnRef idx="1">
-            <a:schemeClr val="accent1"/>
-          </a:lnRef>
-          <a:fillRef idx="0">
-            <a:schemeClr val="accent1"/>
-          </a:fillRef>
-          <a:effectRef idx="0">
-            <a:schemeClr val="accent1"/>
-          </a:effectRef>
-          <a:fontRef idx="minor">
-            <a:schemeClr val="tx1"/>
-          </a:fontRef>
-        </p:style>
-      </p:cxnSp>
-      <p:sp>
-        <p:nvSpPr>
-          <p:cNvPr id="10" name="CuadroTexto 9"/>
-          <p:cNvSpPr txBox="1"/>
-          <p:nvPr/>
-        </p:nvSpPr>
-        <p:spPr>
-          <a:xfrm>
-            <a:off x="6096929" y="435646"/>
-            <a:ext cx="2465180" cy="307777"/>
-          </a:xfrm>
-          <a:prstGeom prst="rect">
-            <a:avLst/>
-          </a:prstGeom>
-          <a:noFill/>
-        </p:spPr>
-        <p:txBody>
-          <a:bodyPr wrap="square" rtlCol="0">
-            <a:spAutoFit/>
-          </a:bodyPr>
-          <a:lstStyle/>
-          <a:p>
-            <a:pPr algn="ctr"/>
-            <a:r>
-              <a:rPr lang="es-CO" sz="1400" i="1" dirty="0" smtClean="0">
-                <a:solidFill>
-                  <a:srgbClr val="FF0000"/>
-                </a:solidFill>
-              </a:rPr>
-              <a:t>Conserven este título</a:t>
-            </a:r>
-            <a:endParaRPr lang="es-CO" sz="1400" i="1" dirty="0">
-              <a:solidFill>
-                <a:srgbClr val="FF0000"/>
-              </a:solidFill>
-            </a:endParaRPr>
-          </a:p>
-        </p:txBody>
-      </p:sp>
-      <p:sp>
-        <p:nvSpPr>
-          <p:cNvPr id="13" name="Rectángulo 12"/>
-          <p:cNvSpPr/>
-          <p:nvPr/>
-        </p:nvSpPr>
-        <p:spPr>
-          <a:xfrm>
-            <a:off x="748145" y="1136530"/>
-            <a:ext cx="7813964" cy="3791937"/>
-          </a:xfrm>
-          <a:prstGeom prst="rect">
-            <a:avLst/>
-          </a:prstGeom>
-          <a:noFill/>
-          <a:ln w="76200">
-            <a:solidFill>
-              <a:srgbClr val="FF0000"/>
-            </a:solidFill>
-          </a:ln>
-        </p:spPr>
-        <p:style>
-          <a:lnRef idx="2">
-            <a:schemeClr val="accent1">
-              <a:shade val="50000"/>
-            </a:schemeClr>
-          </a:lnRef>
-          <a:fillRef idx="1">
-            <a:schemeClr val="accent1"/>
-          </a:fillRef>
-          <a:effectRef idx="0">
-            <a:schemeClr val="accent1"/>
-          </a:effectRef>
-          <a:fontRef idx="minor">
-            <a:schemeClr val="lt1"/>
-          </a:fontRef>
-        </p:style>
-        <p:txBody>
-          <a:bodyPr rtlCol="0" anchor="ctr"/>
-          <a:lstStyle/>
-          <a:p>
-            <a:pPr algn="ctr"/>
-            <a:endParaRPr lang="es-CO"/>
-          </a:p>
-        </p:txBody>
-      </p:sp>
-      <p:sp>
-        <p:nvSpPr>
-          <p:cNvPr id="14" name="CuadroTexto 13"/>
-          <p:cNvSpPr txBox="1"/>
-          <p:nvPr/>
-        </p:nvSpPr>
-        <p:spPr>
-          <a:xfrm>
-            <a:off x="-86080" y="5465383"/>
-            <a:ext cx="4671935" cy="307777"/>
-          </a:xfrm>
-          <a:prstGeom prst="rect">
-            <a:avLst/>
-          </a:prstGeom>
-          <a:noFill/>
-        </p:spPr>
-        <p:txBody>
-          <a:bodyPr wrap="square" rtlCol="0">
-            <a:spAutoFit/>
-          </a:bodyPr>
-          <a:lstStyle/>
-          <a:p>
-            <a:pPr algn="ctr"/>
-            <a:r>
-              <a:rPr lang="es-CO" sz="1400" i="1" dirty="0" smtClean="0">
-                <a:solidFill>
-                  <a:srgbClr val="FF0000"/>
-                </a:solidFill>
-              </a:rPr>
-              <a:t>Inserten sus propias gráficas y sus explicaciones</a:t>
-            </a:r>
-            <a:endParaRPr lang="es-CO" sz="1400" i="1" dirty="0">
-              <a:solidFill>
-                <a:srgbClr val="FF0000"/>
-              </a:solidFill>
-            </a:endParaRPr>
-          </a:p>
-        </p:txBody>
-      </p:sp>
-      <p:cxnSp>
-        <p:nvCxnSpPr>
-          <p:cNvPr id="15" name="Conector recto de flecha 14"/>
-          <p:cNvCxnSpPr/>
-          <p:nvPr/>
-        </p:nvCxnSpPr>
-        <p:spPr>
-          <a:xfrm flipH="1">
-            <a:off x="1025236" y="4928467"/>
-            <a:ext cx="13856" cy="536916"/>
-          </a:xfrm>
-          <a:prstGeom prst="straightConnector1">
-            <a:avLst/>
-          </a:prstGeom>
-          <a:ln w="76200">
-            <a:solidFill>
-              <a:srgbClr val="FF0000"/>
-            </a:solidFill>
-            <a:tailEnd type="triangle"/>
-          </a:ln>
-        </p:spPr>
-        <p:style>
-          <a:lnRef idx="1">
-            <a:schemeClr val="accent1"/>
-          </a:lnRef>
-          <a:fillRef idx="0">
-            <a:schemeClr val="accent1"/>
-          </a:fillRef>
-          <a:effectRef idx="0">
-            <a:schemeClr val="accent1"/>
-          </a:effectRef>
-          <a:fontRef idx="minor">
-            <a:schemeClr val="tx1"/>
-          </a:fontRef>
-        </p:style>
-      </p:cxnSp>
-    </p:spTree>
-  </p:cSld>
-  <p:clrMapOvr>
-    <a:masterClrMapping/>
-  </p:clrMapOvr>
-  <p:timing>
-    <p:tnLst>
-      <p:par>
-        <p:cTn id="1" dur="indefinite" restart="never" nodeType="tmRoot">
-          <p:childTnLst>
-            <p:seq>
-              <p:cTn id="2" nodeType="mainSeq"/>
-              <p:prevCondLst>
-                <p:cond evt="onPrev" delay="0">
-                  <p:tgtEl>
-                    <p:sldTgt/>
-                  </p:tgtEl>
-                </p:cond>
-              </p:prevCondLst>
-              <p:nextCondLst>
-                <p:cond evt="onNext" delay="0">
-                  <p:tgtEl>
-                    <p:sldTgt/>
-                  </p:tgtEl>
-                </p:cond>
-              </p:nextCondLst>
-            </p:seq>
-          </p:childTnLst>
-        </p:cTn>
-      </p:par>
-    </p:tnLst>
-  </p:timing>
-</p:sld>
-</file>
-
-<file path=ppt/slides/slide7.xml><?xml version="1.0" encoding="utf-8"?>
-<p:sld xmlns:a="http://schemas.openxmlformats.org/drawingml/2006/main" xmlns:r="http://schemas.openxmlformats.org/officeDocument/2006/relationships" xmlns:p="http://schemas.openxmlformats.org/presentationml/2006/main">
-  <p:cSld>
-    <p:spTree>
-      <p:nvGrpSpPr>
-        <p:cNvPr id="1" name=""/>
-        <p:cNvGrpSpPr/>
-        <p:nvPr/>
-      </p:nvGrpSpPr>
-      <p:grpSpPr>
-        <a:xfrm>
-          <a:off x="0" y="0"/>
-          <a:ext cx="0" cy="0"/>
-          <a:chOff x="0" y="0"/>
-          <a:chExt cx="0" cy="0"/>
-        </a:xfrm>
-      </p:grpSpPr>
-      <p:sp>
-        <p:nvSpPr>
-          <p:cNvPr id="89" name="CustomShape 1"/>
-          <p:cNvSpPr/>
-          <p:nvPr/>
-        </p:nvSpPr>
-        <p:spPr>
-          <a:xfrm>
-            <a:off x="342900" y="330953"/>
-            <a:ext cx="7885440" cy="614160"/>
-          </a:xfrm>
-          <a:prstGeom prst="rect">
-            <a:avLst/>
-          </a:prstGeom>
-          <a:noFill/>
-          <a:ln>
-            <a:noFill/>
-          </a:ln>
-        </p:spPr>
-        <p:style>
-          <a:lnRef idx="0">
-            <a:scrgbClr r="0" g="0" b="0"/>
-          </a:lnRef>
-          <a:fillRef idx="0">
-            <a:scrgbClr r="0" g="0" b="0"/>
-          </a:fillRef>
-          <a:effectRef idx="0">
-            <a:scrgbClr r="0" g="0" b="0"/>
-          </a:effectRef>
-          <a:fontRef idx="minor"/>
-        </p:style>
-        <p:txBody>
-          <a:bodyPr lIns="90000" tIns="45000" rIns="90000" bIns="45000" anchor="ctr"/>
-          <a:lstStyle/>
-          <a:p>
-            <a:pPr>
-              <a:lnSpc>
-                <a:spcPct val="90000"/>
-              </a:lnSpc>
-            </a:pPr>
-            <a:r>
-              <a:rPr lang="en-US" sz="2800" b="1" i="1" spc="-1" dirty="0" err="1" smtClean="0">
-                <a:solidFill>
-                  <a:srgbClr val="333F4F"/>
-                </a:solidFill>
-                <a:uFill>
-                  <a:solidFill>
-                    <a:srgbClr val="FFFFFF"/>
-                  </a:solidFill>
-                </a:uFill>
-                <a:latin typeface="+mj-lt"/>
-                <a:ea typeface="DejaVu Sans"/>
-              </a:rPr>
-              <a:t>Reporte</a:t>
-            </a:r>
-            <a:r>
-              <a:rPr lang="en-US" sz="2800" b="1" i="1" spc="-1" dirty="0" smtClean="0">
-                <a:solidFill>
-                  <a:srgbClr val="333F4F"/>
-                </a:solidFill>
-                <a:uFill>
-                  <a:solidFill>
-                    <a:srgbClr val="FFFFFF"/>
-                  </a:solidFill>
-                </a:uFill>
-                <a:latin typeface="+mj-lt"/>
-                <a:ea typeface="DejaVu Sans"/>
-              </a:rPr>
-              <a:t> </a:t>
-            </a:r>
-            <a:r>
-              <a:rPr lang="en-US" sz="2800" b="1" i="1" spc="-1" dirty="0" err="1">
-                <a:solidFill>
-                  <a:srgbClr val="333F4F"/>
-                </a:solidFill>
-                <a:uFill>
-                  <a:solidFill>
-                    <a:srgbClr val="FFFFFF"/>
-                  </a:solidFill>
-                </a:uFill>
-                <a:latin typeface="+mj-lt"/>
-                <a:ea typeface="DejaVu Sans"/>
-              </a:rPr>
-              <a:t>aceptado</a:t>
-            </a:r>
-            <a:r>
-              <a:rPr lang="en-US" sz="2800" b="1" i="1" spc="-1" dirty="0">
-                <a:solidFill>
-                  <a:srgbClr val="333F4F"/>
-                </a:solidFill>
-                <a:uFill>
-                  <a:solidFill>
-                    <a:srgbClr val="FFFFFF"/>
-                  </a:solidFill>
-                </a:uFill>
-                <a:latin typeface="+mj-lt"/>
-                <a:ea typeface="DejaVu Sans"/>
-              </a:rPr>
-              <a:t> </a:t>
-            </a:r>
-            <a:r>
-              <a:rPr lang="en-US" sz="2800" b="1" i="1" spc="-1" dirty="0" err="1">
-                <a:solidFill>
-                  <a:srgbClr val="333F4F"/>
-                </a:solidFill>
-                <a:uFill>
-                  <a:solidFill>
-                    <a:srgbClr val="FFFFFF"/>
-                  </a:solidFill>
-                </a:uFill>
-                <a:latin typeface="+mj-lt"/>
-                <a:ea typeface="DejaVu Sans"/>
-              </a:rPr>
-              <a:t>en</a:t>
-            </a:r>
-            <a:r>
-              <a:rPr lang="en-US" sz="2800" b="1" i="1" spc="-1" dirty="0">
-                <a:solidFill>
-                  <a:srgbClr val="333F4F"/>
-                </a:solidFill>
-                <a:uFill>
-                  <a:solidFill>
-                    <a:srgbClr val="FFFFFF"/>
-                  </a:solidFill>
-                </a:uFill>
-                <a:latin typeface="+mj-lt"/>
-                <a:ea typeface="DejaVu Sans"/>
-              </a:rPr>
-              <a:t> </a:t>
-            </a:r>
-            <a:r>
-              <a:rPr lang="en-US" sz="2800" b="1" i="1" spc="-1" dirty="0" err="1">
-                <a:solidFill>
-                  <a:srgbClr val="333F4F"/>
-                </a:solidFill>
-                <a:uFill>
-                  <a:solidFill>
-                    <a:srgbClr val="FFFFFF"/>
-                  </a:solidFill>
-                </a:uFill>
-                <a:latin typeface="+mj-lt"/>
-                <a:ea typeface="DejaVu Sans"/>
-              </a:rPr>
-              <a:t>arXiv</a:t>
-            </a:r>
-            <a:endParaRPr lang="en-US" sz="2800" b="1" i="1" spc="-1" dirty="0">
-              <a:solidFill>
-                <a:srgbClr val="333F4F"/>
-              </a:solidFill>
-              <a:uFill>
-                <a:solidFill>
-                  <a:srgbClr val="FFFFFF"/>
-                </a:solidFill>
-              </a:uFill>
-              <a:latin typeface="+mj-lt"/>
-              <a:ea typeface="DejaVu Sans"/>
-            </a:endParaRPr>
-          </a:p>
-        </p:txBody>
-      </p:sp>
-      <p:sp>
-        <p:nvSpPr>
-          <p:cNvPr id="90" name="TextShape 2"/>
-          <p:cNvSpPr txBox="1"/>
-          <p:nvPr/>
-        </p:nvSpPr>
-        <p:spPr>
-          <a:xfrm>
-            <a:off x="600075" y="1268730"/>
-            <a:ext cx="8172450" cy="1393560"/>
-          </a:xfrm>
-          <a:prstGeom prst="rect">
-            <a:avLst/>
-          </a:prstGeom>
-          <a:noFill/>
-          <a:ln>
-            <a:noFill/>
-          </a:ln>
-        </p:spPr>
-        <p:txBody>
-          <a:bodyPr lIns="90000" tIns="45000" rIns="90000" bIns="45000"/>
-          <a:lstStyle/>
-          <a:p>
-            <a:pPr algn="just">
-              <a:buClr>
-                <a:srgbClr val="000000"/>
-              </a:buClr>
-              <a:buSzPct val="45000"/>
-            </a:pPr>
-            <a:r>
-              <a:rPr lang="es-CO" sz="1800" b="0" strike="noStrike" spc="-1" dirty="0">
-                <a:solidFill>
-                  <a:srgbClr val="00000A"/>
-                </a:solidFill>
-                <a:uFill>
-                  <a:solidFill>
-                    <a:srgbClr val="FFFFFF"/>
-                  </a:solidFill>
-                </a:uFill>
-                <a:latin typeface="+mj-lt"/>
-              </a:rPr>
-              <a:t>C. Patiño-Forero, M. Agudelo-Toro, and M. Toro. </a:t>
-            </a:r>
-            <a:r>
-              <a:rPr lang="en-US" sz="1800" b="0" strike="noStrike" spc="-1" dirty="0">
-                <a:solidFill>
-                  <a:srgbClr val="00000A"/>
-                </a:solidFill>
-                <a:uFill>
-                  <a:solidFill>
-                    <a:srgbClr val="FFFFFF"/>
-                  </a:solidFill>
-                </a:uFill>
-                <a:latin typeface="+mj-lt"/>
-              </a:rPr>
-              <a:t>Planning system for deliveries in </a:t>
-            </a:r>
-            <a:r>
-              <a:rPr lang="en-US" sz="1800" b="0" strike="noStrike" spc="-1" dirty="0" err="1">
-                <a:solidFill>
-                  <a:srgbClr val="00000A"/>
-                </a:solidFill>
-                <a:uFill>
-                  <a:solidFill>
-                    <a:srgbClr val="FFFFFF"/>
-                  </a:solidFill>
-                </a:uFill>
-                <a:latin typeface="+mj-lt"/>
-              </a:rPr>
-              <a:t>Medellín</a:t>
-            </a:r>
-            <a:r>
-              <a:rPr lang="en-US" sz="1800" b="0" strike="noStrike" spc="-1" dirty="0">
-                <a:solidFill>
-                  <a:srgbClr val="00000A"/>
-                </a:solidFill>
-                <a:uFill>
-                  <a:solidFill>
-                    <a:srgbClr val="FFFFFF"/>
-                  </a:solidFill>
-                </a:uFill>
-                <a:latin typeface="+mj-lt"/>
-              </a:rPr>
-              <a:t>. </a:t>
-            </a:r>
-            <a:r>
-              <a:rPr lang="en-US" sz="1800" b="0" strike="noStrike" spc="-1" dirty="0" err="1">
-                <a:solidFill>
-                  <a:srgbClr val="00000A"/>
-                </a:solidFill>
-                <a:uFill>
-                  <a:solidFill>
-                    <a:srgbClr val="FFFFFF"/>
-                  </a:solidFill>
-                </a:uFill>
-                <a:latin typeface="+mj-lt"/>
-              </a:rPr>
-              <a:t>ArXiv</a:t>
-            </a:r>
-            <a:r>
-              <a:rPr lang="en-US" sz="1800" b="0" strike="noStrike" spc="-1" dirty="0">
-                <a:solidFill>
-                  <a:srgbClr val="00000A"/>
-                </a:solidFill>
-                <a:uFill>
-                  <a:solidFill>
-                    <a:srgbClr val="FFFFFF"/>
-                  </a:solidFill>
-                </a:uFill>
-                <a:latin typeface="+mj-lt"/>
-              </a:rPr>
-              <a:t> e-prints, Nov. 2016. Available at: </a:t>
-            </a:r>
-            <a:r>
-              <a:rPr lang="en-US" sz="1800" b="0" strike="noStrike" spc="-1" dirty="0">
-                <a:solidFill>
-                  <a:srgbClr val="00000A"/>
-                </a:solidFill>
-                <a:uFill>
-                  <a:solidFill>
-                    <a:srgbClr val="FFFFFF"/>
-                  </a:solidFill>
-                </a:uFill>
-                <a:latin typeface="+mj-lt"/>
-                <a:hlinkClick r:id="rId2"/>
-              </a:rPr>
-              <a:t>https://arxiv.org/abs/1611.04156</a:t>
-            </a:r>
-            <a:endParaRPr lang="en-US" sz="1800" b="0" strike="noStrike" spc="-1" dirty="0">
-              <a:solidFill>
-                <a:srgbClr val="000000"/>
-              </a:solidFill>
-              <a:uFill>
-                <a:solidFill>
-                  <a:srgbClr val="FFFFFF"/>
-                </a:solidFill>
-              </a:uFill>
-              <a:latin typeface="+mj-lt"/>
-            </a:endParaRPr>
-          </a:p>
-        </p:txBody>
-      </p:sp>
-      <p:sp>
-        <p:nvSpPr>
-          <p:cNvPr id="4" name="Rectángulo 3"/>
-          <p:cNvSpPr/>
-          <p:nvPr/>
-        </p:nvSpPr>
-        <p:spPr>
-          <a:xfrm>
-            <a:off x="342900" y="365571"/>
-            <a:ext cx="4749143" cy="536422"/>
-          </a:xfrm>
-          <a:prstGeom prst="rect">
-            <a:avLst/>
-          </a:prstGeom>
-          <a:noFill/>
-          <a:ln w="76200">
-            <a:solidFill>
-              <a:srgbClr val="FF0000"/>
-            </a:solidFill>
-          </a:ln>
-        </p:spPr>
-        <p:style>
-          <a:lnRef idx="2">
-            <a:schemeClr val="accent1">
-              <a:shade val="50000"/>
-            </a:schemeClr>
-          </a:lnRef>
-          <a:fillRef idx="1">
-            <a:schemeClr val="accent1"/>
-          </a:fillRef>
-          <a:effectRef idx="0">
-            <a:schemeClr val="accent1"/>
-          </a:effectRef>
-          <a:fontRef idx="minor">
-            <a:schemeClr val="lt1"/>
-          </a:fontRef>
-        </p:style>
-        <p:txBody>
-          <a:bodyPr rtlCol="0" anchor="ctr"/>
-          <a:lstStyle/>
-          <a:p>
-            <a:pPr algn="ctr"/>
-            <a:endParaRPr lang="es-CO"/>
-          </a:p>
-        </p:txBody>
-      </p:sp>
-      <p:cxnSp>
-        <p:nvCxnSpPr>
-          <p:cNvPr id="5" name="Conector recto de flecha 4"/>
-          <p:cNvCxnSpPr/>
-          <p:nvPr/>
-        </p:nvCxnSpPr>
-        <p:spPr>
-          <a:xfrm>
-            <a:off x="5092043" y="585490"/>
-            <a:ext cx="665018" cy="0"/>
-          </a:xfrm>
-          <a:prstGeom prst="straightConnector1">
-            <a:avLst/>
-          </a:prstGeom>
-          <a:ln w="76200">
-            <a:solidFill>
-              <a:srgbClr val="FF0000"/>
-            </a:solidFill>
-            <a:tailEnd type="triangle"/>
-          </a:ln>
-        </p:spPr>
-        <p:style>
-          <a:lnRef idx="1">
-            <a:schemeClr val="accent1"/>
-          </a:lnRef>
-          <a:fillRef idx="0">
-            <a:schemeClr val="accent1"/>
-          </a:fillRef>
-          <a:effectRef idx="0">
-            <a:schemeClr val="accent1"/>
-          </a:effectRef>
-          <a:fontRef idx="minor">
-            <a:schemeClr val="tx1"/>
-          </a:fontRef>
-        </p:style>
-      </p:cxnSp>
-      <p:sp>
-        <p:nvSpPr>
-          <p:cNvPr id="6" name="CuadroTexto 5"/>
-          <p:cNvSpPr txBox="1"/>
-          <p:nvPr/>
-        </p:nvSpPr>
-        <p:spPr>
-          <a:xfrm>
-            <a:off x="5757061" y="431601"/>
-            <a:ext cx="2465180" cy="307777"/>
-          </a:xfrm>
-          <a:prstGeom prst="rect">
-            <a:avLst/>
-          </a:prstGeom>
-          <a:noFill/>
-        </p:spPr>
-        <p:txBody>
-          <a:bodyPr wrap="square" rtlCol="0">
-            <a:spAutoFit/>
-          </a:bodyPr>
-          <a:lstStyle/>
-          <a:p>
-            <a:pPr algn="ctr"/>
-            <a:r>
-              <a:rPr lang="es-CO" sz="1400" i="1" dirty="0" smtClean="0">
-                <a:solidFill>
-                  <a:srgbClr val="FF0000"/>
-                </a:solidFill>
-              </a:rPr>
-              <a:t>Conserven este título</a:t>
-            </a:r>
-            <a:endParaRPr lang="es-CO" sz="1400" i="1" dirty="0">
-              <a:solidFill>
-                <a:srgbClr val="FF0000"/>
-              </a:solidFill>
-            </a:endParaRPr>
-          </a:p>
-        </p:txBody>
-      </p:sp>
-      <p:sp>
-        <p:nvSpPr>
-          <p:cNvPr id="7" name="Rectángulo 6"/>
-          <p:cNvSpPr/>
-          <p:nvPr/>
-        </p:nvSpPr>
-        <p:spPr>
-          <a:xfrm>
-            <a:off x="342900" y="1268729"/>
-            <a:ext cx="8565573" cy="1155815"/>
-          </a:xfrm>
-          <a:prstGeom prst="rect">
-            <a:avLst/>
-          </a:prstGeom>
-          <a:noFill/>
-          <a:ln w="76200">
-            <a:solidFill>
-              <a:srgbClr val="FF0000"/>
-            </a:solidFill>
-          </a:ln>
-        </p:spPr>
-        <p:style>
-          <a:lnRef idx="2">
-            <a:schemeClr val="accent1">
-              <a:shade val="50000"/>
-            </a:schemeClr>
-          </a:lnRef>
-          <a:fillRef idx="1">
-            <a:schemeClr val="accent1"/>
-          </a:fillRef>
-          <a:effectRef idx="0">
-            <a:schemeClr val="accent1"/>
-          </a:effectRef>
-          <a:fontRef idx="minor">
-            <a:schemeClr val="lt1"/>
-          </a:fontRef>
-        </p:style>
-        <p:txBody>
-          <a:bodyPr rtlCol="0" anchor="ctr"/>
-          <a:lstStyle/>
-          <a:p>
-            <a:pPr algn="ctr"/>
-            <a:endParaRPr lang="es-CO"/>
-          </a:p>
-        </p:txBody>
-      </p:sp>
-      <p:cxnSp>
-        <p:nvCxnSpPr>
-          <p:cNvPr id="8" name="Conector recto de flecha 7"/>
-          <p:cNvCxnSpPr/>
-          <p:nvPr/>
-        </p:nvCxnSpPr>
-        <p:spPr>
-          <a:xfrm>
-            <a:off x="3851564" y="2424544"/>
-            <a:ext cx="803563" cy="323616"/>
-          </a:xfrm>
-          <a:prstGeom prst="straightConnector1">
-            <a:avLst/>
-          </a:prstGeom>
-          <a:ln w="76200">
-            <a:solidFill>
-              <a:srgbClr val="FF0000"/>
-            </a:solidFill>
-            <a:tailEnd type="triangle"/>
-          </a:ln>
-        </p:spPr>
-        <p:style>
-          <a:lnRef idx="1">
-            <a:schemeClr val="accent1"/>
-          </a:lnRef>
-          <a:fillRef idx="0">
-            <a:schemeClr val="accent1"/>
-          </a:fillRef>
-          <a:effectRef idx="0">
-            <a:schemeClr val="accent1"/>
-          </a:effectRef>
-          <a:fontRef idx="minor">
-            <a:schemeClr val="tx1"/>
-          </a:fontRef>
-        </p:style>
-      </p:cxnSp>
-      <p:sp>
-        <p:nvSpPr>
-          <p:cNvPr id="11" name="CuadroTexto 10"/>
-          <p:cNvSpPr txBox="1"/>
-          <p:nvPr/>
-        </p:nvSpPr>
-        <p:spPr>
-          <a:xfrm>
-            <a:off x="4524471" y="2662290"/>
-            <a:ext cx="2465180" cy="523220"/>
-          </a:xfrm>
-          <a:prstGeom prst="rect">
-            <a:avLst/>
-          </a:prstGeom>
-          <a:noFill/>
-        </p:spPr>
-        <p:txBody>
-          <a:bodyPr wrap="square" rtlCol="0">
-            <a:spAutoFit/>
-          </a:bodyPr>
-          <a:lstStyle/>
-          <a:p>
-            <a:pPr algn="ctr"/>
-            <a:r>
-              <a:rPr lang="es-CO" sz="1400" i="1" dirty="0" smtClean="0">
-                <a:solidFill>
-                  <a:srgbClr val="FF0000"/>
-                </a:solidFill>
-              </a:rPr>
-              <a:t>Inserten el enlace del reporte aceptado en </a:t>
-            </a:r>
-            <a:r>
-              <a:rPr lang="es-CO" sz="1400" i="1" dirty="0" err="1" smtClean="0">
-                <a:solidFill>
-                  <a:srgbClr val="FF0000"/>
-                </a:solidFill>
-              </a:rPr>
-              <a:t>arXiv</a:t>
-            </a:r>
-            <a:endParaRPr lang="es-CO" sz="1400" i="1" dirty="0">
-              <a:solidFill>
-                <a:srgbClr val="FF0000"/>
-              </a:solidFill>
-            </a:endParaRPr>
-          </a:p>
-        </p:txBody>
-      </p:sp>
+        </p:nvPicPr>
+        <p:blipFill rotWithShape="1">
+          <a:blip r:embed="rId2">
+            <a:extLst>
+              <a:ext uri="{28A0092B-C50C-407E-A947-70E740481C1C}">
+                <a14:useLocalDpi xmlns:a14="http://schemas.microsoft.com/office/drawing/2010/main" val="0"/>
+              </a:ext>
+            </a:extLst>
+          </a:blip>
+          <a:srcRect t="216" r="32143"/>
+          <a:stretch/>
+        </p:blipFill>
+        <p:spPr>
+          <a:xfrm>
+            <a:off x="1004840" y="868320"/>
+            <a:ext cx="7384282" cy="4109147"/>
+          </a:xfrm>
+          <a:prstGeom prst="rect">
+            <a:avLst/>
+          </a:prstGeom>
+        </p:spPr>
+      </p:pic>
     </p:spTree>
   </p:cSld>
   <p:clrMapOvr>
